--- a/Offline/BusinessManagement/Teach_Tech@anodiam/AI_Robotics/Others/Data Science/Data Analysis.pptx
+++ b/Offline/BusinessManagement/Teach_Tech@anodiam/AI_Robotics/Others/Data Science/Data Analysis.pptx
@@ -5,7 +5,7 @@
     <p:sldMasterId id="2147483648" r:id="rId1"/>
   </p:sldMasterIdLst>
   <p:notesMasterIdLst>
-    <p:notesMasterId r:id="rId14"/>
+    <p:notesMasterId r:id="rId15"/>
   </p:notesMasterIdLst>
   <p:sldIdLst>
     <p:sldId id="257" r:id="rId2"/>
@@ -20,6 +20,7 @@
     <p:sldId id="266" r:id="rId11"/>
     <p:sldId id="267" r:id="rId12"/>
     <p:sldId id="268" r:id="rId13"/>
+    <p:sldId id="269" r:id="rId14"/>
   </p:sldIdLst>
   <p:sldSz cx="12192000" cy="6858000"/>
   <p:notesSz cx="6858000" cy="9144000"/>
@@ -2930,17 +2931,17 @@
     </dgm:pt>
   </dgm:ptLst>
   <dgm:cxnLst>
+    <dgm:cxn modelId="{EAF68B7C-8F66-411B-B2E7-DE79D02BBF04}" type="presOf" srcId="{43B7FEB6-57A4-491E-85E5-09466349BDEB}" destId="{F58D37AB-4D7C-45CA-81D2-601DAFFC934B}" srcOrd="0" destOrd="0" presId="urn:microsoft.com/office/officeart/2005/8/layout/hProcess9"/>
+    <dgm:cxn modelId="{BAFC3FA4-7163-40A6-8BA6-44E8F1B24DD5}" srcId="{CC1C28FA-02B6-4B47-BD14-C108C8C306BF}" destId="{AC6CB1BA-7872-4AB5-AB3A-DE65EFF371F1}" srcOrd="4" destOrd="0" parTransId="{3CD764FF-5D41-401B-BD90-D4D4D6BEA0E5}" sibTransId="{E85DB6AD-8A32-4968-AD9E-04459FAA129C}"/>
+    <dgm:cxn modelId="{FB4A08A7-A695-4E82-8F35-0039CD78B6EE}" type="presOf" srcId="{2EEF91F7-F687-4AC1-B75F-E3FCFB171732}" destId="{1162FBC7-5F82-4156-9C50-946E5EBF5298}" srcOrd="0" destOrd="0" presId="urn:microsoft.com/office/officeart/2005/8/layout/hProcess9"/>
+    <dgm:cxn modelId="{2615FC35-247D-465F-A9CD-69C73A0BEE07}" type="presOf" srcId="{AF1374AB-F2AB-484C-A7DA-BCAC01187C97}" destId="{0843F503-74BC-4A3F-9D88-9F0EE228E87E}" srcOrd="0" destOrd="0" presId="urn:microsoft.com/office/officeart/2005/8/layout/hProcess9"/>
+    <dgm:cxn modelId="{A7D42CE1-E8BE-4E58-85DD-AA496D6CE6FE}" srcId="{CC1C28FA-02B6-4B47-BD14-C108C8C306BF}" destId="{7AD2432C-D12E-4C57-AFC6-047E12CFDF94}" srcOrd="2" destOrd="0" parTransId="{55E20CF5-18F0-425E-921A-37803DED3106}" sibTransId="{E229568E-585F-4AD0-8618-EAC6C5D5E3BD}"/>
+    <dgm:cxn modelId="{ED148208-4EAA-4AFE-A164-072083817B24}" srcId="{CC1C28FA-02B6-4B47-BD14-C108C8C306BF}" destId="{43B7FEB6-57A4-491E-85E5-09466349BDEB}" srcOrd="3" destOrd="0" parTransId="{813C863D-513E-4D0F-A8C2-94D5268634D5}" sibTransId="{7A096443-3A63-4DB3-87C9-5AD9B2AB4EBF}"/>
+    <dgm:cxn modelId="{AD836085-AD4A-4F32-89A7-DA834358BEA4}" type="presOf" srcId="{CC1C28FA-02B6-4B47-BD14-C108C8C306BF}" destId="{0D5FEE18-58AD-4B29-A031-50D595A64B3E}" srcOrd="0" destOrd="0" presId="urn:microsoft.com/office/officeart/2005/8/layout/hProcess9"/>
+    <dgm:cxn modelId="{9C33FB7B-1FC3-4ADD-9221-5374AF36F827}" type="presOf" srcId="{7AD2432C-D12E-4C57-AFC6-047E12CFDF94}" destId="{451BAEA3-148E-4900-9275-2CDFFC6AF5EC}" srcOrd="0" destOrd="0" presId="urn:microsoft.com/office/officeart/2005/8/layout/hProcess9"/>
     <dgm:cxn modelId="{6E72C259-E2C1-47BF-A388-06F1664D21A5}" srcId="{CC1C28FA-02B6-4B47-BD14-C108C8C306BF}" destId="{AF1374AB-F2AB-484C-A7DA-BCAC01187C97}" srcOrd="1" destOrd="0" parTransId="{9DBFF86C-0076-4A17-AE3E-966A8859BA8F}" sibTransId="{873AC036-46BA-47BD-A876-6404794A2949}"/>
+    <dgm:cxn modelId="{94221578-8E14-4AAB-8833-2C7CA282B55C}" srcId="{CC1C28FA-02B6-4B47-BD14-C108C8C306BF}" destId="{2EEF91F7-F687-4AC1-B75F-E3FCFB171732}" srcOrd="0" destOrd="0" parTransId="{92D9BB85-B736-4109-A9F4-C525A09D78A7}" sibTransId="{9B955E3D-662B-4D5D-AE4F-E93D9221AD60}"/>
     <dgm:cxn modelId="{654A4E7D-464B-42FF-A0EB-FF899C7C9234}" type="presOf" srcId="{AC6CB1BA-7872-4AB5-AB3A-DE65EFF371F1}" destId="{EE9C0205-25A8-4E22-B667-8C905BFC6B6F}" srcOrd="0" destOrd="0" presId="urn:microsoft.com/office/officeart/2005/8/layout/hProcess9"/>
-    <dgm:cxn modelId="{2615FC35-247D-465F-A9CD-69C73A0BEE07}" type="presOf" srcId="{AF1374AB-F2AB-484C-A7DA-BCAC01187C97}" destId="{0843F503-74BC-4A3F-9D88-9F0EE228E87E}" srcOrd="0" destOrd="0" presId="urn:microsoft.com/office/officeart/2005/8/layout/hProcess9"/>
-    <dgm:cxn modelId="{94221578-8E14-4AAB-8833-2C7CA282B55C}" srcId="{CC1C28FA-02B6-4B47-BD14-C108C8C306BF}" destId="{2EEF91F7-F687-4AC1-B75F-E3FCFB171732}" srcOrd="0" destOrd="0" parTransId="{92D9BB85-B736-4109-A9F4-C525A09D78A7}" sibTransId="{9B955E3D-662B-4D5D-AE4F-E93D9221AD60}"/>
-    <dgm:cxn modelId="{AD836085-AD4A-4F32-89A7-DA834358BEA4}" type="presOf" srcId="{CC1C28FA-02B6-4B47-BD14-C108C8C306BF}" destId="{0D5FEE18-58AD-4B29-A031-50D595A64B3E}" srcOrd="0" destOrd="0" presId="urn:microsoft.com/office/officeart/2005/8/layout/hProcess9"/>
-    <dgm:cxn modelId="{FB4A08A7-A695-4E82-8F35-0039CD78B6EE}" type="presOf" srcId="{2EEF91F7-F687-4AC1-B75F-E3FCFB171732}" destId="{1162FBC7-5F82-4156-9C50-946E5EBF5298}" srcOrd="0" destOrd="0" presId="urn:microsoft.com/office/officeart/2005/8/layout/hProcess9"/>
-    <dgm:cxn modelId="{BAFC3FA4-7163-40A6-8BA6-44E8F1B24DD5}" srcId="{CC1C28FA-02B6-4B47-BD14-C108C8C306BF}" destId="{AC6CB1BA-7872-4AB5-AB3A-DE65EFF371F1}" srcOrd="4" destOrd="0" parTransId="{3CD764FF-5D41-401B-BD90-D4D4D6BEA0E5}" sibTransId="{E85DB6AD-8A32-4968-AD9E-04459FAA129C}"/>
-    <dgm:cxn modelId="{EAF68B7C-8F66-411B-B2E7-DE79D02BBF04}" type="presOf" srcId="{43B7FEB6-57A4-491E-85E5-09466349BDEB}" destId="{F58D37AB-4D7C-45CA-81D2-601DAFFC934B}" srcOrd="0" destOrd="0" presId="urn:microsoft.com/office/officeart/2005/8/layout/hProcess9"/>
-    <dgm:cxn modelId="{A7D42CE1-E8BE-4E58-85DD-AA496D6CE6FE}" srcId="{CC1C28FA-02B6-4B47-BD14-C108C8C306BF}" destId="{7AD2432C-D12E-4C57-AFC6-047E12CFDF94}" srcOrd="2" destOrd="0" parTransId="{55E20CF5-18F0-425E-921A-37803DED3106}" sibTransId="{E229568E-585F-4AD0-8618-EAC6C5D5E3BD}"/>
-    <dgm:cxn modelId="{9C33FB7B-1FC3-4ADD-9221-5374AF36F827}" type="presOf" srcId="{7AD2432C-D12E-4C57-AFC6-047E12CFDF94}" destId="{451BAEA3-148E-4900-9275-2CDFFC6AF5EC}" srcOrd="0" destOrd="0" presId="urn:microsoft.com/office/officeart/2005/8/layout/hProcess9"/>
-    <dgm:cxn modelId="{ED148208-4EAA-4AFE-A164-072083817B24}" srcId="{CC1C28FA-02B6-4B47-BD14-C108C8C306BF}" destId="{43B7FEB6-57A4-491E-85E5-09466349BDEB}" srcOrd="3" destOrd="0" parTransId="{813C863D-513E-4D0F-A8C2-94D5268634D5}" sibTransId="{7A096443-3A63-4DB3-87C9-5AD9B2AB4EBF}"/>
     <dgm:cxn modelId="{22B141F0-E1C5-4BCD-B160-A37BB5DDD96A}" type="presParOf" srcId="{0D5FEE18-58AD-4B29-A031-50D595A64B3E}" destId="{62E0840E-9C90-4510-B962-F90694AF3A99}" srcOrd="0" destOrd="0" presId="urn:microsoft.com/office/officeart/2005/8/layout/hProcess9"/>
     <dgm:cxn modelId="{F6A8D87C-13BE-4DF5-A995-F17EBEB39612}" type="presParOf" srcId="{0D5FEE18-58AD-4B29-A031-50D595A64B3E}" destId="{4F302ED0-3F33-4FED-AE29-48CAAD8ABE53}" srcOrd="1" destOrd="0" presId="urn:microsoft.com/office/officeart/2005/8/layout/hProcess9"/>
     <dgm:cxn modelId="{DE7F437A-552D-44F7-804C-98ED18F13F75}" type="presParOf" srcId="{4F302ED0-3F33-4FED-AE29-48CAAD8ABE53}" destId="{1162FBC7-5F82-4156-9C50-946E5EBF5298}" srcOrd="0" destOrd="0" presId="urn:microsoft.com/office/officeart/2005/8/layout/hProcess9"/>
@@ -2971,978 +2972,6 @@
       <dsp:cNvGrpSpPr/>
     </dsp:nvGrpSpPr>
     <dsp:grpSpPr/>
-    <dsp:sp modelId="{34C58906-6E69-4CA3-AF5C-47D862F5AB54}">
-      <dsp:nvSpPr>
-        <dsp:cNvPr id="0" name=""/>
-        <dsp:cNvSpPr/>
-      </dsp:nvSpPr>
-      <dsp:spPr>
-        <a:xfrm>
-          <a:off x="2988308" y="2910232"/>
-          <a:ext cx="1831544" cy="1186425"/>
-        </a:xfrm>
-        <a:prstGeom prst="roundRect">
-          <a:avLst>
-            <a:gd name="adj" fmla="val 10000"/>
-          </a:avLst>
-        </a:prstGeom>
-        <a:solidFill>
-          <a:schemeClr val="lt1">
-            <a:alpha val="90000"/>
-            <a:hueOff val="0"/>
-            <a:satOff val="0"/>
-            <a:lumOff val="0"/>
-            <a:alphaOff val="0"/>
-          </a:schemeClr>
-        </a:solidFill>
-        <a:ln w="6350" cap="flat" cmpd="sng" algn="ctr">
-          <a:solidFill>
-            <a:schemeClr val="accent4">
-              <a:hueOff val="0"/>
-              <a:satOff val="0"/>
-              <a:lumOff val="0"/>
-              <a:alphaOff val="0"/>
-            </a:schemeClr>
-          </a:solidFill>
-          <a:prstDash val="solid"/>
-          <a:miter lim="800000"/>
-        </a:ln>
-        <a:effectLst/>
-      </dsp:spPr>
-      <dsp:style>
-        <a:lnRef idx="1">
-          <a:scrgbClr r="0" g="0" b="0"/>
-        </a:lnRef>
-        <a:fillRef idx="1">
-          <a:scrgbClr r="0" g="0" b="0"/>
-        </a:fillRef>
-        <a:effectRef idx="0">
-          <a:scrgbClr r="0" g="0" b="0"/>
-        </a:effectRef>
-        <a:fontRef idx="minor"/>
-      </dsp:style>
-      <dsp:txBody>
-        <a:bodyPr spcFirstLastPara="0" vert="horz" wrap="square" lIns="64770" tIns="64770" rIns="64770" bIns="64770" numCol="1" spcCol="1270" anchor="t" anchorCtr="0">
-          <a:noAutofit/>
-        </a:bodyPr>
-        <a:lstStyle/>
-        <a:p>
-          <a:pPr marL="114300" lvl="1" indent="-114300" algn="l" defTabSz="577850">
-            <a:lnSpc>
-              <a:spcPct val="90000"/>
-            </a:lnSpc>
-            <a:spcBef>
-              <a:spcPct val="0"/>
-            </a:spcBef>
-            <a:spcAft>
-              <a:spcPct val="15000"/>
-            </a:spcAft>
-            <a:buChar char="••"/>
-          </a:pPr>
-          <a:r>
-            <a:rPr lang="en-US" sz="1300" kern="1200" dirty="0" smtClean="0">
-              <a:latin typeface="Oxygen" panose="02000503000000000000" pitchFamily="2" charset="0"/>
-            </a:rPr>
-            <a:t>What</a:t>
-          </a:r>
-          <a:r>
-            <a:rPr lang="en-US" sz="1300" kern="1200" dirty="0" smtClean="0"/>
-            <a:t> </a:t>
-          </a:r>
-          <a:r>
-            <a:rPr lang="en-US" sz="1300" kern="1200" dirty="0" smtClean="0">
-              <a:latin typeface="Oxygen" panose="02000503000000000000" pitchFamily="2" charset="0"/>
-            </a:rPr>
-            <a:t>should</a:t>
-          </a:r>
-          <a:r>
-            <a:rPr lang="en-US" sz="1300" kern="1200" dirty="0" smtClean="0"/>
-            <a:t> </a:t>
-          </a:r>
-          <a:r>
-            <a:rPr lang="en-US" sz="1300" kern="1200" dirty="0" smtClean="0">
-              <a:latin typeface="Oxygen" panose="02000503000000000000" pitchFamily="2" charset="0"/>
-            </a:rPr>
-            <a:t>be done about it?</a:t>
-          </a:r>
-          <a:endParaRPr lang="en-AU" sz="1300" kern="1200" dirty="0">
-            <a:latin typeface="Oxygen" panose="02000503000000000000" pitchFamily="2" charset="0"/>
-          </a:endParaRPr>
-        </a:p>
-      </dsp:txBody>
-      <dsp:txXfrm>
-        <a:off x="3563834" y="3232900"/>
-        <a:ext cx="1229956" cy="837695"/>
-      </dsp:txXfrm>
-    </dsp:sp>
-    <dsp:sp modelId="{A13BDFA3-EFE8-46D7-83D6-1C13E65DB65A}">
-      <dsp:nvSpPr>
-        <dsp:cNvPr id="0" name=""/>
-        <dsp:cNvSpPr/>
-      </dsp:nvSpPr>
-      <dsp:spPr>
-        <a:xfrm>
-          <a:off x="0" y="2910232"/>
-          <a:ext cx="1831544" cy="1186425"/>
-        </a:xfrm>
-        <a:prstGeom prst="roundRect">
-          <a:avLst>
-            <a:gd name="adj" fmla="val 10000"/>
-          </a:avLst>
-        </a:prstGeom>
-        <a:solidFill>
-          <a:schemeClr val="lt1">
-            <a:alpha val="90000"/>
-            <a:hueOff val="0"/>
-            <a:satOff val="0"/>
-            <a:lumOff val="0"/>
-            <a:alphaOff val="0"/>
-          </a:schemeClr>
-        </a:solidFill>
-        <a:ln w="6350" cap="flat" cmpd="sng" algn="ctr">
-          <a:solidFill>
-            <a:schemeClr val="accent5">
-              <a:hueOff val="0"/>
-              <a:satOff val="0"/>
-              <a:lumOff val="0"/>
-              <a:alphaOff val="0"/>
-            </a:schemeClr>
-          </a:solidFill>
-          <a:prstDash val="solid"/>
-          <a:miter lim="800000"/>
-        </a:ln>
-        <a:effectLst/>
-      </dsp:spPr>
-      <dsp:style>
-        <a:lnRef idx="1">
-          <a:scrgbClr r="0" g="0" b="0"/>
-        </a:lnRef>
-        <a:fillRef idx="1">
-          <a:scrgbClr r="0" g="0" b="0"/>
-        </a:fillRef>
-        <a:effectRef idx="0">
-          <a:scrgbClr r="0" g="0" b="0"/>
-        </a:effectRef>
-        <a:fontRef idx="minor"/>
-      </dsp:style>
-      <dsp:txBody>
-        <a:bodyPr spcFirstLastPara="0" vert="horz" wrap="square" lIns="64770" tIns="64770" rIns="64770" bIns="64770" numCol="1" spcCol="1270" anchor="t" anchorCtr="0">
-          <a:noAutofit/>
-        </a:bodyPr>
-        <a:lstStyle/>
-        <a:p>
-          <a:pPr marL="114300" lvl="1" indent="-114300" algn="l" defTabSz="577850">
-            <a:lnSpc>
-              <a:spcPct val="90000"/>
-            </a:lnSpc>
-            <a:spcBef>
-              <a:spcPct val="0"/>
-            </a:spcBef>
-            <a:spcAft>
-              <a:spcPct val="15000"/>
-            </a:spcAft>
-            <a:buChar char="••"/>
-          </a:pPr>
-          <a:r>
-            <a:rPr lang="en-US" sz="1300" kern="1200" dirty="0" smtClean="0">
-              <a:latin typeface="Oxygen" panose="02000503000000000000" pitchFamily="2" charset="0"/>
-            </a:rPr>
-            <a:t>What might happen in the future?</a:t>
-          </a:r>
-          <a:endParaRPr lang="en-AU" sz="1300" kern="1200" dirty="0">
-            <a:latin typeface="Oxygen" panose="02000503000000000000" pitchFamily="2" charset="0"/>
-          </a:endParaRPr>
-        </a:p>
-      </dsp:txBody>
-      <dsp:txXfrm>
-        <a:off x="26062" y="3232900"/>
-        <a:ext cx="1229956" cy="837695"/>
-      </dsp:txXfrm>
-    </dsp:sp>
-    <dsp:sp modelId="{FE929E98-B673-476C-B678-2B6246A1CACA}">
-      <dsp:nvSpPr>
-        <dsp:cNvPr id="0" name=""/>
-        <dsp:cNvSpPr/>
-      </dsp:nvSpPr>
-      <dsp:spPr>
-        <a:xfrm>
-          <a:off x="2988308" y="389078"/>
-          <a:ext cx="1831544" cy="1186425"/>
-        </a:xfrm>
-        <a:prstGeom prst="roundRect">
-          <a:avLst>
-            <a:gd name="adj" fmla="val 10000"/>
-          </a:avLst>
-        </a:prstGeom>
-        <a:solidFill>
-          <a:schemeClr val="lt1">
-            <a:alpha val="90000"/>
-            <a:hueOff val="0"/>
-            <a:satOff val="0"/>
-            <a:lumOff val="0"/>
-            <a:alphaOff val="0"/>
-          </a:schemeClr>
-        </a:solidFill>
-        <a:ln w="6350" cap="flat" cmpd="sng" algn="ctr">
-          <a:solidFill>
-            <a:schemeClr val="accent3">
-              <a:hueOff val="0"/>
-              <a:satOff val="0"/>
-              <a:lumOff val="0"/>
-              <a:alphaOff val="0"/>
-            </a:schemeClr>
-          </a:solidFill>
-          <a:prstDash val="solid"/>
-          <a:miter lim="800000"/>
-        </a:ln>
-        <a:effectLst/>
-      </dsp:spPr>
-      <dsp:style>
-        <a:lnRef idx="1">
-          <a:scrgbClr r="0" g="0" b="0"/>
-        </a:lnRef>
-        <a:fillRef idx="1">
-          <a:scrgbClr r="0" g="0" b="0"/>
-        </a:fillRef>
-        <a:effectRef idx="0">
-          <a:scrgbClr r="0" g="0" b="0"/>
-        </a:effectRef>
-        <a:fontRef idx="minor"/>
-      </dsp:style>
-      <dsp:txBody>
-        <a:bodyPr spcFirstLastPara="0" vert="horz" wrap="square" lIns="64770" tIns="64770" rIns="64770" bIns="64770" numCol="1" spcCol="1270" anchor="t" anchorCtr="0">
-          <a:noAutofit/>
-        </a:bodyPr>
-        <a:lstStyle/>
-        <a:p>
-          <a:pPr marL="114300" lvl="1" indent="-114300" algn="l" defTabSz="577850">
-            <a:lnSpc>
-              <a:spcPct val="90000"/>
-            </a:lnSpc>
-            <a:spcBef>
-              <a:spcPct val="0"/>
-            </a:spcBef>
-            <a:spcAft>
-              <a:spcPct val="15000"/>
-            </a:spcAft>
-            <a:buChar char="••"/>
-          </a:pPr>
-          <a:r>
-            <a:rPr lang="en-US" sz="1300" kern="1200" dirty="0" smtClean="0">
-              <a:latin typeface="Oxygen" panose="02000503000000000000" pitchFamily="2" charset="0"/>
-            </a:rPr>
-            <a:t>Why did it happen?</a:t>
-          </a:r>
-          <a:endParaRPr lang="en-AU" sz="1300" kern="1200" dirty="0">
-            <a:latin typeface="Oxygen" panose="02000503000000000000" pitchFamily="2" charset="0"/>
-          </a:endParaRPr>
-        </a:p>
-      </dsp:txBody>
-      <dsp:txXfrm>
-        <a:off x="3563834" y="415140"/>
-        <a:ext cx="1229956" cy="837695"/>
-      </dsp:txXfrm>
-    </dsp:sp>
-    <dsp:sp modelId="{D8DBECD4-DD5F-469F-8B81-E14F546E3CA0}">
-      <dsp:nvSpPr>
-        <dsp:cNvPr id="0" name=""/>
-        <dsp:cNvSpPr/>
-      </dsp:nvSpPr>
-      <dsp:spPr>
-        <a:xfrm>
-          <a:off x="0" y="389078"/>
-          <a:ext cx="1831544" cy="1186425"/>
-        </a:xfrm>
-        <a:prstGeom prst="roundRect">
-          <a:avLst>
-            <a:gd name="adj" fmla="val 10000"/>
-          </a:avLst>
-        </a:prstGeom>
-        <a:solidFill>
-          <a:schemeClr val="lt1">
-            <a:alpha val="90000"/>
-            <a:hueOff val="0"/>
-            <a:satOff val="0"/>
-            <a:lumOff val="0"/>
-            <a:alphaOff val="0"/>
-          </a:schemeClr>
-        </a:solidFill>
-        <a:ln w="6350" cap="flat" cmpd="sng" algn="ctr">
-          <a:solidFill>
-            <a:schemeClr val="accent2">
-              <a:hueOff val="0"/>
-              <a:satOff val="0"/>
-              <a:lumOff val="0"/>
-              <a:alphaOff val="0"/>
-            </a:schemeClr>
-          </a:solidFill>
-          <a:prstDash val="solid"/>
-          <a:miter lim="800000"/>
-        </a:ln>
-        <a:effectLst/>
-      </dsp:spPr>
-      <dsp:style>
-        <a:lnRef idx="1">
-          <a:scrgbClr r="0" g="0" b="0"/>
-        </a:lnRef>
-        <a:fillRef idx="1">
-          <a:scrgbClr r="0" g="0" b="0"/>
-        </a:fillRef>
-        <a:effectRef idx="0">
-          <a:scrgbClr r="0" g="0" b="0"/>
-        </a:effectRef>
-        <a:fontRef idx="minor"/>
-      </dsp:style>
-      <dsp:txBody>
-        <a:bodyPr spcFirstLastPara="0" vert="horz" wrap="square" lIns="64770" tIns="64770" rIns="64770" bIns="64770" numCol="1" spcCol="1270" anchor="t" anchorCtr="0">
-          <a:noAutofit/>
-        </a:bodyPr>
-        <a:lstStyle/>
-        <a:p>
-          <a:pPr marL="114300" lvl="1" indent="-114300" algn="l" defTabSz="577850">
-            <a:lnSpc>
-              <a:spcPct val="90000"/>
-            </a:lnSpc>
-            <a:spcBef>
-              <a:spcPct val="0"/>
-            </a:spcBef>
-            <a:spcAft>
-              <a:spcPct val="15000"/>
-            </a:spcAft>
-            <a:buChar char="••"/>
-          </a:pPr>
-          <a:r>
-            <a:rPr lang="en-US" sz="1300" kern="1200" dirty="0" smtClean="0">
-              <a:latin typeface="Oxygen" panose="02000503000000000000" pitchFamily="2" charset="0"/>
-            </a:rPr>
-            <a:t>What happened?</a:t>
-          </a:r>
-          <a:endParaRPr lang="en-AU" sz="1300" kern="1200" dirty="0">
-            <a:latin typeface="Oxygen" panose="02000503000000000000" pitchFamily="2" charset="0"/>
-          </a:endParaRPr>
-        </a:p>
-      </dsp:txBody>
-      <dsp:txXfrm>
-        <a:off x="26062" y="415140"/>
-        <a:ext cx="1229956" cy="837695"/>
-      </dsp:txXfrm>
-    </dsp:sp>
-    <dsp:sp modelId="{F5F7CBED-9AF4-440A-AF14-07324468F0F2}">
-      <dsp:nvSpPr>
-        <dsp:cNvPr id="0" name=""/>
-        <dsp:cNvSpPr/>
-      </dsp:nvSpPr>
-      <dsp:spPr>
-        <a:xfrm>
-          <a:off x="767468" y="600410"/>
-          <a:ext cx="1605381" cy="1605381"/>
-        </a:xfrm>
-        <a:prstGeom prst="pieWedge">
-          <a:avLst/>
-        </a:prstGeom>
-        <a:gradFill rotWithShape="0">
-          <a:gsLst>
-            <a:gs pos="0">
-              <a:schemeClr val="accent2">
-                <a:hueOff val="0"/>
-                <a:satOff val="0"/>
-                <a:lumOff val="0"/>
-                <a:alphaOff val="0"/>
-                <a:lumMod val="110000"/>
-                <a:satMod val="105000"/>
-                <a:tint val="67000"/>
-              </a:schemeClr>
-            </a:gs>
-            <a:gs pos="50000">
-              <a:schemeClr val="accent2">
-                <a:hueOff val="0"/>
-                <a:satOff val="0"/>
-                <a:lumOff val="0"/>
-                <a:alphaOff val="0"/>
-                <a:lumMod val="105000"/>
-                <a:satMod val="103000"/>
-                <a:tint val="73000"/>
-              </a:schemeClr>
-            </a:gs>
-            <a:gs pos="100000">
-              <a:schemeClr val="accent2">
-                <a:hueOff val="0"/>
-                <a:satOff val="0"/>
-                <a:lumOff val="0"/>
-                <a:alphaOff val="0"/>
-                <a:lumMod val="105000"/>
-                <a:satMod val="109000"/>
-                <a:tint val="81000"/>
-              </a:schemeClr>
-            </a:gs>
-          </a:gsLst>
-          <a:lin ang="5400000" scaled="0"/>
-        </a:gradFill>
-        <a:ln>
-          <a:noFill/>
-        </a:ln>
-        <a:effectLst/>
-        <a:scene3d>
-          <a:camera prst="orthographicFront"/>
-          <a:lightRig rig="flat" dir="t"/>
-        </a:scene3d>
-        <a:sp3d prstMaterial="dkEdge">
-          <a:bevelT w="8200" h="38100"/>
-        </a:sp3d>
-      </dsp:spPr>
-      <dsp:style>
-        <a:lnRef idx="0">
-          <a:scrgbClr r="0" g="0" b="0"/>
-        </a:lnRef>
-        <a:fillRef idx="2">
-          <a:scrgbClr r="0" g="0" b="0"/>
-        </a:fillRef>
-        <a:effectRef idx="1">
-          <a:scrgbClr r="0" g="0" b="0"/>
-        </a:effectRef>
-        <a:fontRef idx="minor">
-          <a:schemeClr val="dk1"/>
-        </a:fontRef>
-      </dsp:style>
-      <dsp:txBody>
-        <a:bodyPr spcFirstLastPara="0" vert="horz" wrap="square" lIns="78232" tIns="78232" rIns="78232" bIns="78232" numCol="1" spcCol="1270" anchor="ctr" anchorCtr="0">
-          <a:noAutofit/>
-        </a:bodyPr>
-        <a:lstStyle/>
-        <a:p>
-          <a:pPr lvl="0" algn="ctr" defTabSz="488950">
-            <a:lnSpc>
-              <a:spcPct val="90000"/>
-            </a:lnSpc>
-            <a:spcBef>
-              <a:spcPct val="0"/>
-            </a:spcBef>
-            <a:spcAft>
-              <a:spcPct val="35000"/>
-            </a:spcAft>
-          </a:pPr>
-          <a:r>
-            <a:rPr lang="en-US" sz="1100" kern="1200" dirty="0" smtClean="0">
-              <a:latin typeface="Oxygen" panose="02000503000000000000" pitchFamily="2" charset="0"/>
-            </a:rPr>
-            <a:t>DESCRIPTIVE</a:t>
-          </a:r>
-          <a:endParaRPr lang="en-AU" sz="1100" kern="1200" dirty="0">
-            <a:latin typeface="Oxygen" panose="02000503000000000000" pitchFamily="2" charset="0"/>
-          </a:endParaRPr>
-        </a:p>
-      </dsp:txBody>
-      <dsp:txXfrm>
-        <a:off x="1237673" y="1070615"/>
-        <a:ext cx="1135176" cy="1135176"/>
-      </dsp:txXfrm>
-    </dsp:sp>
-    <dsp:sp modelId="{DA0C09A8-66FB-4960-A94B-500B6EDA3D9E}">
-      <dsp:nvSpPr>
-        <dsp:cNvPr id="0" name=""/>
-        <dsp:cNvSpPr/>
-      </dsp:nvSpPr>
-      <dsp:spPr>
-        <a:xfrm rot="5400000">
-          <a:off x="2447002" y="600410"/>
-          <a:ext cx="1605381" cy="1605381"/>
-        </a:xfrm>
-        <a:prstGeom prst="pieWedge">
-          <a:avLst/>
-        </a:prstGeom>
-        <a:gradFill rotWithShape="0">
-          <a:gsLst>
-            <a:gs pos="0">
-              <a:schemeClr val="accent3">
-                <a:hueOff val="0"/>
-                <a:satOff val="0"/>
-                <a:lumOff val="0"/>
-                <a:alphaOff val="0"/>
-                <a:lumMod val="110000"/>
-                <a:satMod val="105000"/>
-                <a:tint val="67000"/>
-              </a:schemeClr>
-            </a:gs>
-            <a:gs pos="50000">
-              <a:schemeClr val="accent3">
-                <a:hueOff val="0"/>
-                <a:satOff val="0"/>
-                <a:lumOff val="0"/>
-                <a:alphaOff val="0"/>
-                <a:lumMod val="105000"/>
-                <a:satMod val="103000"/>
-                <a:tint val="73000"/>
-              </a:schemeClr>
-            </a:gs>
-            <a:gs pos="100000">
-              <a:schemeClr val="accent3">
-                <a:hueOff val="0"/>
-                <a:satOff val="0"/>
-                <a:lumOff val="0"/>
-                <a:alphaOff val="0"/>
-                <a:lumMod val="105000"/>
-                <a:satMod val="109000"/>
-                <a:tint val="81000"/>
-              </a:schemeClr>
-            </a:gs>
-          </a:gsLst>
-          <a:lin ang="5400000" scaled="0"/>
-        </a:gradFill>
-        <a:ln>
-          <a:noFill/>
-        </a:ln>
-        <a:effectLst/>
-        <a:scene3d>
-          <a:camera prst="orthographicFront"/>
-          <a:lightRig rig="flat" dir="t"/>
-        </a:scene3d>
-        <a:sp3d prstMaterial="dkEdge">
-          <a:bevelT w="8200" h="38100"/>
-        </a:sp3d>
-      </dsp:spPr>
-      <dsp:style>
-        <a:lnRef idx="0">
-          <a:scrgbClr r="0" g="0" b="0"/>
-        </a:lnRef>
-        <a:fillRef idx="2">
-          <a:scrgbClr r="0" g="0" b="0"/>
-        </a:fillRef>
-        <a:effectRef idx="1">
-          <a:scrgbClr r="0" g="0" b="0"/>
-        </a:effectRef>
-        <a:fontRef idx="minor">
-          <a:schemeClr val="dk1"/>
-        </a:fontRef>
-      </dsp:style>
-      <dsp:txBody>
-        <a:bodyPr spcFirstLastPara="0" vert="horz" wrap="square" lIns="78232" tIns="78232" rIns="78232" bIns="78232" numCol="1" spcCol="1270" anchor="ctr" anchorCtr="0">
-          <a:noAutofit/>
-        </a:bodyPr>
-        <a:lstStyle/>
-        <a:p>
-          <a:pPr lvl="0" algn="ctr" defTabSz="488950">
-            <a:lnSpc>
-              <a:spcPct val="90000"/>
-            </a:lnSpc>
-            <a:spcBef>
-              <a:spcPct val="0"/>
-            </a:spcBef>
-            <a:spcAft>
-              <a:spcPct val="35000"/>
-            </a:spcAft>
-          </a:pPr>
-          <a:r>
-            <a:rPr lang="en-US" sz="1100" kern="1200" dirty="0" smtClean="0">
-              <a:latin typeface="Oxygen" panose="02000503000000000000" pitchFamily="2" charset="0"/>
-            </a:rPr>
-            <a:t>DIAGNOSTIC</a:t>
-          </a:r>
-          <a:endParaRPr lang="en-AU" sz="1100" kern="1200" dirty="0">
-            <a:latin typeface="Oxygen" panose="02000503000000000000" pitchFamily="2" charset="0"/>
-          </a:endParaRPr>
-        </a:p>
-      </dsp:txBody>
-      <dsp:txXfrm rot="-5400000">
-        <a:off x="2447002" y="1070615"/>
-        <a:ext cx="1135176" cy="1135176"/>
-      </dsp:txXfrm>
-    </dsp:sp>
-    <dsp:sp modelId="{B8C72D8E-64E4-4D94-A272-004FB0BE481C}">
-      <dsp:nvSpPr>
-        <dsp:cNvPr id="0" name=""/>
-        <dsp:cNvSpPr/>
-      </dsp:nvSpPr>
-      <dsp:spPr>
-        <a:xfrm rot="10800000">
-          <a:off x="2447002" y="2279943"/>
-          <a:ext cx="1605381" cy="1605381"/>
-        </a:xfrm>
-        <a:prstGeom prst="pieWedge">
-          <a:avLst/>
-        </a:prstGeom>
-        <a:gradFill rotWithShape="0">
-          <a:gsLst>
-            <a:gs pos="0">
-              <a:schemeClr val="accent4">
-                <a:hueOff val="0"/>
-                <a:satOff val="0"/>
-                <a:lumOff val="0"/>
-                <a:alphaOff val="0"/>
-                <a:lumMod val="110000"/>
-                <a:satMod val="105000"/>
-                <a:tint val="67000"/>
-              </a:schemeClr>
-            </a:gs>
-            <a:gs pos="50000">
-              <a:schemeClr val="accent4">
-                <a:hueOff val="0"/>
-                <a:satOff val="0"/>
-                <a:lumOff val="0"/>
-                <a:alphaOff val="0"/>
-                <a:lumMod val="105000"/>
-                <a:satMod val="103000"/>
-                <a:tint val="73000"/>
-              </a:schemeClr>
-            </a:gs>
-            <a:gs pos="100000">
-              <a:schemeClr val="accent4">
-                <a:hueOff val="0"/>
-                <a:satOff val="0"/>
-                <a:lumOff val="0"/>
-                <a:alphaOff val="0"/>
-                <a:lumMod val="105000"/>
-                <a:satMod val="109000"/>
-                <a:tint val="81000"/>
-              </a:schemeClr>
-            </a:gs>
-          </a:gsLst>
-          <a:lin ang="5400000" scaled="0"/>
-        </a:gradFill>
-        <a:ln>
-          <a:noFill/>
-        </a:ln>
-        <a:effectLst/>
-        <a:scene3d>
-          <a:camera prst="orthographicFront"/>
-          <a:lightRig rig="flat" dir="t"/>
-        </a:scene3d>
-        <a:sp3d prstMaterial="dkEdge">
-          <a:bevelT w="8200" h="38100"/>
-        </a:sp3d>
-      </dsp:spPr>
-      <dsp:style>
-        <a:lnRef idx="0">
-          <a:scrgbClr r="0" g="0" b="0"/>
-        </a:lnRef>
-        <a:fillRef idx="2">
-          <a:scrgbClr r="0" g="0" b="0"/>
-        </a:fillRef>
-        <a:effectRef idx="1">
-          <a:scrgbClr r="0" g="0" b="0"/>
-        </a:effectRef>
-        <a:fontRef idx="minor">
-          <a:schemeClr val="dk1"/>
-        </a:fontRef>
-      </dsp:style>
-      <dsp:txBody>
-        <a:bodyPr spcFirstLastPara="0" vert="horz" wrap="square" lIns="78232" tIns="78232" rIns="78232" bIns="78232" numCol="1" spcCol="1270" anchor="ctr" anchorCtr="0">
-          <a:noAutofit/>
-        </a:bodyPr>
-        <a:lstStyle/>
-        <a:p>
-          <a:pPr lvl="0" algn="ctr" defTabSz="488950">
-            <a:lnSpc>
-              <a:spcPct val="90000"/>
-            </a:lnSpc>
-            <a:spcBef>
-              <a:spcPct val="0"/>
-            </a:spcBef>
-            <a:spcAft>
-              <a:spcPct val="35000"/>
-            </a:spcAft>
-          </a:pPr>
-          <a:r>
-            <a:rPr lang="en-US" sz="1100" kern="1200" dirty="0" smtClean="0">
-              <a:latin typeface="Oxygen" panose="02000503000000000000" pitchFamily="2" charset="0"/>
-            </a:rPr>
-            <a:t>PRESCRIPTIVE</a:t>
-          </a:r>
-          <a:endParaRPr lang="en-AU" sz="1100" kern="1200" dirty="0">
-            <a:latin typeface="Oxygen" panose="02000503000000000000" pitchFamily="2" charset="0"/>
-          </a:endParaRPr>
-        </a:p>
-      </dsp:txBody>
-      <dsp:txXfrm rot="10800000">
-        <a:off x="2447002" y="2279943"/>
-        <a:ext cx="1135176" cy="1135176"/>
-      </dsp:txXfrm>
-    </dsp:sp>
-    <dsp:sp modelId="{61FAC836-F4CD-4B54-871B-4D8BAB72061F}">
-      <dsp:nvSpPr>
-        <dsp:cNvPr id="0" name=""/>
-        <dsp:cNvSpPr/>
-      </dsp:nvSpPr>
-      <dsp:spPr>
-        <a:xfrm rot="16200000">
-          <a:off x="767468" y="2279943"/>
-          <a:ext cx="1605381" cy="1605381"/>
-        </a:xfrm>
-        <a:prstGeom prst="pieWedge">
-          <a:avLst/>
-        </a:prstGeom>
-        <a:gradFill rotWithShape="0">
-          <a:gsLst>
-            <a:gs pos="0">
-              <a:schemeClr val="accent5">
-                <a:hueOff val="0"/>
-                <a:satOff val="0"/>
-                <a:lumOff val="0"/>
-                <a:alphaOff val="0"/>
-                <a:lumMod val="110000"/>
-                <a:satMod val="105000"/>
-                <a:tint val="67000"/>
-              </a:schemeClr>
-            </a:gs>
-            <a:gs pos="50000">
-              <a:schemeClr val="accent5">
-                <a:hueOff val="0"/>
-                <a:satOff val="0"/>
-                <a:lumOff val="0"/>
-                <a:alphaOff val="0"/>
-                <a:lumMod val="105000"/>
-                <a:satMod val="103000"/>
-                <a:tint val="73000"/>
-              </a:schemeClr>
-            </a:gs>
-            <a:gs pos="100000">
-              <a:schemeClr val="accent5">
-                <a:hueOff val="0"/>
-                <a:satOff val="0"/>
-                <a:lumOff val="0"/>
-                <a:alphaOff val="0"/>
-                <a:lumMod val="105000"/>
-                <a:satMod val="109000"/>
-                <a:tint val="81000"/>
-              </a:schemeClr>
-            </a:gs>
-          </a:gsLst>
-          <a:lin ang="5400000" scaled="0"/>
-        </a:gradFill>
-        <a:ln>
-          <a:noFill/>
-        </a:ln>
-        <a:effectLst/>
-        <a:scene3d>
-          <a:camera prst="orthographicFront"/>
-          <a:lightRig rig="flat" dir="t"/>
-        </a:scene3d>
-        <a:sp3d prstMaterial="dkEdge">
-          <a:bevelT w="8200" h="38100"/>
-        </a:sp3d>
-      </dsp:spPr>
-      <dsp:style>
-        <a:lnRef idx="0">
-          <a:scrgbClr r="0" g="0" b="0"/>
-        </a:lnRef>
-        <a:fillRef idx="2">
-          <a:scrgbClr r="0" g="0" b="0"/>
-        </a:fillRef>
-        <a:effectRef idx="1">
-          <a:scrgbClr r="0" g="0" b="0"/>
-        </a:effectRef>
-        <a:fontRef idx="minor">
-          <a:schemeClr val="dk1"/>
-        </a:fontRef>
-      </dsp:style>
-      <dsp:txBody>
-        <a:bodyPr spcFirstLastPara="0" vert="horz" wrap="square" lIns="78232" tIns="78232" rIns="78232" bIns="78232" numCol="1" spcCol="1270" anchor="ctr" anchorCtr="0">
-          <a:noAutofit/>
-        </a:bodyPr>
-        <a:lstStyle/>
-        <a:p>
-          <a:pPr lvl="0" algn="ctr" defTabSz="488950">
-            <a:lnSpc>
-              <a:spcPct val="90000"/>
-            </a:lnSpc>
-            <a:spcBef>
-              <a:spcPct val="0"/>
-            </a:spcBef>
-            <a:spcAft>
-              <a:spcPct val="35000"/>
-            </a:spcAft>
-          </a:pPr>
-          <a:r>
-            <a:rPr lang="en-US" sz="1100" kern="1200" dirty="0" smtClean="0">
-              <a:latin typeface="Oxygen" panose="02000503000000000000" pitchFamily="2" charset="0"/>
-            </a:rPr>
-            <a:t>PREDICTIVE</a:t>
-          </a:r>
-          <a:endParaRPr lang="en-AU" sz="1100" kern="1200" dirty="0">
-            <a:latin typeface="Oxygen" panose="02000503000000000000" pitchFamily="2" charset="0"/>
-          </a:endParaRPr>
-        </a:p>
-      </dsp:txBody>
-      <dsp:txXfrm rot="5400000">
-        <a:off x="1237673" y="2279943"/>
-        <a:ext cx="1135176" cy="1135176"/>
-      </dsp:txXfrm>
-    </dsp:sp>
-    <dsp:sp modelId="{BE36D52B-0482-4C3A-961D-1BF9A7F7A02E}">
-      <dsp:nvSpPr>
-        <dsp:cNvPr id="0" name=""/>
-        <dsp:cNvSpPr/>
-      </dsp:nvSpPr>
-      <dsp:spPr>
-        <a:xfrm>
-          <a:off x="2132784" y="1909185"/>
-          <a:ext cx="554283" cy="481985"/>
-        </a:xfrm>
-        <a:prstGeom prst="circularArrow">
-          <a:avLst/>
-        </a:prstGeom>
-        <a:gradFill rotWithShape="0">
-          <a:gsLst>
-            <a:gs pos="0">
-              <a:schemeClr val="accent2">
-                <a:tint val="40000"/>
-                <a:hueOff val="0"/>
-                <a:satOff val="0"/>
-                <a:lumOff val="0"/>
-                <a:alphaOff val="0"/>
-                <a:lumMod val="110000"/>
-                <a:satMod val="105000"/>
-                <a:tint val="67000"/>
-              </a:schemeClr>
-            </a:gs>
-            <a:gs pos="50000">
-              <a:schemeClr val="accent2">
-                <a:tint val="40000"/>
-                <a:hueOff val="0"/>
-                <a:satOff val="0"/>
-                <a:lumOff val="0"/>
-                <a:alphaOff val="0"/>
-                <a:lumMod val="105000"/>
-                <a:satMod val="103000"/>
-                <a:tint val="73000"/>
-              </a:schemeClr>
-            </a:gs>
-            <a:gs pos="100000">
-              <a:schemeClr val="accent2">
-                <a:tint val="40000"/>
-                <a:hueOff val="0"/>
-                <a:satOff val="0"/>
-                <a:lumOff val="0"/>
-                <a:alphaOff val="0"/>
-                <a:lumMod val="105000"/>
-                <a:satMod val="109000"/>
-                <a:tint val="81000"/>
-              </a:schemeClr>
-            </a:gs>
-          </a:gsLst>
-          <a:lin ang="5400000" scaled="0"/>
-        </a:gradFill>
-        <a:ln w="6350" cap="flat" cmpd="sng" algn="ctr">
-          <a:solidFill>
-            <a:schemeClr val="lt1">
-              <a:hueOff val="0"/>
-              <a:satOff val="0"/>
-              <a:lumOff val="0"/>
-              <a:alphaOff val="0"/>
-            </a:schemeClr>
-          </a:solidFill>
-          <a:prstDash val="solid"/>
-          <a:miter lim="800000"/>
-        </a:ln>
-        <a:effectLst/>
-        <a:scene3d>
-          <a:camera prst="orthographicFront"/>
-          <a:lightRig rig="flat" dir="t"/>
-        </a:scene3d>
-        <a:sp3d prstMaterial="dkEdge">
-          <a:bevelT w="8200" h="38100"/>
-        </a:sp3d>
-      </dsp:spPr>
-      <dsp:style>
-        <a:lnRef idx="1">
-          <a:scrgbClr r="0" g="0" b="0"/>
-        </a:lnRef>
-        <a:fillRef idx="2">
-          <a:scrgbClr r="0" g="0" b="0"/>
-        </a:fillRef>
-        <a:effectRef idx="1">
-          <a:scrgbClr r="0" g="0" b="0"/>
-        </a:effectRef>
-        <a:fontRef idx="minor"/>
-      </dsp:style>
-    </dsp:sp>
-    <dsp:sp modelId="{1C381935-DE5A-4B38-A202-DAE53C929FB2}">
-      <dsp:nvSpPr>
-        <dsp:cNvPr id="0" name=""/>
-        <dsp:cNvSpPr/>
-      </dsp:nvSpPr>
-      <dsp:spPr>
-        <a:xfrm rot="10800000">
-          <a:off x="2132784" y="2094564"/>
-          <a:ext cx="554283" cy="481985"/>
-        </a:xfrm>
-        <a:prstGeom prst="circularArrow">
-          <a:avLst/>
-        </a:prstGeom>
-        <a:gradFill rotWithShape="0">
-          <a:gsLst>
-            <a:gs pos="0">
-              <a:schemeClr val="accent2">
-                <a:tint val="40000"/>
-                <a:hueOff val="0"/>
-                <a:satOff val="0"/>
-                <a:lumOff val="0"/>
-                <a:alphaOff val="0"/>
-                <a:lumMod val="110000"/>
-                <a:satMod val="105000"/>
-                <a:tint val="67000"/>
-              </a:schemeClr>
-            </a:gs>
-            <a:gs pos="50000">
-              <a:schemeClr val="accent2">
-                <a:tint val="40000"/>
-                <a:hueOff val="0"/>
-                <a:satOff val="0"/>
-                <a:lumOff val="0"/>
-                <a:alphaOff val="0"/>
-                <a:lumMod val="105000"/>
-                <a:satMod val="103000"/>
-                <a:tint val="73000"/>
-              </a:schemeClr>
-            </a:gs>
-            <a:gs pos="100000">
-              <a:schemeClr val="accent2">
-                <a:tint val="40000"/>
-                <a:hueOff val="0"/>
-                <a:satOff val="0"/>
-                <a:lumOff val="0"/>
-                <a:alphaOff val="0"/>
-                <a:lumMod val="105000"/>
-                <a:satMod val="109000"/>
-                <a:tint val="81000"/>
-              </a:schemeClr>
-            </a:gs>
-          </a:gsLst>
-          <a:lin ang="5400000" scaled="0"/>
-        </a:gradFill>
-        <a:ln w="6350" cap="flat" cmpd="sng" algn="ctr">
-          <a:solidFill>
-            <a:schemeClr val="lt1">
-              <a:hueOff val="0"/>
-              <a:satOff val="0"/>
-              <a:lumOff val="0"/>
-              <a:alphaOff val="0"/>
-            </a:schemeClr>
-          </a:solidFill>
-          <a:prstDash val="solid"/>
-          <a:miter lim="800000"/>
-        </a:ln>
-        <a:effectLst/>
-        <a:scene3d>
-          <a:camera prst="orthographicFront"/>
-          <a:lightRig rig="flat" dir="t"/>
-        </a:scene3d>
-        <a:sp3d prstMaterial="dkEdge">
-          <a:bevelT w="8200" h="38100"/>
-        </a:sp3d>
-      </dsp:spPr>
-      <dsp:style>
-        <a:lnRef idx="1">
-          <a:scrgbClr r="0" g="0" b="0"/>
-        </a:lnRef>
-        <a:fillRef idx="2">
-          <a:scrgbClr r="0" g="0" b="0"/>
-        </a:fillRef>
-        <a:effectRef idx="1">
-          <a:scrgbClr r="0" g="0" b="0"/>
-        </a:effectRef>
-        <a:fontRef idx="minor"/>
-      </dsp:style>
-    </dsp:sp>
   </dsp:spTree>
 </dsp:drawing>
 </file>
@@ -3955,456 +2984,6 @@
       <dsp:cNvGrpSpPr/>
     </dsp:nvGrpSpPr>
     <dsp:grpSpPr/>
-    <dsp:sp modelId="{62E0840E-9C90-4510-B962-F90694AF3A99}">
-      <dsp:nvSpPr>
-        <dsp:cNvPr id="0" name=""/>
-        <dsp:cNvSpPr/>
-      </dsp:nvSpPr>
-      <dsp:spPr>
-        <a:xfrm>
-          <a:off x="2" y="0"/>
-          <a:ext cx="10196980" cy="4402783"/>
-        </a:xfrm>
-        <a:prstGeom prst="rightArrow">
-          <a:avLst/>
-        </a:prstGeom>
-        <a:solidFill>
-          <a:schemeClr val="accent2">
-            <a:tint val="40000"/>
-            <a:hueOff val="0"/>
-            <a:satOff val="0"/>
-            <a:lumOff val="0"/>
-            <a:alphaOff val="0"/>
-          </a:schemeClr>
-        </a:solidFill>
-        <a:ln>
-          <a:noFill/>
-        </a:ln>
-        <a:effectLst/>
-      </dsp:spPr>
-      <dsp:style>
-        <a:lnRef idx="0">
-          <a:scrgbClr r="0" g="0" b="0"/>
-        </a:lnRef>
-        <a:fillRef idx="1">
-          <a:scrgbClr r="0" g="0" b="0"/>
-        </a:fillRef>
-        <a:effectRef idx="0">
-          <a:scrgbClr r="0" g="0" b="0"/>
-        </a:effectRef>
-        <a:fontRef idx="minor"/>
-      </dsp:style>
-    </dsp:sp>
-    <dsp:sp modelId="{1162FBC7-5F82-4156-9C50-946E5EBF5298}">
-      <dsp:nvSpPr>
-        <dsp:cNvPr id="0" name=""/>
-        <dsp:cNvSpPr/>
-      </dsp:nvSpPr>
-      <dsp:spPr>
-        <a:xfrm>
-          <a:off x="77" y="1312205"/>
-          <a:ext cx="1884690" cy="1761113"/>
-        </a:xfrm>
-        <a:prstGeom prst="roundRect">
-          <a:avLst/>
-        </a:prstGeom>
-        <a:solidFill>
-          <a:schemeClr val="accent2">
-            <a:hueOff val="0"/>
-            <a:satOff val="0"/>
-            <a:lumOff val="0"/>
-            <a:alphaOff val="0"/>
-          </a:schemeClr>
-        </a:solidFill>
-        <a:ln w="12700" cap="flat" cmpd="sng" algn="ctr">
-          <a:solidFill>
-            <a:schemeClr val="lt1">
-              <a:hueOff val="0"/>
-              <a:satOff val="0"/>
-              <a:lumOff val="0"/>
-              <a:alphaOff val="0"/>
-            </a:schemeClr>
-          </a:solidFill>
-          <a:prstDash val="solid"/>
-          <a:miter lim="800000"/>
-        </a:ln>
-        <a:effectLst/>
-      </dsp:spPr>
-      <dsp:style>
-        <a:lnRef idx="2">
-          <a:scrgbClr r="0" g="0" b="0"/>
-        </a:lnRef>
-        <a:fillRef idx="1">
-          <a:scrgbClr r="0" g="0" b="0"/>
-        </a:fillRef>
-        <a:effectRef idx="0">
-          <a:scrgbClr r="0" g="0" b="0"/>
-        </a:effectRef>
-        <a:fontRef idx="minor">
-          <a:schemeClr val="lt1"/>
-        </a:fontRef>
-      </dsp:style>
-      <dsp:txBody>
-        <a:bodyPr spcFirstLastPara="0" vert="horz" wrap="square" lIns="45720" tIns="45720" rIns="45720" bIns="45720" numCol="1" spcCol="1270" anchor="ctr" anchorCtr="0">
-          <a:noAutofit/>
-        </a:bodyPr>
-        <a:lstStyle/>
-        <a:p>
-          <a:pPr lvl="0" algn="ctr" defTabSz="533400">
-            <a:lnSpc>
-              <a:spcPct val="90000"/>
-            </a:lnSpc>
-            <a:spcBef>
-              <a:spcPct val="0"/>
-            </a:spcBef>
-            <a:spcAft>
-              <a:spcPct val="35000"/>
-            </a:spcAft>
-          </a:pPr>
-          <a:r>
-            <a:rPr lang="en-US" sz="1200" kern="1200" dirty="0" smtClean="0">
-              <a:latin typeface="Oxygen" panose="02000503000000000000" pitchFamily="2" charset="0"/>
-            </a:rPr>
-            <a:t>Identify the question</a:t>
-          </a:r>
-          <a:endParaRPr lang="en-AU" sz="1200" kern="1200" dirty="0">
-            <a:latin typeface="Oxygen" panose="02000503000000000000" pitchFamily="2" charset="0"/>
-          </a:endParaRPr>
-        </a:p>
-      </dsp:txBody>
-      <dsp:txXfrm>
-        <a:off x="86047" y="1398175"/>
-        <a:ext cx="1712750" cy="1589173"/>
-      </dsp:txXfrm>
-    </dsp:sp>
-    <dsp:sp modelId="{0843F503-74BC-4A3F-9D88-9F0EE228E87E}">
-      <dsp:nvSpPr>
-        <dsp:cNvPr id="0" name=""/>
-        <dsp:cNvSpPr/>
-      </dsp:nvSpPr>
-      <dsp:spPr>
-        <a:xfrm>
-          <a:off x="2053058" y="1320834"/>
-          <a:ext cx="2000144" cy="1761113"/>
-        </a:xfrm>
-        <a:prstGeom prst="roundRect">
-          <a:avLst/>
-        </a:prstGeom>
-        <a:solidFill>
-          <a:schemeClr val="accent3">
-            <a:hueOff val="0"/>
-            <a:satOff val="0"/>
-            <a:lumOff val="0"/>
-            <a:alphaOff val="0"/>
-          </a:schemeClr>
-        </a:solidFill>
-        <a:ln w="12700" cap="flat" cmpd="sng" algn="ctr">
-          <a:solidFill>
-            <a:schemeClr val="lt1">
-              <a:hueOff val="0"/>
-              <a:satOff val="0"/>
-              <a:lumOff val="0"/>
-              <a:alphaOff val="0"/>
-            </a:schemeClr>
-          </a:solidFill>
-          <a:prstDash val="solid"/>
-          <a:miter lim="800000"/>
-        </a:ln>
-        <a:effectLst/>
-      </dsp:spPr>
-      <dsp:style>
-        <a:lnRef idx="2">
-          <a:scrgbClr r="0" g="0" b="0"/>
-        </a:lnRef>
-        <a:fillRef idx="1">
-          <a:scrgbClr r="0" g="0" b="0"/>
-        </a:fillRef>
-        <a:effectRef idx="0">
-          <a:scrgbClr r="0" g="0" b="0"/>
-        </a:effectRef>
-        <a:fontRef idx="minor">
-          <a:schemeClr val="lt1"/>
-        </a:fontRef>
-      </dsp:style>
-      <dsp:txBody>
-        <a:bodyPr spcFirstLastPara="0" vert="horz" wrap="square" lIns="45720" tIns="45720" rIns="45720" bIns="45720" numCol="1" spcCol="1270" anchor="ctr" anchorCtr="0">
-          <a:noAutofit/>
-        </a:bodyPr>
-        <a:lstStyle/>
-        <a:p>
-          <a:pPr lvl="0" algn="ctr" defTabSz="533400">
-            <a:lnSpc>
-              <a:spcPct val="90000"/>
-            </a:lnSpc>
-            <a:spcBef>
-              <a:spcPct val="0"/>
-            </a:spcBef>
-            <a:spcAft>
-              <a:spcPct val="35000"/>
-            </a:spcAft>
-          </a:pPr>
-          <a:r>
-            <a:rPr lang="en-US" sz="1200" kern="1200" dirty="0" smtClean="0">
-              <a:latin typeface="Oxygen" panose="02000503000000000000" pitchFamily="2" charset="0"/>
-            </a:rPr>
-            <a:t>Collect the raw data set</a:t>
-          </a:r>
-          <a:endParaRPr lang="en-AU" sz="1200" kern="1200" dirty="0">
-            <a:latin typeface="Oxygen" panose="02000503000000000000" pitchFamily="2" charset="0"/>
-          </a:endParaRPr>
-        </a:p>
-      </dsp:txBody>
-      <dsp:txXfrm>
-        <a:off x="2139028" y="1406804"/>
-        <a:ext cx="1828204" cy="1589173"/>
-      </dsp:txXfrm>
-    </dsp:sp>
-    <dsp:sp modelId="{451BAEA3-148E-4900-9275-2CDFFC6AF5EC}">
-      <dsp:nvSpPr>
-        <dsp:cNvPr id="0" name=""/>
-        <dsp:cNvSpPr/>
-      </dsp:nvSpPr>
-      <dsp:spPr>
-        <a:xfrm>
-          <a:off x="4221492" y="1320834"/>
-          <a:ext cx="1979566" cy="1761113"/>
-        </a:xfrm>
-        <a:prstGeom prst="roundRect">
-          <a:avLst/>
-        </a:prstGeom>
-        <a:solidFill>
-          <a:schemeClr val="accent4">
-            <a:hueOff val="0"/>
-            <a:satOff val="0"/>
-            <a:lumOff val="0"/>
-            <a:alphaOff val="0"/>
-          </a:schemeClr>
-        </a:solidFill>
-        <a:ln w="12700" cap="flat" cmpd="sng" algn="ctr">
-          <a:solidFill>
-            <a:schemeClr val="lt1">
-              <a:hueOff val="0"/>
-              <a:satOff val="0"/>
-              <a:lumOff val="0"/>
-              <a:alphaOff val="0"/>
-            </a:schemeClr>
-          </a:solidFill>
-          <a:prstDash val="solid"/>
-          <a:miter lim="800000"/>
-        </a:ln>
-        <a:effectLst/>
-      </dsp:spPr>
-      <dsp:style>
-        <a:lnRef idx="2">
-          <a:scrgbClr r="0" g="0" b="0"/>
-        </a:lnRef>
-        <a:fillRef idx="1">
-          <a:scrgbClr r="0" g="0" b="0"/>
-        </a:fillRef>
-        <a:effectRef idx="0">
-          <a:scrgbClr r="0" g="0" b="0"/>
-        </a:effectRef>
-        <a:fontRef idx="minor">
-          <a:schemeClr val="lt1"/>
-        </a:fontRef>
-      </dsp:style>
-      <dsp:txBody>
-        <a:bodyPr spcFirstLastPara="0" vert="horz" wrap="square" lIns="45720" tIns="45720" rIns="45720" bIns="45720" numCol="1" spcCol="1270" anchor="ctr" anchorCtr="0">
-          <a:noAutofit/>
-        </a:bodyPr>
-        <a:lstStyle/>
-        <a:p>
-          <a:pPr lvl="0" algn="ctr" defTabSz="533400">
-            <a:lnSpc>
-              <a:spcPct val="90000"/>
-            </a:lnSpc>
-            <a:spcBef>
-              <a:spcPct val="0"/>
-            </a:spcBef>
-            <a:spcAft>
-              <a:spcPct val="35000"/>
-            </a:spcAft>
-          </a:pPr>
-          <a:r>
-            <a:rPr lang="en-US" sz="1200" kern="1200" dirty="0" smtClean="0">
-              <a:latin typeface="Oxygen" panose="02000503000000000000" pitchFamily="2" charset="0"/>
-            </a:rPr>
-            <a:t>Clean the data</a:t>
-          </a:r>
-          <a:endParaRPr lang="en-AU" sz="1200" kern="1200" dirty="0">
-            <a:latin typeface="Oxygen" panose="02000503000000000000" pitchFamily="2" charset="0"/>
-          </a:endParaRPr>
-        </a:p>
-      </dsp:txBody>
-      <dsp:txXfrm>
-        <a:off x="4307462" y="1406804"/>
-        <a:ext cx="1807626" cy="1589173"/>
-      </dsp:txXfrm>
-    </dsp:sp>
-    <dsp:sp modelId="{F58D37AB-4D7C-45CA-81D2-601DAFFC934B}">
-      <dsp:nvSpPr>
-        <dsp:cNvPr id="0" name=""/>
-        <dsp:cNvSpPr/>
-      </dsp:nvSpPr>
-      <dsp:spPr>
-        <a:xfrm>
-          <a:off x="6369349" y="1320834"/>
-          <a:ext cx="1877259" cy="1761113"/>
-        </a:xfrm>
-        <a:prstGeom prst="roundRect">
-          <a:avLst/>
-        </a:prstGeom>
-        <a:solidFill>
-          <a:schemeClr val="accent5">
-            <a:hueOff val="0"/>
-            <a:satOff val="0"/>
-            <a:lumOff val="0"/>
-            <a:alphaOff val="0"/>
-          </a:schemeClr>
-        </a:solidFill>
-        <a:ln w="12700" cap="flat" cmpd="sng" algn="ctr">
-          <a:solidFill>
-            <a:schemeClr val="lt1">
-              <a:hueOff val="0"/>
-              <a:satOff val="0"/>
-              <a:lumOff val="0"/>
-              <a:alphaOff val="0"/>
-            </a:schemeClr>
-          </a:solidFill>
-          <a:prstDash val="solid"/>
-          <a:miter lim="800000"/>
-        </a:ln>
-        <a:effectLst/>
-      </dsp:spPr>
-      <dsp:style>
-        <a:lnRef idx="2">
-          <a:scrgbClr r="0" g="0" b="0"/>
-        </a:lnRef>
-        <a:fillRef idx="1">
-          <a:scrgbClr r="0" g="0" b="0"/>
-        </a:fillRef>
-        <a:effectRef idx="0">
-          <a:scrgbClr r="0" g="0" b="0"/>
-        </a:effectRef>
-        <a:fontRef idx="minor">
-          <a:schemeClr val="lt1"/>
-        </a:fontRef>
-      </dsp:style>
-      <dsp:txBody>
-        <a:bodyPr spcFirstLastPara="0" vert="horz" wrap="square" lIns="45720" tIns="45720" rIns="45720" bIns="45720" numCol="1" spcCol="1270" anchor="ctr" anchorCtr="0">
-          <a:noAutofit/>
-        </a:bodyPr>
-        <a:lstStyle/>
-        <a:p>
-          <a:pPr lvl="0" algn="ctr" defTabSz="533400">
-            <a:lnSpc>
-              <a:spcPct val="90000"/>
-            </a:lnSpc>
-            <a:spcBef>
-              <a:spcPct val="0"/>
-            </a:spcBef>
-            <a:spcAft>
-              <a:spcPct val="35000"/>
-            </a:spcAft>
-          </a:pPr>
-          <a:r>
-            <a:rPr lang="en-US" sz="1200" kern="1200" dirty="0" smtClean="0">
-              <a:latin typeface="Oxygen" panose="02000503000000000000" pitchFamily="2" charset="0"/>
-            </a:rPr>
-            <a:t>Analyze the data</a:t>
-          </a:r>
-          <a:endParaRPr lang="en-AU" sz="1200" kern="1200" dirty="0">
-            <a:latin typeface="Oxygen" panose="02000503000000000000" pitchFamily="2" charset="0"/>
-          </a:endParaRPr>
-        </a:p>
-      </dsp:txBody>
-      <dsp:txXfrm>
-        <a:off x="6455319" y="1406804"/>
-        <a:ext cx="1705319" cy="1589173"/>
-      </dsp:txXfrm>
-    </dsp:sp>
-    <dsp:sp modelId="{EE9C0205-25A8-4E22-B667-8C905BFC6B6F}">
-      <dsp:nvSpPr>
-        <dsp:cNvPr id="0" name=""/>
-        <dsp:cNvSpPr/>
-      </dsp:nvSpPr>
-      <dsp:spPr>
-        <a:xfrm>
-          <a:off x="8414898" y="1320834"/>
-          <a:ext cx="1782010" cy="1761113"/>
-        </a:xfrm>
-        <a:prstGeom prst="roundRect">
-          <a:avLst/>
-        </a:prstGeom>
-        <a:solidFill>
-          <a:schemeClr val="accent6">
-            <a:hueOff val="0"/>
-            <a:satOff val="0"/>
-            <a:lumOff val="0"/>
-            <a:alphaOff val="0"/>
-          </a:schemeClr>
-        </a:solidFill>
-        <a:ln w="12700" cap="flat" cmpd="sng" algn="ctr">
-          <a:solidFill>
-            <a:schemeClr val="lt1">
-              <a:hueOff val="0"/>
-              <a:satOff val="0"/>
-              <a:lumOff val="0"/>
-              <a:alphaOff val="0"/>
-            </a:schemeClr>
-          </a:solidFill>
-          <a:prstDash val="solid"/>
-          <a:miter lim="800000"/>
-        </a:ln>
-        <a:effectLst/>
-      </dsp:spPr>
-      <dsp:style>
-        <a:lnRef idx="2">
-          <a:scrgbClr r="0" g="0" b="0"/>
-        </a:lnRef>
-        <a:fillRef idx="1">
-          <a:scrgbClr r="0" g="0" b="0"/>
-        </a:fillRef>
-        <a:effectRef idx="0">
-          <a:scrgbClr r="0" g="0" b="0"/>
-        </a:effectRef>
-        <a:fontRef idx="minor">
-          <a:schemeClr val="lt1"/>
-        </a:fontRef>
-      </dsp:style>
-      <dsp:txBody>
-        <a:bodyPr spcFirstLastPara="0" vert="horz" wrap="square" lIns="45720" tIns="45720" rIns="45720" bIns="45720" numCol="1" spcCol="1270" anchor="ctr" anchorCtr="0">
-          <a:noAutofit/>
-        </a:bodyPr>
-        <a:lstStyle/>
-        <a:p>
-          <a:pPr lvl="0" algn="ctr" defTabSz="533400">
-            <a:lnSpc>
-              <a:spcPct val="90000"/>
-            </a:lnSpc>
-            <a:spcBef>
-              <a:spcPct val="0"/>
-            </a:spcBef>
-            <a:spcAft>
-              <a:spcPct val="35000"/>
-            </a:spcAft>
-          </a:pPr>
-          <a:r>
-            <a:rPr lang="en-US" sz="1200" kern="1200" dirty="0" smtClean="0">
-              <a:latin typeface="Oxygen" panose="02000503000000000000" pitchFamily="2" charset="0"/>
-            </a:rPr>
-            <a:t>Interpret the answers</a:t>
-          </a:r>
-          <a:endParaRPr lang="en-AU" sz="1200" kern="1200" dirty="0">
-            <a:latin typeface="Oxygen" panose="02000503000000000000" pitchFamily="2" charset="0"/>
-          </a:endParaRPr>
-        </a:p>
-      </dsp:txBody>
-      <dsp:txXfrm>
-        <a:off x="8500868" y="1406804"/>
-        <a:ext cx="1610070" cy="1589173"/>
-      </dsp:txXfrm>
-    </dsp:sp>
   </dsp:spTree>
 </dsp:drawing>
 </file>
@@ -7464,7 +6043,7 @@
           <a:p>
             <a:fld id="{B626AD92-B829-4669-B525-7F870382C0D0}" type="datetimeFigureOut">
               <a:rPr lang="en-AU" smtClean="0"/>
-              <a:t>8/11/2023</a:t>
+              <a:t>9/11/2023</a:t>
             </a:fld>
             <a:endParaRPr lang="en-AU"/>
           </a:p>
@@ -8068,6 +6647,90 @@
 </p:notes>
 </file>
 
+<file path=ppt/notesSlides/notesSlide13.xml><?xml version="1.0" encoding="utf-8"?>
+<p:notes xmlns:a="http://schemas.openxmlformats.org/drawingml/2006/main" xmlns:r="http://schemas.openxmlformats.org/officeDocument/2006/relationships" xmlns:p="http://schemas.openxmlformats.org/presentationml/2006/main">
+  <p:cSld>
+    <p:spTree>
+      <p:nvGrpSpPr>
+        <p:cNvPr id="1" name=""/>
+        <p:cNvGrpSpPr/>
+        <p:nvPr/>
+      </p:nvGrpSpPr>
+      <p:grpSpPr>
+        <a:xfrm>
+          <a:off x="0" y="0"/>
+          <a:ext cx="0" cy="0"/>
+          <a:chOff x="0" y="0"/>
+          <a:chExt cx="0" cy="0"/>
+        </a:xfrm>
+      </p:grpSpPr>
+      <p:sp>
+        <p:nvSpPr>
+          <p:cNvPr id="2" name="Slide Image Placeholder 1"/>
+          <p:cNvSpPr>
+            <a:spLocks noGrp="1" noRot="1" noChangeAspect="1"/>
+          </p:cNvSpPr>
+          <p:nvPr>
+            <p:ph type="sldImg"/>
+          </p:nvPr>
+        </p:nvSpPr>
+        <p:spPr/>
+      </p:sp>
+      <p:sp>
+        <p:nvSpPr>
+          <p:cNvPr id="3" name="Notes Placeholder 2"/>
+          <p:cNvSpPr>
+            <a:spLocks noGrp="1"/>
+          </p:cNvSpPr>
+          <p:nvPr>
+            <p:ph type="body" idx="1"/>
+          </p:nvPr>
+        </p:nvSpPr>
+        <p:spPr/>
+        <p:txBody>
+          <a:bodyPr/>
+          <a:lstStyle/>
+          <a:p>
+            <a:endParaRPr lang="en-AU"/>
+          </a:p>
+        </p:txBody>
+      </p:sp>
+      <p:sp>
+        <p:nvSpPr>
+          <p:cNvPr id="4" name="Slide Number Placeholder 3"/>
+          <p:cNvSpPr>
+            <a:spLocks noGrp="1"/>
+          </p:cNvSpPr>
+          <p:nvPr>
+            <p:ph type="sldNum" sz="quarter" idx="10"/>
+          </p:nvPr>
+        </p:nvSpPr>
+        <p:spPr/>
+        <p:txBody>
+          <a:bodyPr/>
+          <a:lstStyle/>
+          <a:p>
+            <a:fld id="{8C11B00B-6DA3-475B-AA87-6641F049B0FC}" type="slidenum">
+              <a:rPr lang="en-AU" smtClean="0"/>
+              <a:t>13</a:t>
+            </a:fld>
+            <a:endParaRPr lang="en-AU"/>
+          </a:p>
+        </p:txBody>
+      </p:sp>
+    </p:spTree>
+    <p:extLst>
+      <p:ext uri="{BB962C8B-B14F-4D97-AF65-F5344CB8AC3E}">
+        <p14:creationId xmlns:p14="http://schemas.microsoft.com/office/powerpoint/2010/main" val="871023097"/>
+      </p:ext>
+    </p:extLst>
+  </p:cSld>
+  <p:clrMapOvr>
+    <a:masterClrMapping/>
+  </p:clrMapOvr>
+</p:notes>
+</file>
+
 <file path=ppt/notesSlides/notesSlide2.xml><?xml version="1.0" encoding="utf-8"?>
 <p:notes xmlns:a="http://schemas.openxmlformats.org/drawingml/2006/main" xmlns:r="http://schemas.openxmlformats.org/officeDocument/2006/relationships" xmlns:p="http://schemas.openxmlformats.org/presentationml/2006/main">
   <p:cSld>
@@ -8871,7 +7534,7 @@
           <a:p>
             <a:fld id="{432D53EB-9308-49DF-BEF8-4AA0B3B0C927}" type="datetimeFigureOut">
               <a:rPr lang="en-AU" smtClean="0"/>
-              <a:t>8/11/2023</a:t>
+              <a:t>9/11/2023</a:t>
             </a:fld>
             <a:endParaRPr lang="en-AU"/>
           </a:p>
@@ -9041,7 +7704,7 @@
           <a:p>
             <a:fld id="{432D53EB-9308-49DF-BEF8-4AA0B3B0C927}" type="datetimeFigureOut">
               <a:rPr lang="en-AU" smtClean="0"/>
-              <a:t>8/11/2023</a:t>
+              <a:t>9/11/2023</a:t>
             </a:fld>
             <a:endParaRPr lang="en-AU"/>
           </a:p>
@@ -9221,7 +7884,7 @@
           <a:p>
             <a:fld id="{432D53EB-9308-49DF-BEF8-4AA0B3B0C927}" type="datetimeFigureOut">
               <a:rPr lang="en-AU" smtClean="0"/>
-              <a:t>8/11/2023</a:t>
+              <a:t>9/11/2023</a:t>
             </a:fld>
             <a:endParaRPr lang="en-AU"/>
           </a:p>
@@ -9391,7 +8054,7 @@
           <a:p>
             <a:fld id="{432D53EB-9308-49DF-BEF8-4AA0B3B0C927}" type="datetimeFigureOut">
               <a:rPr lang="en-AU" smtClean="0"/>
-              <a:t>8/11/2023</a:t>
+              <a:t>9/11/2023</a:t>
             </a:fld>
             <a:endParaRPr lang="en-AU"/>
           </a:p>
@@ -9637,7 +8300,7 @@
           <a:p>
             <a:fld id="{432D53EB-9308-49DF-BEF8-4AA0B3B0C927}" type="datetimeFigureOut">
               <a:rPr lang="en-AU" smtClean="0"/>
-              <a:t>8/11/2023</a:t>
+              <a:t>9/11/2023</a:t>
             </a:fld>
             <a:endParaRPr lang="en-AU"/>
           </a:p>
@@ -9869,7 +8532,7 @@
           <a:p>
             <a:fld id="{432D53EB-9308-49DF-BEF8-4AA0B3B0C927}" type="datetimeFigureOut">
               <a:rPr lang="en-AU" smtClean="0"/>
-              <a:t>8/11/2023</a:t>
+              <a:t>9/11/2023</a:t>
             </a:fld>
             <a:endParaRPr lang="en-AU"/>
           </a:p>
@@ -10236,7 +8899,7 @@
           <a:p>
             <a:fld id="{432D53EB-9308-49DF-BEF8-4AA0B3B0C927}" type="datetimeFigureOut">
               <a:rPr lang="en-AU" smtClean="0"/>
-              <a:t>8/11/2023</a:t>
+              <a:t>9/11/2023</a:t>
             </a:fld>
             <a:endParaRPr lang="en-AU"/>
           </a:p>
@@ -10354,7 +9017,7 @@
           <a:p>
             <a:fld id="{432D53EB-9308-49DF-BEF8-4AA0B3B0C927}" type="datetimeFigureOut">
               <a:rPr lang="en-AU" smtClean="0"/>
-              <a:t>8/11/2023</a:t>
+              <a:t>9/11/2023</a:t>
             </a:fld>
             <a:endParaRPr lang="en-AU"/>
           </a:p>
@@ -10449,7 +9112,7 @@
           <a:p>
             <a:fld id="{432D53EB-9308-49DF-BEF8-4AA0B3B0C927}" type="datetimeFigureOut">
               <a:rPr lang="en-AU" smtClean="0"/>
-              <a:t>8/11/2023</a:t>
+              <a:t>9/11/2023</a:t>
             </a:fld>
             <a:endParaRPr lang="en-AU"/>
           </a:p>
@@ -10726,7 +9389,7 @@
           <a:p>
             <a:fld id="{432D53EB-9308-49DF-BEF8-4AA0B3B0C927}" type="datetimeFigureOut">
               <a:rPr lang="en-AU" smtClean="0"/>
-              <a:t>8/11/2023</a:t>
+              <a:t>9/11/2023</a:t>
             </a:fld>
             <a:endParaRPr lang="en-AU"/>
           </a:p>
@@ -10979,7 +9642,7 @@
           <a:p>
             <a:fld id="{432D53EB-9308-49DF-BEF8-4AA0B3B0C927}" type="datetimeFigureOut">
               <a:rPr lang="en-AU" smtClean="0"/>
-              <a:t>8/11/2023</a:t>
+              <a:t>9/11/2023</a:t>
             </a:fld>
             <a:endParaRPr lang="en-AU"/>
           </a:p>
@@ -11192,7 +9855,7 @@
           <a:p>
             <a:fld id="{432D53EB-9308-49DF-BEF8-4AA0B3B0C927}" type="datetimeFigureOut">
               <a:rPr lang="en-AU" smtClean="0"/>
-              <a:t>8/11/2023</a:t>
+              <a:t>9/11/2023</a:t>
             </a:fld>
             <a:endParaRPr lang="en-AU"/>
           </a:p>
@@ -11602,7 +10265,7 @@
           <p:cNvPr id="8" name="Rectangle 7">
             <a:extLst>
               <a:ext uri="{FF2B5EF4-FFF2-40B4-BE49-F238E27FC236}">
-                <a16:creationId xmlns:a16="http://schemas.microsoft.com/office/drawing/2014/main" xmlns="" id="{583FBC17-A62F-4E87-B8DE-0F79DF4336A0}"/>
+                <a16:creationId xmlns="" xmlns:a16="http://schemas.microsoft.com/office/drawing/2014/main" id="{583FBC17-A62F-4E87-B8DE-0F79DF4336A0}"/>
               </a:ext>
             </a:extLst>
           </p:cNvPr>
@@ -11662,7 +10325,7 @@
           <p:cNvPr id="19" name="Group 18">
             <a:extLst>
               <a:ext uri="{FF2B5EF4-FFF2-40B4-BE49-F238E27FC236}">
-                <a16:creationId xmlns:a16="http://schemas.microsoft.com/office/drawing/2014/main" xmlns="" id="{C587FE1B-2243-4627-BC52-851BDA62444B}"/>
+                <a16:creationId xmlns="" xmlns:a16="http://schemas.microsoft.com/office/drawing/2014/main" id="{C587FE1B-2243-4627-BC52-851BDA62444B}"/>
               </a:ext>
             </a:extLst>
           </p:cNvPr>
@@ -11682,7 +10345,7 @@
             <p:cNvPr id="20" name="Picture 19">
               <a:extLst>
                 <a:ext uri="{FF2B5EF4-FFF2-40B4-BE49-F238E27FC236}">
-                  <a16:creationId xmlns:a16="http://schemas.microsoft.com/office/drawing/2014/main" xmlns="" id="{0F2E3E05-4A48-4C06-BA49-75E2E366C715}"/>
+                  <a16:creationId xmlns="" xmlns:a16="http://schemas.microsoft.com/office/drawing/2014/main" id="{0F2E3E05-4A48-4C06-BA49-75E2E366C715}"/>
                 </a:ext>
               </a:extLst>
             </p:cNvPr>
@@ -11712,7 +10375,7 @@
             <p:cNvPr id="21" name="Freeform 22">
               <a:extLst>
                 <a:ext uri="{FF2B5EF4-FFF2-40B4-BE49-F238E27FC236}">
-                  <a16:creationId xmlns:a16="http://schemas.microsoft.com/office/drawing/2014/main" xmlns="" id="{8413CF68-A7E3-43A0-B613-5438D5382AB1}"/>
+                  <a16:creationId xmlns="" xmlns:a16="http://schemas.microsoft.com/office/drawing/2014/main" id="{8413CF68-A7E3-43A0-B613-5438D5382AB1}"/>
                 </a:ext>
               </a:extLst>
             </p:cNvPr>
@@ -12124,7 +10787,7 @@
           <p:cNvPr id="22" name="TextBox 21">
             <a:extLst>
               <a:ext uri="{FF2B5EF4-FFF2-40B4-BE49-F238E27FC236}">
-                <a16:creationId xmlns:a16="http://schemas.microsoft.com/office/drawing/2014/main" xmlns="" id="{97653B96-F2E2-406B-A513-F42319FDB50F}"/>
+                <a16:creationId xmlns="" xmlns:a16="http://schemas.microsoft.com/office/drawing/2014/main" id="{97653B96-F2E2-406B-A513-F42319FDB50F}"/>
               </a:ext>
             </a:extLst>
           </p:cNvPr>
@@ -12167,7 +10830,7 @@
           <p:cNvPr id="33" name="Rectangle 32">
             <a:extLst>
               <a:ext uri="{FF2B5EF4-FFF2-40B4-BE49-F238E27FC236}">
-                <a16:creationId xmlns:a16="http://schemas.microsoft.com/office/drawing/2014/main" xmlns="" id="{E02B0EB1-C543-469A-90DE-9FA0F478E35F}"/>
+                <a16:creationId xmlns="" xmlns:a16="http://schemas.microsoft.com/office/drawing/2014/main" id="{E02B0EB1-C543-469A-90DE-9FA0F478E35F}"/>
               </a:ext>
             </a:extLst>
           </p:cNvPr>
@@ -12684,7 +11347,7 @@
           <p:cNvPr id="8" name="Rectangle 7">
             <a:extLst>
               <a:ext uri="{FF2B5EF4-FFF2-40B4-BE49-F238E27FC236}">
-                <a16:creationId xmlns:a16="http://schemas.microsoft.com/office/drawing/2014/main" xmlns="" id="{583FBC17-A62F-4E87-B8DE-0F79DF4336A0}"/>
+                <a16:creationId xmlns="" xmlns:a16="http://schemas.microsoft.com/office/drawing/2014/main" id="{583FBC17-A62F-4E87-B8DE-0F79DF4336A0}"/>
               </a:ext>
             </a:extLst>
           </p:cNvPr>
@@ -12744,7 +11407,7 @@
           <p:cNvPr id="19" name="Group 18">
             <a:extLst>
               <a:ext uri="{FF2B5EF4-FFF2-40B4-BE49-F238E27FC236}">
-                <a16:creationId xmlns:a16="http://schemas.microsoft.com/office/drawing/2014/main" xmlns="" id="{C587FE1B-2243-4627-BC52-851BDA62444B}"/>
+                <a16:creationId xmlns="" xmlns:a16="http://schemas.microsoft.com/office/drawing/2014/main" id="{C587FE1B-2243-4627-BC52-851BDA62444B}"/>
               </a:ext>
             </a:extLst>
           </p:cNvPr>
@@ -12764,7 +11427,7 @@
             <p:cNvPr id="20" name="Picture 19">
               <a:extLst>
                 <a:ext uri="{FF2B5EF4-FFF2-40B4-BE49-F238E27FC236}">
-                  <a16:creationId xmlns:a16="http://schemas.microsoft.com/office/drawing/2014/main" xmlns="" id="{0F2E3E05-4A48-4C06-BA49-75E2E366C715}"/>
+                  <a16:creationId xmlns="" xmlns:a16="http://schemas.microsoft.com/office/drawing/2014/main" id="{0F2E3E05-4A48-4C06-BA49-75E2E366C715}"/>
                 </a:ext>
               </a:extLst>
             </p:cNvPr>
@@ -12794,7 +11457,7 @@
             <p:cNvPr id="21" name="Freeform 22">
               <a:extLst>
                 <a:ext uri="{FF2B5EF4-FFF2-40B4-BE49-F238E27FC236}">
-                  <a16:creationId xmlns:a16="http://schemas.microsoft.com/office/drawing/2014/main" xmlns="" id="{8413CF68-A7E3-43A0-B613-5438D5382AB1}"/>
+                  <a16:creationId xmlns="" xmlns:a16="http://schemas.microsoft.com/office/drawing/2014/main" id="{8413CF68-A7E3-43A0-B613-5438D5382AB1}"/>
                 </a:ext>
               </a:extLst>
             </p:cNvPr>
@@ -13206,7 +11869,7 @@
           <p:cNvPr id="22" name="TextBox 21">
             <a:extLst>
               <a:ext uri="{FF2B5EF4-FFF2-40B4-BE49-F238E27FC236}">
-                <a16:creationId xmlns:a16="http://schemas.microsoft.com/office/drawing/2014/main" xmlns="" id="{97653B96-F2E2-406B-A513-F42319FDB50F}"/>
+                <a16:creationId xmlns="" xmlns:a16="http://schemas.microsoft.com/office/drawing/2014/main" id="{97653B96-F2E2-406B-A513-F42319FDB50F}"/>
               </a:ext>
             </a:extLst>
           </p:cNvPr>
@@ -13215,8 +11878,8 @@
         </p:nvSpPr>
         <p:spPr>
           <a:xfrm>
-            <a:off x="5863928" y="155425"/>
-            <a:ext cx="4742004" cy="369332"/>
+            <a:off x="6225422" y="170465"/>
+            <a:ext cx="3583032" cy="369332"/>
           </a:xfrm>
           <a:prstGeom prst="rect">
             <a:avLst/>
@@ -13239,8 +11902,29 @@
                 <a:latin typeface="Oxygen" panose="02000503000000000000" pitchFamily="2" charset="0"/>
                 <a:cs typeface="Arial" panose="020B0604020202020204" pitchFamily="34" charset="0"/>
               </a:rPr>
-              <a:t>Data Analysis: Importing &amp; Exporting Data</a:t>
-            </a:r>
+              <a:t>Data Analysis: </a:t>
+            </a:r>
+            <a:r>
+              <a:rPr lang="en-US" b="1" cap="small" dirty="0" smtClean="0">
+                <a:solidFill>
+                  <a:schemeClr val="bg2">
+                    <a:lumMod val="75000"/>
+                  </a:schemeClr>
+                </a:solidFill>
+                <a:latin typeface="Oxygen" panose="02000503000000000000" pitchFamily="2" charset="0"/>
+                <a:cs typeface="Arial" panose="020B0604020202020204" pitchFamily="34" charset="0"/>
+              </a:rPr>
+              <a:t>Naming Columns</a:t>
+            </a:r>
+            <a:endParaRPr lang="en-US" b="1" cap="small" dirty="0" smtClean="0">
+              <a:solidFill>
+                <a:schemeClr val="bg2">
+                  <a:lumMod val="75000"/>
+                </a:schemeClr>
+              </a:solidFill>
+              <a:latin typeface="Oxygen" panose="02000503000000000000" pitchFamily="2" charset="0"/>
+              <a:cs typeface="Arial" panose="020B0604020202020204" pitchFamily="34" charset="0"/>
+            </a:endParaRPr>
           </a:p>
         </p:txBody>
       </p:sp>
@@ -13249,7 +11933,7 @@
           <p:cNvPr id="33" name="Rectangle 32">
             <a:extLst>
               <a:ext uri="{FF2B5EF4-FFF2-40B4-BE49-F238E27FC236}">
-                <a16:creationId xmlns:a16="http://schemas.microsoft.com/office/drawing/2014/main" xmlns="" id="{E02B0EB1-C543-469A-90DE-9FA0F478E35F}"/>
+                <a16:creationId xmlns="" xmlns:a16="http://schemas.microsoft.com/office/drawing/2014/main" id="{E02B0EB1-C543-469A-90DE-9FA0F478E35F}"/>
               </a:ext>
             </a:extLst>
           </p:cNvPr>
@@ -13697,7 +12381,7 @@
           <p:cNvPr id="8" name="Rectangle 7">
             <a:extLst>
               <a:ext uri="{FF2B5EF4-FFF2-40B4-BE49-F238E27FC236}">
-                <a16:creationId xmlns:a16="http://schemas.microsoft.com/office/drawing/2014/main" xmlns="" id="{583FBC17-A62F-4E87-B8DE-0F79DF4336A0}"/>
+                <a16:creationId xmlns="" xmlns:a16="http://schemas.microsoft.com/office/drawing/2014/main" id="{583FBC17-A62F-4E87-B8DE-0F79DF4336A0}"/>
               </a:ext>
             </a:extLst>
           </p:cNvPr>
@@ -13757,7 +12441,7 @@
           <p:cNvPr id="19" name="Group 18">
             <a:extLst>
               <a:ext uri="{FF2B5EF4-FFF2-40B4-BE49-F238E27FC236}">
-                <a16:creationId xmlns:a16="http://schemas.microsoft.com/office/drawing/2014/main" xmlns="" id="{C587FE1B-2243-4627-BC52-851BDA62444B}"/>
+                <a16:creationId xmlns="" xmlns:a16="http://schemas.microsoft.com/office/drawing/2014/main" id="{C587FE1B-2243-4627-BC52-851BDA62444B}"/>
               </a:ext>
             </a:extLst>
           </p:cNvPr>
@@ -13777,7 +12461,7 @@
             <p:cNvPr id="20" name="Picture 19">
               <a:extLst>
                 <a:ext uri="{FF2B5EF4-FFF2-40B4-BE49-F238E27FC236}">
-                  <a16:creationId xmlns:a16="http://schemas.microsoft.com/office/drawing/2014/main" xmlns="" id="{0F2E3E05-4A48-4C06-BA49-75E2E366C715}"/>
+                  <a16:creationId xmlns="" xmlns:a16="http://schemas.microsoft.com/office/drawing/2014/main" id="{0F2E3E05-4A48-4C06-BA49-75E2E366C715}"/>
                 </a:ext>
               </a:extLst>
             </p:cNvPr>
@@ -13807,7 +12491,7 @@
             <p:cNvPr id="21" name="Freeform 22">
               <a:extLst>
                 <a:ext uri="{FF2B5EF4-FFF2-40B4-BE49-F238E27FC236}">
-                  <a16:creationId xmlns:a16="http://schemas.microsoft.com/office/drawing/2014/main" xmlns="" id="{8413CF68-A7E3-43A0-B613-5438D5382AB1}"/>
+                  <a16:creationId xmlns="" xmlns:a16="http://schemas.microsoft.com/office/drawing/2014/main" id="{8413CF68-A7E3-43A0-B613-5438D5382AB1}"/>
                 </a:ext>
               </a:extLst>
             </p:cNvPr>
@@ -14219,7 +12903,7 @@
           <p:cNvPr id="22" name="TextBox 21">
             <a:extLst>
               <a:ext uri="{FF2B5EF4-FFF2-40B4-BE49-F238E27FC236}">
-                <a16:creationId xmlns:a16="http://schemas.microsoft.com/office/drawing/2014/main" xmlns="" id="{97653B96-F2E2-406B-A513-F42319FDB50F}"/>
+                <a16:creationId xmlns="" xmlns:a16="http://schemas.microsoft.com/office/drawing/2014/main" id="{97653B96-F2E2-406B-A513-F42319FDB50F}"/>
               </a:ext>
             </a:extLst>
           </p:cNvPr>
@@ -14228,8 +12912,8 @@
         </p:nvSpPr>
         <p:spPr>
           <a:xfrm>
-            <a:off x="5863928" y="155425"/>
-            <a:ext cx="4742004" cy="369332"/>
+            <a:off x="6222597" y="166761"/>
+            <a:ext cx="3554178" cy="369332"/>
           </a:xfrm>
           <a:prstGeom prst="rect">
             <a:avLst/>
@@ -14252,8 +12936,29 @@
                 <a:latin typeface="Oxygen" panose="02000503000000000000" pitchFamily="2" charset="0"/>
                 <a:cs typeface="Arial" panose="020B0604020202020204" pitchFamily="34" charset="0"/>
               </a:rPr>
-              <a:t>Data Analysis: Importing &amp; Exporting Data</a:t>
-            </a:r>
+              <a:t>Data Analysis: </a:t>
+            </a:r>
+            <a:r>
+              <a:rPr lang="en-US" b="1" cap="small" dirty="0" smtClean="0">
+                <a:solidFill>
+                  <a:schemeClr val="bg2">
+                    <a:lumMod val="75000"/>
+                  </a:schemeClr>
+                </a:solidFill>
+                <a:latin typeface="Oxygen" panose="02000503000000000000" pitchFamily="2" charset="0"/>
+                <a:cs typeface="Arial" panose="020B0604020202020204" pitchFamily="34" charset="0"/>
+              </a:rPr>
+              <a:t>Naming Columns</a:t>
+            </a:r>
+            <a:endParaRPr lang="en-US" b="1" cap="small" dirty="0" smtClean="0">
+              <a:solidFill>
+                <a:schemeClr val="bg2">
+                  <a:lumMod val="75000"/>
+                </a:schemeClr>
+              </a:solidFill>
+              <a:latin typeface="Oxygen" panose="02000503000000000000" pitchFamily="2" charset="0"/>
+              <a:cs typeface="Arial" panose="020B0604020202020204" pitchFamily="34" charset="0"/>
+            </a:endParaRPr>
           </a:p>
         </p:txBody>
       </p:sp>
@@ -14262,7 +12967,7 @@
           <p:cNvPr id="33" name="Rectangle 32">
             <a:extLst>
               <a:ext uri="{FF2B5EF4-FFF2-40B4-BE49-F238E27FC236}">
-                <a16:creationId xmlns:a16="http://schemas.microsoft.com/office/drawing/2014/main" xmlns="" id="{E02B0EB1-C543-469A-90DE-9FA0F478E35F}"/>
+                <a16:creationId xmlns="" xmlns:a16="http://schemas.microsoft.com/office/drawing/2014/main" id="{E02B0EB1-C543-469A-90DE-9FA0F478E35F}"/>
               </a:ext>
             </a:extLst>
           </p:cNvPr>
@@ -14584,7 +13289,7 @@
           <p:cNvPr id="8" name="Rectangle 7">
             <a:extLst>
               <a:ext uri="{FF2B5EF4-FFF2-40B4-BE49-F238E27FC236}">
-                <a16:creationId xmlns:a16="http://schemas.microsoft.com/office/drawing/2014/main" xmlns="" id="{583FBC17-A62F-4E87-B8DE-0F79DF4336A0}"/>
+                <a16:creationId xmlns="" xmlns:a16="http://schemas.microsoft.com/office/drawing/2014/main" id="{583FBC17-A62F-4E87-B8DE-0F79DF4336A0}"/>
               </a:ext>
             </a:extLst>
           </p:cNvPr>
@@ -14644,7 +13349,7 @@
           <p:cNvPr id="19" name="Group 18">
             <a:extLst>
               <a:ext uri="{FF2B5EF4-FFF2-40B4-BE49-F238E27FC236}">
-                <a16:creationId xmlns:a16="http://schemas.microsoft.com/office/drawing/2014/main" xmlns="" id="{C587FE1B-2243-4627-BC52-851BDA62444B}"/>
+                <a16:creationId xmlns="" xmlns:a16="http://schemas.microsoft.com/office/drawing/2014/main" id="{C587FE1B-2243-4627-BC52-851BDA62444B}"/>
               </a:ext>
             </a:extLst>
           </p:cNvPr>
@@ -14664,7 +13369,7 @@
             <p:cNvPr id="20" name="Picture 19">
               <a:extLst>
                 <a:ext uri="{FF2B5EF4-FFF2-40B4-BE49-F238E27FC236}">
-                  <a16:creationId xmlns:a16="http://schemas.microsoft.com/office/drawing/2014/main" xmlns="" id="{0F2E3E05-4A48-4C06-BA49-75E2E366C715}"/>
+                  <a16:creationId xmlns="" xmlns:a16="http://schemas.microsoft.com/office/drawing/2014/main" id="{0F2E3E05-4A48-4C06-BA49-75E2E366C715}"/>
                 </a:ext>
               </a:extLst>
             </p:cNvPr>
@@ -14694,7 +13399,7 @@
             <p:cNvPr id="21" name="Freeform 22">
               <a:extLst>
                 <a:ext uri="{FF2B5EF4-FFF2-40B4-BE49-F238E27FC236}">
-                  <a16:creationId xmlns:a16="http://schemas.microsoft.com/office/drawing/2014/main" xmlns="" id="{8413CF68-A7E3-43A0-B613-5438D5382AB1}"/>
+                  <a16:creationId xmlns="" xmlns:a16="http://schemas.microsoft.com/office/drawing/2014/main" id="{8413CF68-A7E3-43A0-B613-5438D5382AB1}"/>
                 </a:ext>
               </a:extLst>
             </p:cNvPr>
@@ -15106,7 +13811,7 @@
           <p:cNvPr id="22" name="TextBox 21">
             <a:extLst>
               <a:ext uri="{FF2B5EF4-FFF2-40B4-BE49-F238E27FC236}">
-                <a16:creationId xmlns:a16="http://schemas.microsoft.com/office/drawing/2014/main" xmlns="" id="{97653B96-F2E2-406B-A513-F42319FDB50F}"/>
+                <a16:creationId xmlns="" xmlns:a16="http://schemas.microsoft.com/office/drawing/2014/main" id="{97653B96-F2E2-406B-A513-F42319FDB50F}"/>
               </a:ext>
             </a:extLst>
           </p:cNvPr>
@@ -15115,8 +13820,8 @@
         </p:nvSpPr>
         <p:spPr>
           <a:xfrm>
-            <a:off x="5863928" y="155425"/>
-            <a:ext cx="4742004" cy="369332"/>
+            <a:off x="6268893" y="175387"/>
+            <a:ext cx="3478837" cy="369332"/>
           </a:xfrm>
           <a:prstGeom prst="rect">
             <a:avLst/>
@@ -15139,7 +13844,31 @@
                 <a:latin typeface="Oxygen" panose="02000503000000000000" pitchFamily="2" charset="0"/>
                 <a:cs typeface="Arial" panose="020B0604020202020204" pitchFamily="34" charset="0"/>
               </a:rPr>
-              <a:t>Data Analysis: Importing &amp; Exporting Data</a:t>
+              <a:t>Data Analysis: </a:t>
+            </a:r>
+            <a:r>
+              <a:rPr lang="en-US" b="1" cap="small" dirty="0" smtClean="0">
+                <a:solidFill>
+                  <a:schemeClr val="bg2">
+                    <a:lumMod val="75000"/>
+                  </a:schemeClr>
+                </a:solidFill>
+                <a:latin typeface="Oxygen" panose="02000503000000000000" pitchFamily="2" charset="0"/>
+                <a:cs typeface="Arial" panose="020B0604020202020204" pitchFamily="34" charset="0"/>
+              </a:rPr>
+              <a:t>Exporting </a:t>
+            </a:r>
+            <a:r>
+              <a:rPr lang="en-US" b="1" cap="small" dirty="0" smtClean="0">
+                <a:solidFill>
+                  <a:schemeClr val="bg2">
+                    <a:lumMod val="75000"/>
+                  </a:schemeClr>
+                </a:solidFill>
+                <a:latin typeface="Oxygen" panose="02000503000000000000" pitchFamily="2" charset="0"/>
+                <a:cs typeface="Arial" panose="020B0604020202020204" pitchFamily="34" charset="0"/>
+              </a:rPr>
+              <a:t>Data</a:t>
             </a:r>
           </a:p>
         </p:txBody>
@@ -15149,7 +13878,7 @@
           <p:cNvPr id="33" name="Rectangle 32">
             <a:extLst>
               <a:ext uri="{FF2B5EF4-FFF2-40B4-BE49-F238E27FC236}">
-                <a16:creationId xmlns:a16="http://schemas.microsoft.com/office/drawing/2014/main" xmlns="" id="{E02B0EB1-C543-469A-90DE-9FA0F478E35F}"/>
+                <a16:creationId xmlns="" xmlns:a16="http://schemas.microsoft.com/office/drawing/2014/main" id="{E02B0EB1-C543-469A-90DE-9FA0F478E35F}"/>
               </a:ext>
             </a:extLst>
           </p:cNvPr>
@@ -15275,7 +14004,7 @@
         <p:spPr>
           <a:xfrm>
             <a:off x="4699830" y="1898010"/>
-            <a:ext cx="5722788" cy="403828"/>
+            <a:ext cx="5722788" cy="4031873"/>
           </a:xfrm>
           <a:prstGeom prst="rect">
             <a:avLst/>
@@ -15337,7 +14066,7 @@
                 </a:solidFill>
                 <a:latin typeface="Oxygen" panose="02000503000000000000" pitchFamily="2" charset="0"/>
               </a:rPr>
-              <a:t>file, run the </a:t>
+              <a:t>file, run the code </a:t>
             </a:r>
             <a:r>
               <a:rPr lang="en-US" sz="1100" dirty="0" smtClean="0">
@@ -15348,8 +14077,188 @@
                 </a:solidFill>
                 <a:latin typeface="Oxygen" panose="02000503000000000000" pitchFamily="2" charset="0"/>
               </a:rPr>
-              <a:t>code below</a:t>
-            </a:r>
+              <a:t>below</a:t>
+            </a:r>
+          </a:p>
+          <a:p>
+            <a:pPr marL="171450" indent="-171450">
+              <a:lnSpc>
+                <a:spcPct val="200000"/>
+              </a:lnSpc>
+              <a:buFont typeface="Wingdings" panose="05000000000000000000" pitchFamily="2" charset="2"/>
+              <a:buChar char="v"/>
+            </a:pPr>
+            <a:endParaRPr lang="en-US" sz="1100" dirty="0">
+              <a:solidFill>
+                <a:srgbClr val="E7E6E6">
+                  <a:lumMod val="50000"/>
+                </a:srgbClr>
+              </a:solidFill>
+              <a:latin typeface="Oxygen" panose="02000503000000000000" pitchFamily="2" charset="0"/>
+            </a:endParaRPr>
+          </a:p>
+          <a:p>
+            <a:pPr marL="171450" indent="-171450">
+              <a:lnSpc>
+                <a:spcPct val="200000"/>
+              </a:lnSpc>
+              <a:buFont typeface="Wingdings" panose="05000000000000000000" pitchFamily="2" charset="2"/>
+              <a:buChar char="v"/>
+            </a:pPr>
+            <a:endParaRPr lang="en-US" sz="1100" dirty="0" smtClean="0">
+              <a:solidFill>
+                <a:srgbClr val="E7E6E6">
+                  <a:lumMod val="50000"/>
+                </a:srgbClr>
+              </a:solidFill>
+              <a:latin typeface="Oxygen" panose="02000503000000000000" pitchFamily="2" charset="0"/>
+            </a:endParaRPr>
+          </a:p>
+          <a:p>
+            <a:pPr marL="171450" indent="-171450">
+              <a:lnSpc>
+                <a:spcPct val="200000"/>
+              </a:lnSpc>
+              <a:buFont typeface="Wingdings" panose="05000000000000000000" pitchFamily="2" charset="2"/>
+              <a:buChar char="v"/>
+            </a:pPr>
+            <a:endParaRPr lang="en-US" sz="1100" dirty="0">
+              <a:solidFill>
+                <a:srgbClr val="E7E6E6">
+                  <a:lumMod val="50000"/>
+                </a:srgbClr>
+              </a:solidFill>
+              <a:latin typeface="Oxygen" panose="02000503000000000000" pitchFamily="2" charset="0"/>
+            </a:endParaRPr>
+          </a:p>
+          <a:p>
+            <a:pPr marL="171450" indent="-171450">
+              <a:lnSpc>
+                <a:spcPct val="200000"/>
+              </a:lnSpc>
+              <a:buFont typeface="Wingdings" panose="05000000000000000000" pitchFamily="2" charset="2"/>
+              <a:buChar char="v"/>
+            </a:pPr>
+            <a:endParaRPr lang="en-US" sz="1100" dirty="0" smtClean="0">
+              <a:solidFill>
+                <a:srgbClr val="E7E6E6">
+                  <a:lumMod val="50000"/>
+                </a:srgbClr>
+              </a:solidFill>
+              <a:latin typeface="Oxygen" panose="02000503000000000000" pitchFamily="2" charset="0"/>
+            </a:endParaRPr>
+          </a:p>
+          <a:p>
+            <a:pPr marL="171450" indent="-171450">
+              <a:lnSpc>
+                <a:spcPct val="200000"/>
+              </a:lnSpc>
+              <a:buFont typeface="Wingdings" panose="05000000000000000000" pitchFamily="2" charset="2"/>
+              <a:buChar char="v"/>
+            </a:pPr>
+            <a:r>
+              <a:rPr lang="en-US" sz="1200" b="1" dirty="0" smtClean="0">
+                <a:solidFill>
+                  <a:srgbClr val="E7E6E6">
+                    <a:lumMod val="50000"/>
+                  </a:srgbClr>
+                </a:solidFill>
+                <a:latin typeface="Oxygen" panose="02000503000000000000" pitchFamily="2" charset="0"/>
+              </a:rPr>
+              <a:t>Alternative:</a:t>
+            </a:r>
+          </a:p>
+          <a:p>
+            <a:pPr marL="171450" indent="-171450">
+              <a:lnSpc>
+                <a:spcPct val="200000"/>
+              </a:lnSpc>
+              <a:buFont typeface="Wingdings" panose="05000000000000000000" pitchFamily="2" charset="2"/>
+              <a:buChar char="v"/>
+            </a:pPr>
+            <a:endParaRPr lang="en-US" sz="1200" b="1" dirty="0">
+              <a:solidFill>
+                <a:srgbClr val="E7E6E6">
+                  <a:lumMod val="50000"/>
+                </a:srgbClr>
+              </a:solidFill>
+              <a:latin typeface="Oxygen" panose="02000503000000000000" pitchFamily="2" charset="0"/>
+            </a:endParaRPr>
+          </a:p>
+          <a:p>
+            <a:pPr marL="171450" indent="-171450">
+              <a:lnSpc>
+                <a:spcPct val="200000"/>
+              </a:lnSpc>
+              <a:buFont typeface="Wingdings" panose="05000000000000000000" pitchFamily="2" charset="2"/>
+              <a:buChar char="v"/>
+            </a:pPr>
+            <a:endParaRPr lang="en-US" sz="1200" b="1" dirty="0" smtClean="0">
+              <a:solidFill>
+                <a:srgbClr val="E7E6E6">
+                  <a:lumMod val="50000"/>
+                </a:srgbClr>
+              </a:solidFill>
+              <a:latin typeface="Oxygen" panose="02000503000000000000" pitchFamily="2" charset="0"/>
+            </a:endParaRPr>
+          </a:p>
+          <a:p>
+            <a:pPr marL="171450" indent="-171450">
+              <a:lnSpc>
+                <a:spcPct val="200000"/>
+              </a:lnSpc>
+              <a:buFont typeface="Wingdings" panose="05000000000000000000" pitchFamily="2" charset="2"/>
+              <a:buChar char="v"/>
+            </a:pPr>
+            <a:endParaRPr lang="en-US" sz="1200" b="1" dirty="0" smtClean="0">
+              <a:solidFill>
+                <a:srgbClr val="E7E6E6">
+                  <a:lumMod val="50000"/>
+                </a:srgbClr>
+              </a:solidFill>
+              <a:latin typeface="Oxygen" panose="02000503000000000000" pitchFamily="2" charset="0"/>
+            </a:endParaRPr>
+          </a:p>
+          <a:p>
+            <a:pPr>
+              <a:lnSpc>
+                <a:spcPct val="200000"/>
+              </a:lnSpc>
+            </a:pPr>
+            <a:endParaRPr lang="en-US" sz="1200" b="1" dirty="0" smtClean="0">
+              <a:solidFill>
+                <a:srgbClr val="E7E6E6">
+                  <a:lumMod val="50000"/>
+                </a:srgbClr>
+              </a:solidFill>
+              <a:latin typeface="Oxygen" panose="02000503000000000000" pitchFamily="2" charset="0"/>
+            </a:endParaRPr>
+          </a:p>
+          <a:p>
+            <a:pPr>
+              <a:lnSpc>
+                <a:spcPct val="200000"/>
+              </a:lnSpc>
+            </a:pPr>
+            <a:r>
+              <a:rPr lang="en-US" sz="1200" b="1" dirty="0" smtClean="0">
+                <a:solidFill>
+                  <a:srgbClr val="E7E6E6">
+                    <a:lumMod val="50000"/>
+                  </a:srgbClr>
+                </a:solidFill>
+                <a:latin typeface="Oxygen" panose="02000503000000000000" pitchFamily="2" charset="0"/>
+              </a:rPr>
+              <a:t>N.B.- The alternative method is for saving the file to local machine</a:t>
+            </a:r>
+            <a:endParaRPr lang="en-US" sz="1200" b="1" dirty="0">
+              <a:solidFill>
+                <a:srgbClr val="E7E6E6">
+                  <a:lumMod val="50000"/>
+                </a:srgbClr>
+              </a:solidFill>
+              <a:latin typeface="Oxygen" panose="02000503000000000000" pitchFamily="2" charset="0"/>
+            </a:endParaRPr>
           </a:p>
         </p:txBody>
       </p:sp>
@@ -15429,44 +14338,6 @@
           </a:p>
         </p:txBody>
       </p:sp>
-      <p:cxnSp>
-        <p:nvCxnSpPr>
-          <p:cNvPr id="6" name="Elbow Connector 5"/>
-          <p:cNvCxnSpPr>
-            <a:stCxn id="4" idx="3"/>
-          </p:cNvCxnSpPr>
-          <p:nvPr/>
-        </p:nvCxnSpPr>
-        <p:spPr>
-          <a:xfrm>
-            <a:off x="9169880" y="2836939"/>
-            <a:ext cx="715992" cy="1467642"/>
-          </a:xfrm>
-          <a:prstGeom prst="bentConnector2">
-            <a:avLst/>
-          </a:prstGeom>
-          <a:ln w="28575">
-            <a:solidFill>
-              <a:srgbClr val="FF0000"/>
-            </a:solidFill>
-            <a:tailEnd type="triangle"/>
-          </a:ln>
-        </p:spPr>
-        <p:style>
-          <a:lnRef idx="1">
-            <a:schemeClr val="accent1"/>
-          </a:lnRef>
-          <a:fillRef idx="0">
-            <a:schemeClr val="accent1"/>
-          </a:fillRef>
-          <a:effectRef idx="0">
-            <a:schemeClr val="accent1"/>
-          </a:effectRef>
-          <a:fontRef idx="minor">
-            <a:schemeClr val="tx1"/>
-          </a:fontRef>
-        </p:style>
-      </p:cxnSp>
       <p:sp>
         <p:nvSpPr>
           <p:cNvPr id="7" name="TextBox 6"/>
@@ -15475,8 +14346,8 @@
         </p:nvSpPr>
         <p:spPr>
           <a:xfrm>
-            <a:off x="8882394" y="4304581"/>
-            <a:ext cx="2006956" cy="369332"/>
+            <a:off x="9885872" y="2652272"/>
+            <a:ext cx="2006956" cy="338554"/>
           </a:xfrm>
           <a:prstGeom prst="rect">
             <a:avLst/>
@@ -15490,7 +14361,7 @@
           <a:lstStyle/>
           <a:p>
             <a:r>
-              <a:rPr lang="en-US" dirty="0" smtClean="0">
+              <a:rPr lang="en-US" sz="1600" dirty="0" smtClean="0">
                 <a:solidFill>
                   <a:srgbClr val="FF0000"/>
                 </a:solidFill>
@@ -15498,7 +14369,7 @@
               </a:rPr>
               <a:t>Renaming the file</a:t>
             </a:r>
-            <a:endParaRPr lang="en-AU" dirty="0">
+            <a:endParaRPr lang="en-AU" sz="1600" dirty="0">
               <a:solidFill>
                 <a:srgbClr val="FF0000"/>
               </a:solidFill>
@@ -15549,6 +14420,73 @@
           </a:effectLst>
         </p:spPr>
       </p:pic>
+      <p:pic>
+        <p:nvPicPr>
+          <p:cNvPr id="5" name="Picture 4"/>
+          <p:cNvPicPr>
+            <a:picLocks noChangeAspect="1"/>
+          </p:cNvPicPr>
+          <p:nvPr/>
+        </p:nvPicPr>
+        <p:blipFill rotWithShape="1">
+          <a:blip r:embed="rId6">
+            <a:extLst>
+              <a:ext uri="{28A0092B-C50C-407E-A947-70E740481C1C}">
+                <a14:useLocalDpi xmlns:a14="http://schemas.microsoft.com/office/drawing/2010/main" val="0"/>
+              </a:ext>
+            </a:extLst>
+          </a:blip>
+          <a:srcRect l="2547" b="-5343"/>
+          <a:stretch/>
+        </p:blipFill>
+        <p:spPr>
+          <a:xfrm>
+            <a:off x="5752121" y="4235870"/>
+            <a:ext cx="3694891" cy="270953"/>
+          </a:xfrm>
+          <a:prstGeom prst="rect">
+            <a:avLst/>
+          </a:prstGeom>
+        </p:spPr>
+      </p:pic>
+      <p:cxnSp>
+        <p:nvCxnSpPr>
+          <p:cNvPr id="11" name="Straight Arrow Connector 10"/>
+          <p:cNvCxnSpPr>
+            <a:stCxn id="4" idx="3"/>
+          </p:cNvCxnSpPr>
+          <p:nvPr/>
+        </p:nvCxnSpPr>
+        <p:spPr>
+          <a:xfrm flipV="1">
+            <a:off x="9169880" y="2836938"/>
+            <a:ext cx="715992" cy="1"/>
+          </a:xfrm>
+          <a:prstGeom prst="straightConnector1">
+            <a:avLst/>
+          </a:prstGeom>
+          <a:ln w="28575">
+            <a:solidFill>
+              <a:srgbClr val="FF0000"/>
+            </a:solidFill>
+            <a:tailEnd type="triangle"/>
+          </a:ln>
+        </p:spPr>
+        <p:style>
+          <a:lnRef idx="1">
+            <a:schemeClr val="accent1"/>
+          </a:lnRef>
+          <a:fillRef idx="0">
+            <a:schemeClr val="accent1"/>
+          </a:fillRef>
+          <a:effectRef idx="0">
+            <a:schemeClr val="accent1"/>
+          </a:effectRef>
+          <a:fontRef idx="minor">
+            <a:schemeClr val="tx1"/>
+          </a:fontRef>
+        </p:style>
+      </p:cxnSp>
     </p:spTree>
     <p:extLst>
       <p:ext uri="{BB962C8B-B14F-4D97-AF65-F5344CB8AC3E}">
@@ -15577,7 +14515,7 @@
 </p:sld>
 </file>
 
-<file path=ppt/slides/slide2.xml><?xml version="1.0" encoding="utf-8"?>
+<file path=ppt/slides/slide13.xml><?xml version="1.0" encoding="utf-8"?>
 <p:sld xmlns:a="http://schemas.openxmlformats.org/drawingml/2006/main" xmlns:r="http://schemas.openxmlformats.org/officeDocument/2006/relationships" xmlns:p="http://schemas.openxmlformats.org/presentationml/2006/main">
   <p:cSld>
     <p:spTree>
@@ -15599,7 +14537,7 @@
           <p:cNvPr id="8" name="Rectangle 7">
             <a:extLst>
               <a:ext uri="{FF2B5EF4-FFF2-40B4-BE49-F238E27FC236}">
-                <a16:creationId xmlns:a16="http://schemas.microsoft.com/office/drawing/2014/main" xmlns="" id="{583FBC17-A62F-4E87-B8DE-0F79DF4336A0}"/>
+                <a16:creationId xmlns="" xmlns:a16="http://schemas.microsoft.com/office/drawing/2014/main" id="{583FBC17-A62F-4E87-B8DE-0F79DF4336A0}"/>
               </a:ext>
             </a:extLst>
           </p:cNvPr>
@@ -15608,7 +14546,7 @@
         </p:nvSpPr>
         <p:spPr>
           <a:xfrm>
-            <a:off x="3824624" y="-25272"/>
+            <a:off x="3824624" y="-25265"/>
             <a:ext cx="8367376" cy="770637"/>
           </a:xfrm>
           <a:prstGeom prst="rect">
@@ -15659,7 +14597,7 @@
           <p:cNvPr id="19" name="Group 18">
             <a:extLst>
               <a:ext uri="{FF2B5EF4-FFF2-40B4-BE49-F238E27FC236}">
-                <a16:creationId xmlns:a16="http://schemas.microsoft.com/office/drawing/2014/main" xmlns="" id="{C587FE1B-2243-4627-BC52-851BDA62444B}"/>
+                <a16:creationId xmlns="" xmlns:a16="http://schemas.microsoft.com/office/drawing/2014/main" id="{C587FE1B-2243-4627-BC52-851BDA62444B}"/>
               </a:ext>
             </a:extLst>
           </p:cNvPr>
@@ -15668,7 +14606,7 @@
         </p:nvGrpSpPr>
         <p:grpSpPr>
           <a:xfrm>
-            <a:off x="687804" y="156881"/>
+            <a:off x="687804" y="155425"/>
             <a:ext cx="2471777" cy="1145371"/>
             <a:chOff x="4600575" y="2600315"/>
             <a:chExt cx="2990850" cy="1385897"/>
@@ -15679,7 +14617,7 @@
             <p:cNvPr id="20" name="Picture 19">
               <a:extLst>
                 <a:ext uri="{FF2B5EF4-FFF2-40B4-BE49-F238E27FC236}">
-                  <a16:creationId xmlns:a16="http://schemas.microsoft.com/office/drawing/2014/main" xmlns="" id="{0F2E3E05-4A48-4C06-BA49-75E2E366C715}"/>
+                  <a16:creationId xmlns="" xmlns:a16="http://schemas.microsoft.com/office/drawing/2014/main" id="{0F2E3E05-4A48-4C06-BA49-75E2E366C715}"/>
                 </a:ext>
               </a:extLst>
             </p:cNvPr>
@@ -15709,7 +14647,7 @@
             <p:cNvPr id="21" name="Freeform 22">
               <a:extLst>
                 <a:ext uri="{FF2B5EF4-FFF2-40B4-BE49-F238E27FC236}">
-                  <a16:creationId xmlns:a16="http://schemas.microsoft.com/office/drawing/2014/main" xmlns="" id="{8413CF68-A7E3-43A0-B613-5438D5382AB1}"/>
+                  <a16:creationId xmlns="" xmlns:a16="http://schemas.microsoft.com/office/drawing/2014/main" id="{8413CF68-A7E3-43A0-B613-5438D5382AB1}"/>
                 </a:ext>
               </a:extLst>
             </p:cNvPr>
@@ -16121,7 +15059,7 @@
           <p:cNvPr id="22" name="TextBox 21">
             <a:extLst>
               <a:ext uri="{FF2B5EF4-FFF2-40B4-BE49-F238E27FC236}">
-                <a16:creationId xmlns:a16="http://schemas.microsoft.com/office/drawing/2014/main" xmlns="" id="{97653B96-F2E2-406B-A513-F42319FDB50F}"/>
+                <a16:creationId xmlns="" xmlns:a16="http://schemas.microsoft.com/office/drawing/2014/main" id="{97653B96-F2E2-406B-A513-F42319FDB50F}"/>
               </a:ext>
             </a:extLst>
           </p:cNvPr>
@@ -16130,8 +15068,8 @@
         </p:nvSpPr>
         <p:spPr>
           <a:xfrm>
-            <a:off x="6839562" y="156881"/>
-            <a:ext cx="2337499" cy="369332"/>
+            <a:off x="5863928" y="155425"/>
+            <a:ext cx="4742004" cy="369332"/>
           </a:xfrm>
           <a:prstGeom prst="rect">
             <a:avLst/>
@@ -16154,7 +15092,7 @@
                 <a:latin typeface="Oxygen" panose="02000503000000000000" pitchFamily="2" charset="0"/>
                 <a:cs typeface="Arial" panose="020B0604020202020204" pitchFamily="34" charset="0"/>
               </a:rPr>
-              <a:t>Data Analysis: Types</a:t>
+              <a:t>Data Analysis: Importing &amp; Exporting Data</a:t>
             </a:r>
           </a:p>
         </p:txBody>
@@ -16164,7 +15102,7 @@
           <p:cNvPr id="33" name="Rectangle 32">
             <a:extLst>
               <a:ext uri="{FF2B5EF4-FFF2-40B4-BE49-F238E27FC236}">
-                <a16:creationId xmlns:a16="http://schemas.microsoft.com/office/drawing/2014/main" xmlns="" id="{E02B0EB1-C543-469A-90DE-9FA0F478E35F}"/>
+                <a16:creationId xmlns="" xmlns:a16="http://schemas.microsoft.com/office/drawing/2014/main" id="{E02B0EB1-C543-469A-90DE-9FA0F478E35F}"/>
               </a:ext>
             </a:extLst>
           </p:cNvPr>
@@ -16173,7 +15111,7 @@
         </p:nvSpPr>
         <p:spPr>
           <a:xfrm>
-            <a:off x="0" y="6543676"/>
+            <a:off x="0" y="6466038"/>
             <a:ext cx="12192000" cy="314325"/>
           </a:xfrm>
           <a:prstGeom prst="rect">
@@ -16281,43 +15219,64 @@
           </a:p>
         </p:txBody>
       </p:sp>
-      <p:graphicFrame>
-        <p:nvGraphicFramePr>
-          <p:cNvPr id="2" name="Diagram 1"/>
-          <p:cNvGraphicFramePr/>
-          <p:nvPr>
-            <p:extLst>
-              <p:ext uri="{D42A27DB-BD31-4B8C-83A1-F6EECF244321}">
-                <p14:modId xmlns:p14="http://schemas.microsoft.com/office/powerpoint/2010/main" val="3446597720"/>
-              </p:ext>
-            </p:extLst>
-          </p:nvPr>
-        </p:nvGraphicFramePr>
-        <p:xfrm>
-          <a:off x="3573649" y="1483744"/>
-          <a:ext cx="4819853" cy="4485736"/>
-        </p:xfrm>
-        <a:graphic>
-          <a:graphicData uri="http://schemas.openxmlformats.org/drawingml/2006/diagram">
-            <dgm:relIds xmlns:dgm="http://schemas.openxmlformats.org/drawingml/2006/diagram" xmlns:r="http://schemas.openxmlformats.org/officeDocument/2006/relationships" r:dm="rId4" r:lo="rId5" r:qs="rId6" r:cs="rId7"/>
-          </a:graphicData>
-        </a:graphic>
-      </p:graphicFrame>
+      <p:sp>
+        <p:nvSpPr>
+          <p:cNvPr id="4" name="Rectangle 3"/>
+          <p:cNvSpPr/>
+          <p:nvPr/>
+        </p:nvSpPr>
+        <p:spPr>
+          <a:xfrm>
+            <a:off x="6003636" y="2967335"/>
+            <a:ext cx="184731" cy="369332"/>
+          </a:xfrm>
+          <a:prstGeom prst="rect">
+            <a:avLst/>
+          </a:prstGeom>
+          <a:noFill/>
+        </p:spPr>
+        <p:txBody>
+          <a:bodyPr wrap="none" lIns="91440" tIns="45720" rIns="91440" bIns="45720">
+            <a:spAutoFit/>
+          </a:bodyPr>
+          <a:lstStyle/>
+          <a:p>
+            <a:pPr algn="ctr"/>
+            <a:endParaRPr lang="en-US" b="1" cap="none" spc="0" dirty="0">
+              <a:ln w="6600">
+                <a:solidFill>
+                  <a:schemeClr val="accent2"/>
+                </a:solidFill>
+                <a:prstDash val="solid"/>
+              </a:ln>
+              <a:solidFill>
+                <a:srgbClr val="FFFFFF"/>
+              </a:solidFill>
+              <a:effectLst>
+                <a:outerShdw dist="38100" dir="2700000" algn="tl" rotWithShape="0">
+                  <a:schemeClr val="accent2"/>
+                </a:outerShdw>
+              </a:effectLst>
+              <a:latin typeface="Oxygen" panose="02000503000000000000" pitchFamily="2" charset="0"/>
+            </a:endParaRPr>
+          </a:p>
+        </p:txBody>
+      </p:sp>
     </p:spTree>
     <p:extLst>
       <p:ext uri="{BB962C8B-B14F-4D97-AF65-F5344CB8AC3E}">
-        <p14:creationId xmlns:p14="http://schemas.microsoft.com/office/powerpoint/2010/main" val="2084430580"/>
+        <p14:creationId xmlns:p14="http://schemas.microsoft.com/office/powerpoint/2010/main" val="702446147"/>
       </p:ext>
     </p:extLst>
   </p:cSld>
   <p:clrMapOvr>
     <a:masterClrMapping/>
   </p:clrMapOvr>
-  <mc:AlternateContent xmlns:mc="http://schemas.openxmlformats.org/markup-compatibility/2006" xmlns:p14="http://schemas.microsoft.com/office/powerpoint/2010/main">
-    <mc:Choice Requires="p14">
+  <mc:AlternateContent xmlns:mc="http://schemas.openxmlformats.org/markup-compatibility/2006">
+    <mc:Choice xmlns:p14="http://schemas.microsoft.com/office/powerpoint/2010/main" Requires="p14">
       <p:transition p14:dur="10"/>
     </mc:Choice>
-    <mc:Fallback xmlns="">
+    <mc:Fallback>
       <p:transition/>
     </mc:Fallback>
   </mc:AlternateContent>
@@ -16331,7 +15290,7 @@
 </p:sld>
 </file>
 
-<file path=ppt/slides/slide3.xml><?xml version="1.0" encoding="utf-8"?>
+<file path=ppt/slides/slide2.xml><?xml version="1.0" encoding="utf-8"?>
 <p:sld xmlns:a="http://schemas.openxmlformats.org/drawingml/2006/main" xmlns:r="http://schemas.openxmlformats.org/officeDocument/2006/relationships" xmlns:p="http://schemas.openxmlformats.org/presentationml/2006/main">
   <p:cSld>
     <p:spTree>
@@ -16353,7 +15312,7 @@
           <p:cNvPr id="8" name="Rectangle 7">
             <a:extLst>
               <a:ext uri="{FF2B5EF4-FFF2-40B4-BE49-F238E27FC236}">
-                <a16:creationId xmlns:a16="http://schemas.microsoft.com/office/drawing/2014/main" xmlns="" id="{583FBC17-A62F-4E87-B8DE-0F79DF4336A0}"/>
+                <a16:creationId xmlns="" xmlns:a16="http://schemas.microsoft.com/office/drawing/2014/main" id="{583FBC17-A62F-4E87-B8DE-0F79DF4336A0}"/>
               </a:ext>
             </a:extLst>
           </p:cNvPr>
@@ -16413,7 +15372,7 @@
           <p:cNvPr id="19" name="Group 18">
             <a:extLst>
               <a:ext uri="{FF2B5EF4-FFF2-40B4-BE49-F238E27FC236}">
-                <a16:creationId xmlns:a16="http://schemas.microsoft.com/office/drawing/2014/main" xmlns="" id="{C587FE1B-2243-4627-BC52-851BDA62444B}"/>
+                <a16:creationId xmlns="" xmlns:a16="http://schemas.microsoft.com/office/drawing/2014/main" id="{C587FE1B-2243-4627-BC52-851BDA62444B}"/>
               </a:ext>
             </a:extLst>
           </p:cNvPr>
@@ -16433,7 +15392,7 @@
             <p:cNvPr id="20" name="Picture 19">
               <a:extLst>
                 <a:ext uri="{FF2B5EF4-FFF2-40B4-BE49-F238E27FC236}">
-                  <a16:creationId xmlns:a16="http://schemas.microsoft.com/office/drawing/2014/main" xmlns="" id="{0F2E3E05-4A48-4C06-BA49-75E2E366C715}"/>
+                  <a16:creationId xmlns="" xmlns:a16="http://schemas.microsoft.com/office/drawing/2014/main" id="{0F2E3E05-4A48-4C06-BA49-75E2E366C715}"/>
                 </a:ext>
               </a:extLst>
             </p:cNvPr>
@@ -16463,7 +15422,7 @@
             <p:cNvPr id="21" name="Freeform 22">
               <a:extLst>
                 <a:ext uri="{FF2B5EF4-FFF2-40B4-BE49-F238E27FC236}">
-                  <a16:creationId xmlns:a16="http://schemas.microsoft.com/office/drawing/2014/main" xmlns="" id="{8413CF68-A7E3-43A0-B613-5438D5382AB1}"/>
+                  <a16:creationId xmlns="" xmlns:a16="http://schemas.microsoft.com/office/drawing/2014/main" id="{8413CF68-A7E3-43A0-B613-5438D5382AB1}"/>
                 </a:ext>
               </a:extLst>
             </p:cNvPr>
@@ -16875,7 +15834,7 @@
           <p:cNvPr id="22" name="TextBox 21">
             <a:extLst>
               <a:ext uri="{FF2B5EF4-FFF2-40B4-BE49-F238E27FC236}">
-                <a16:creationId xmlns:a16="http://schemas.microsoft.com/office/drawing/2014/main" xmlns="" id="{97653B96-F2E2-406B-A513-F42319FDB50F}"/>
+                <a16:creationId xmlns="" xmlns:a16="http://schemas.microsoft.com/office/drawing/2014/main" id="{97653B96-F2E2-406B-A513-F42319FDB50F}"/>
               </a:ext>
             </a:extLst>
           </p:cNvPr>
@@ -16884,8 +15843,8 @@
         </p:nvSpPr>
         <p:spPr>
           <a:xfrm>
-            <a:off x="6699300" y="156881"/>
-            <a:ext cx="2618024" cy="369332"/>
+            <a:off x="6839562" y="156881"/>
+            <a:ext cx="2337499" cy="369332"/>
           </a:xfrm>
           <a:prstGeom prst="rect">
             <a:avLst/>
@@ -16908,7 +15867,7 @@
                 <a:latin typeface="Oxygen" panose="02000503000000000000" pitchFamily="2" charset="0"/>
                 <a:cs typeface="Arial" panose="020B0604020202020204" pitchFamily="34" charset="0"/>
               </a:rPr>
-              <a:t>Data Analysis: Process</a:t>
+              <a:t>Data Analysis: Types</a:t>
             </a:r>
           </a:p>
         </p:txBody>
@@ -16918,7 +15877,7 @@
           <p:cNvPr id="33" name="Rectangle 32">
             <a:extLst>
               <a:ext uri="{FF2B5EF4-FFF2-40B4-BE49-F238E27FC236}">
-                <a16:creationId xmlns:a16="http://schemas.microsoft.com/office/drawing/2014/main" xmlns="" id="{E02B0EB1-C543-469A-90DE-9FA0F478E35F}"/>
+                <a16:creationId xmlns="" xmlns:a16="http://schemas.microsoft.com/office/drawing/2014/main" id="{E02B0EB1-C543-469A-90DE-9FA0F478E35F}"/>
               </a:ext>
             </a:extLst>
           </p:cNvPr>
@@ -17042,14 +16001,14 @@
           <p:nvPr>
             <p:extLst>
               <p:ext uri="{D42A27DB-BD31-4B8C-83A1-F6EECF244321}">
-                <p14:modId xmlns:p14="http://schemas.microsoft.com/office/powerpoint/2010/main" val="438653168"/>
+                <p14:modId xmlns:p14="http://schemas.microsoft.com/office/powerpoint/2010/main" val="3446597720"/>
               </p:ext>
             </p:extLst>
           </p:nvPr>
         </p:nvGraphicFramePr>
         <p:xfrm>
-          <a:off x="997507" y="1792499"/>
-          <a:ext cx="10196986" cy="4402783"/>
+          <a:off x="3573649" y="1483744"/>
+          <a:ext cx="4819853" cy="4485736"/>
         </p:xfrm>
         <a:graphic>
           <a:graphicData uri="http://schemas.openxmlformats.org/drawingml/2006/diagram">
@@ -17060,7 +16019,7 @@
     </p:spTree>
     <p:extLst>
       <p:ext uri="{BB962C8B-B14F-4D97-AF65-F5344CB8AC3E}">
-        <p14:creationId xmlns:p14="http://schemas.microsoft.com/office/powerpoint/2010/main" val="2726006123"/>
+        <p14:creationId xmlns:p14="http://schemas.microsoft.com/office/powerpoint/2010/main" val="2084430580"/>
       </p:ext>
     </p:extLst>
   </p:cSld>
@@ -17085,7 +16044,7 @@
 </p:sld>
 </file>
 
-<file path=ppt/slides/slide4.xml><?xml version="1.0" encoding="utf-8"?>
+<file path=ppt/slides/slide3.xml><?xml version="1.0" encoding="utf-8"?>
 <p:sld xmlns:a="http://schemas.openxmlformats.org/drawingml/2006/main" xmlns:r="http://schemas.openxmlformats.org/officeDocument/2006/relationships" xmlns:p="http://schemas.openxmlformats.org/presentationml/2006/main">
   <p:cSld>
     <p:spTree>
@@ -17107,7 +16066,7 @@
           <p:cNvPr id="8" name="Rectangle 7">
             <a:extLst>
               <a:ext uri="{FF2B5EF4-FFF2-40B4-BE49-F238E27FC236}">
-                <a16:creationId xmlns:a16="http://schemas.microsoft.com/office/drawing/2014/main" xmlns="" id="{583FBC17-A62F-4E87-B8DE-0F79DF4336A0}"/>
+                <a16:creationId xmlns="" xmlns:a16="http://schemas.microsoft.com/office/drawing/2014/main" id="{583FBC17-A62F-4E87-B8DE-0F79DF4336A0}"/>
               </a:ext>
             </a:extLst>
           </p:cNvPr>
@@ -17167,7 +16126,7 @@
           <p:cNvPr id="19" name="Group 18">
             <a:extLst>
               <a:ext uri="{FF2B5EF4-FFF2-40B4-BE49-F238E27FC236}">
-                <a16:creationId xmlns:a16="http://schemas.microsoft.com/office/drawing/2014/main" xmlns="" id="{C587FE1B-2243-4627-BC52-851BDA62444B}"/>
+                <a16:creationId xmlns="" xmlns:a16="http://schemas.microsoft.com/office/drawing/2014/main" id="{C587FE1B-2243-4627-BC52-851BDA62444B}"/>
               </a:ext>
             </a:extLst>
           </p:cNvPr>
@@ -17187,7 +16146,7 @@
             <p:cNvPr id="20" name="Picture 19">
               <a:extLst>
                 <a:ext uri="{FF2B5EF4-FFF2-40B4-BE49-F238E27FC236}">
-                  <a16:creationId xmlns:a16="http://schemas.microsoft.com/office/drawing/2014/main" xmlns="" id="{0F2E3E05-4A48-4C06-BA49-75E2E366C715}"/>
+                  <a16:creationId xmlns="" xmlns:a16="http://schemas.microsoft.com/office/drawing/2014/main" id="{0F2E3E05-4A48-4C06-BA49-75E2E366C715}"/>
                 </a:ext>
               </a:extLst>
             </p:cNvPr>
@@ -17217,7 +16176,7 @@
             <p:cNvPr id="21" name="Freeform 22">
               <a:extLst>
                 <a:ext uri="{FF2B5EF4-FFF2-40B4-BE49-F238E27FC236}">
-                  <a16:creationId xmlns:a16="http://schemas.microsoft.com/office/drawing/2014/main" xmlns="" id="{8413CF68-A7E3-43A0-B613-5438D5382AB1}"/>
+                  <a16:creationId xmlns="" xmlns:a16="http://schemas.microsoft.com/office/drawing/2014/main" id="{8413CF68-A7E3-43A0-B613-5438D5382AB1}"/>
                 </a:ext>
               </a:extLst>
             </p:cNvPr>
@@ -17629,7 +16588,7 @@
           <p:cNvPr id="22" name="TextBox 21">
             <a:extLst>
               <a:ext uri="{FF2B5EF4-FFF2-40B4-BE49-F238E27FC236}">
-                <a16:creationId xmlns:a16="http://schemas.microsoft.com/office/drawing/2014/main" xmlns="" id="{97653B96-F2E2-406B-A513-F42319FDB50F}"/>
+                <a16:creationId xmlns="" xmlns:a16="http://schemas.microsoft.com/office/drawing/2014/main" id="{97653B96-F2E2-406B-A513-F42319FDB50F}"/>
               </a:ext>
             </a:extLst>
           </p:cNvPr>
@@ -17638,8 +16597,8 @@
         </p:nvSpPr>
         <p:spPr>
           <a:xfrm>
-            <a:off x="6246244" y="156881"/>
-            <a:ext cx="3977371" cy="369332"/>
+            <a:off x="6699300" y="156881"/>
+            <a:ext cx="2618024" cy="369332"/>
           </a:xfrm>
           <a:prstGeom prst="rect">
             <a:avLst/>
@@ -17652,7 +16611,6 @@
           </a:bodyPr>
           <a:lstStyle/>
           <a:p>
-            <a:pPr algn="ctr"/>
             <a:r>
               <a:rPr lang="en-US" b="1" cap="small" dirty="0" smtClean="0">
                 <a:solidFill>
@@ -17663,7 +16621,7 @@
                 <a:latin typeface="Oxygen" panose="02000503000000000000" pitchFamily="2" charset="0"/>
                 <a:cs typeface="Arial" panose="020B0604020202020204" pitchFamily="34" charset="0"/>
               </a:rPr>
-              <a:t>Data Analysis: Analyzing A Problem</a:t>
+              <a:t>Data Analysis: Process</a:t>
             </a:r>
           </a:p>
         </p:txBody>
@@ -17673,7 +16631,7 @@
           <p:cNvPr id="33" name="Rectangle 32">
             <a:extLst>
               <a:ext uri="{FF2B5EF4-FFF2-40B4-BE49-F238E27FC236}">
-                <a16:creationId xmlns:a16="http://schemas.microsoft.com/office/drawing/2014/main" xmlns="" id="{E02B0EB1-C543-469A-90DE-9FA0F478E35F}"/>
+                <a16:creationId xmlns="" xmlns:a16="http://schemas.microsoft.com/office/drawing/2014/main" id="{E02B0EB1-C543-469A-90DE-9FA0F478E35F}"/>
               </a:ext>
             </a:extLst>
           </p:cNvPr>
@@ -17790,200 +16748,32 @@
           </a:p>
         </p:txBody>
       </p:sp>
-      <p:sp>
-        <p:nvSpPr>
-          <p:cNvPr id="3" name="TextBox 2"/>
-          <p:cNvSpPr txBox="1"/>
-          <p:nvPr/>
-        </p:nvSpPr>
-        <p:spPr>
-          <a:xfrm>
-            <a:off x="4927336" y="2901543"/>
-            <a:ext cx="6161952" cy="1477328"/>
-          </a:xfrm>
-          <a:prstGeom prst="rect">
-            <a:avLst/>
-          </a:prstGeom>
-          <a:noFill/>
-        </p:spPr>
-        <p:txBody>
-          <a:bodyPr wrap="square" rtlCol="0">
-            <a:spAutoFit/>
-          </a:bodyPr>
-          <a:lstStyle/>
-          <a:p>
-            <a:pPr marL="171450" indent="-171450">
-              <a:lnSpc>
-                <a:spcPct val="200000"/>
-              </a:lnSpc>
-              <a:buFont typeface="Wingdings" panose="05000000000000000000" pitchFamily="2" charset="2"/>
-              <a:buChar char="v"/>
-            </a:pPr>
-            <a:r>
-              <a:rPr lang="en-US" sz="1200" b="1" dirty="0" smtClean="0">
-                <a:solidFill>
-                  <a:srgbClr val="E7E6E6">
-                    <a:lumMod val="50000"/>
-                  </a:srgbClr>
-                </a:solidFill>
-                <a:latin typeface="Oxygen" panose="02000503000000000000" pitchFamily="2" charset="0"/>
-              </a:rPr>
-              <a:t>Some Questions for The Used Car Price Prediction Problem are:</a:t>
-            </a:r>
-          </a:p>
-          <a:p>
-            <a:pPr marL="628650" lvl="1" indent="-171450">
-              <a:lnSpc>
-                <a:spcPct val="200000"/>
-              </a:lnSpc>
-              <a:buFont typeface="Wingdings" panose="05000000000000000000" pitchFamily="2" charset="2"/>
-              <a:buChar char="q"/>
-            </a:pPr>
-            <a:r>
-              <a:rPr lang="en-US" sz="1100" dirty="0" smtClean="0">
-                <a:solidFill>
-                  <a:srgbClr val="E7E6E6">
-                    <a:lumMod val="50000"/>
-                  </a:srgbClr>
-                </a:solidFill>
-                <a:latin typeface="Oxygen" panose="02000503000000000000" pitchFamily="2" charset="0"/>
-              </a:rPr>
-              <a:t>Is there data on the prices of other cars and their characteristics?</a:t>
-            </a:r>
-          </a:p>
-          <a:p>
-            <a:pPr marL="628650" lvl="1" indent="-171450">
-              <a:lnSpc>
-                <a:spcPct val="200000"/>
-              </a:lnSpc>
-              <a:buFont typeface="Wingdings" panose="05000000000000000000" pitchFamily="2" charset="2"/>
-              <a:buChar char="q"/>
-            </a:pPr>
-            <a:r>
-              <a:rPr lang="en-US" sz="1100" dirty="0" smtClean="0">
-                <a:solidFill>
-                  <a:srgbClr val="E7E6E6">
-                    <a:lumMod val="50000"/>
-                  </a:srgbClr>
-                </a:solidFill>
-                <a:latin typeface="Oxygen" panose="02000503000000000000" pitchFamily="2" charset="0"/>
-              </a:rPr>
-              <a:t>The cars’ prices depend upon which features? (E.g. Brand, Engine size, Fuel Type etc.)</a:t>
-            </a:r>
-          </a:p>
-          <a:p>
-            <a:pPr marL="628650" lvl="1" indent="-171450">
-              <a:lnSpc>
-                <a:spcPct val="200000"/>
-              </a:lnSpc>
-              <a:buFont typeface="Wingdings" panose="05000000000000000000" pitchFamily="2" charset="2"/>
-              <a:buChar char="q"/>
-            </a:pPr>
-            <a:r>
-              <a:rPr lang="en-US" sz="1100" dirty="0" smtClean="0">
-                <a:solidFill>
-                  <a:srgbClr val="E7E6E6">
-                    <a:lumMod val="50000"/>
-                  </a:srgbClr>
-                </a:solidFill>
-                <a:latin typeface="Oxygen" panose="02000503000000000000" pitchFamily="2" charset="0"/>
-              </a:rPr>
-              <a:t>Asking other relevant questions</a:t>
-            </a:r>
-          </a:p>
-        </p:txBody>
-      </p:sp>
-      <p:sp>
-        <p:nvSpPr>
-          <p:cNvPr id="2" name="Rectangle 1"/>
-          <p:cNvSpPr/>
-          <p:nvPr/>
-        </p:nvSpPr>
-        <p:spPr>
-          <a:xfrm>
-            <a:off x="1102485" y="1834532"/>
-            <a:ext cx="9987029" cy="400110"/>
-          </a:xfrm>
-          <a:prstGeom prst="rect">
-            <a:avLst/>
-          </a:prstGeom>
-          <a:noFill/>
-        </p:spPr>
-        <p:txBody>
-          <a:bodyPr wrap="none" lIns="91440" tIns="45720" rIns="91440" bIns="45720">
-            <a:spAutoFit/>
-          </a:bodyPr>
-          <a:lstStyle/>
-          <a:p>
-            <a:pPr algn="ctr"/>
-            <a:r>
-              <a:rPr lang="en-US" sz="2000" b="1" dirty="0" smtClean="0">
-                <a:ln w="6600">
-                  <a:solidFill>
-                    <a:schemeClr val="accent2"/>
-                  </a:solidFill>
-                  <a:prstDash val="solid"/>
-                </a:ln>
-                <a:solidFill>
-                  <a:srgbClr val="FFFFFF"/>
-                </a:solidFill>
-                <a:effectLst>
-                  <a:outerShdw dist="38100" dir="2700000" algn="tl" rotWithShape="0">
-                    <a:schemeClr val="accent2"/>
-                  </a:outerShdw>
-                </a:effectLst>
-                <a:latin typeface="Oxygen" panose="02000503000000000000" pitchFamily="2" charset="0"/>
-              </a:rPr>
-              <a:t>A Data Scientist or Analyst should ask questions &amp; look into the data for answers</a:t>
-            </a:r>
-            <a:endParaRPr lang="en-US" sz="2000" b="1" cap="none" spc="0" dirty="0">
-              <a:ln w="6600">
-                <a:solidFill>
-                  <a:schemeClr val="accent2"/>
-                </a:solidFill>
-                <a:prstDash val="solid"/>
-              </a:ln>
-              <a:solidFill>
-                <a:srgbClr val="FFFFFF"/>
-              </a:solidFill>
-              <a:effectLst>
-                <a:outerShdw dist="38100" dir="2700000" algn="tl" rotWithShape="0">
-                  <a:schemeClr val="accent2"/>
-                </a:outerShdw>
-              </a:effectLst>
-              <a:latin typeface="Oxygen" panose="02000503000000000000" pitchFamily="2" charset="0"/>
-            </a:endParaRPr>
-          </a:p>
-        </p:txBody>
-      </p:sp>
-      <p:pic>
-        <p:nvPicPr>
-          <p:cNvPr id="4" name="Picture 3"/>
-          <p:cNvPicPr>
-            <a:picLocks noChangeAspect="1"/>
-          </p:cNvPicPr>
-          <p:nvPr/>
-        </p:nvPicPr>
-        <p:blipFill>
-          <a:blip r:embed="rId4"/>
-          <a:stretch>
-            <a:fillRect/>
-          </a:stretch>
-        </p:blipFill>
-        <p:spPr>
-          <a:xfrm>
-            <a:off x="524996" y="2752465"/>
-            <a:ext cx="3679451" cy="2432180"/>
-          </a:xfrm>
-          <a:prstGeom prst="rect">
-            <a:avLst/>
-          </a:prstGeom>
-        </p:spPr>
-      </p:pic>
+      <p:graphicFrame>
+        <p:nvGraphicFramePr>
+          <p:cNvPr id="2" name="Diagram 1"/>
+          <p:cNvGraphicFramePr/>
+          <p:nvPr>
+            <p:extLst>
+              <p:ext uri="{D42A27DB-BD31-4B8C-83A1-F6EECF244321}">
+                <p14:modId xmlns:p14="http://schemas.microsoft.com/office/powerpoint/2010/main" val="438653168"/>
+              </p:ext>
+            </p:extLst>
+          </p:nvPr>
+        </p:nvGraphicFramePr>
+        <p:xfrm>
+          <a:off x="997507" y="1792499"/>
+          <a:ext cx="10196986" cy="4402783"/>
+        </p:xfrm>
+        <a:graphic>
+          <a:graphicData uri="http://schemas.openxmlformats.org/drawingml/2006/diagram">
+            <dgm:relIds xmlns:dgm="http://schemas.openxmlformats.org/drawingml/2006/diagram" xmlns:r="http://schemas.openxmlformats.org/officeDocument/2006/relationships" r:dm="rId4" r:lo="rId5" r:qs="rId6" r:cs="rId7"/>
+          </a:graphicData>
+        </a:graphic>
+      </p:graphicFrame>
     </p:spTree>
     <p:extLst>
       <p:ext uri="{BB962C8B-B14F-4D97-AF65-F5344CB8AC3E}">
-        <p14:creationId xmlns:p14="http://schemas.microsoft.com/office/powerpoint/2010/main" val="1793659070"/>
+        <p14:creationId xmlns:p14="http://schemas.microsoft.com/office/powerpoint/2010/main" val="2726006123"/>
       </p:ext>
     </p:extLst>
   </p:cSld>
@@ -18008,7 +16798,7 @@
 </p:sld>
 </file>
 
-<file path=ppt/slides/slide5.xml><?xml version="1.0" encoding="utf-8"?>
+<file path=ppt/slides/slide4.xml><?xml version="1.0" encoding="utf-8"?>
 <p:sld xmlns:a="http://schemas.openxmlformats.org/drawingml/2006/main" xmlns:r="http://schemas.openxmlformats.org/officeDocument/2006/relationships" xmlns:p="http://schemas.openxmlformats.org/presentationml/2006/main">
   <p:cSld>
     <p:spTree>
@@ -18030,7 +16820,7 @@
           <p:cNvPr id="8" name="Rectangle 7">
             <a:extLst>
               <a:ext uri="{FF2B5EF4-FFF2-40B4-BE49-F238E27FC236}">
-                <a16:creationId xmlns:a16="http://schemas.microsoft.com/office/drawing/2014/main" xmlns="" id="{583FBC17-A62F-4E87-B8DE-0F79DF4336A0}"/>
+                <a16:creationId xmlns="" xmlns:a16="http://schemas.microsoft.com/office/drawing/2014/main" id="{583FBC17-A62F-4E87-B8DE-0F79DF4336A0}"/>
               </a:ext>
             </a:extLst>
           </p:cNvPr>
@@ -18090,7 +16880,7 @@
           <p:cNvPr id="19" name="Group 18">
             <a:extLst>
               <a:ext uri="{FF2B5EF4-FFF2-40B4-BE49-F238E27FC236}">
-                <a16:creationId xmlns:a16="http://schemas.microsoft.com/office/drawing/2014/main" xmlns="" id="{C587FE1B-2243-4627-BC52-851BDA62444B}"/>
+                <a16:creationId xmlns="" xmlns:a16="http://schemas.microsoft.com/office/drawing/2014/main" id="{C587FE1B-2243-4627-BC52-851BDA62444B}"/>
               </a:ext>
             </a:extLst>
           </p:cNvPr>
@@ -18110,7 +16900,7 @@
             <p:cNvPr id="20" name="Picture 19">
               <a:extLst>
                 <a:ext uri="{FF2B5EF4-FFF2-40B4-BE49-F238E27FC236}">
-                  <a16:creationId xmlns:a16="http://schemas.microsoft.com/office/drawing/2014/main" xmlns="" id="{0F2E3E05-4A48-4C06-BA49-75E2E366C715}"/>
+                  <a16:creationId xmlns="" xmlns:a16="http://schemas.microsoft.com/office/drawing/2014/main" id="{0F2E3E05-4A48-4C06-BA49-75E2E366C715}"/>
                 </a:ext>
               </a:extLst>
             </p:cNvPr>
@@ -18140,7 +16930,7 @@
             <p:cNvPr id="21" name="Freeform 22">
               <a:extLst>
                 <a:ext uri="{FF2B5EF4-FFF2-40B4-BE49-F238E27FC236}">
-                  <a16:creationId xmlns:a16="http://schemas.microsoft.com/office/drawing/2014/main" xmlns="" id="{8413CF68-A7E3-43A0-B613-5438D5382AB1}"/>
+                  <a16:creationId xmlns="" xmlns:a16="http://schemas.microsoft.com/office/drawing/2014/main" id="{8413CF68-A7E3-43A0-B613-5438D5382AB1}"/>
                 </a:ext>
               </a:extLst>
             </p:cNvPr>
@@ -18552,7 +17342,7 @@
           <p:cNvPr id="22" name="TextBox 21">
             <a:extLst>
               <a:ext uri="{FF2B5EF4-FFF2-40B4-BE49-F238E27FC236}">
-                <a16:creationId xmlns:a16="http://schemas.microsoft.com/office/drawing/2014/main" xmlns="" id="{97653B96-F2E2-406B-A513-F42319FDB50F}"/>
+                <a16:creationId xmlns="" xmlns:a16="http://schemas.microsoft.com/office/drawing/2014/main" id="{97653B96-F2E2-406B-A513-F42319FDB50F}"/>
               </a:ext>
             </a:extLst>
           </p:cNvPr>
@@ -18561,8 +17351,8 @@
         </p:nvSpPr>
         <p:spPr>
           <a:xfrm>
-            <a:off x="5828067" y="166754"/>
-            <a:ext cx="4360489" cy="369332"/>
+            <a:off x="6246244" y="156881"/>
+            <a:ext cx="3977371" cy="369332"/>
           </a:xfrm>
           <a:prstGeom prst="rect">
             <a:avLst/>
@@ -18575,6 +17365,7 @@
           </a:bodyPr>
           <a:lstStyle/>
           <a:p>
+            <a:pPr algn="ctr"/>
             <a:r>
               <a:rPr lang="en-US" b="1" cap="small" dirty="0" smtClean="0">
                 <a:solidFill>
@@ -18585,7 +17376,7 @@
                 <a:latin typeface="Oxygen" panose="02000503000000000000" pitchFamily="2" charset="0"/>
                 <a:cs typeface="Arial" panose="020B0604020202020204" pitchFamily="34" charset="0"/>
               </a:rPr>
-              <a:t>Data Analysis: Understanding the Data</a:t>
+              <a:t>Data Analysis: Analyzing A Problem</a:t>
             </a:r>
           </a:p>
         </p:txBody>
@@ -18595,7 +17386,7 @@
           <p:cNvPr id="33" name="Rectangle 32">
             <a:extLst>
               <a:ext uri="{FF2B5EF4-FFF2-40B4-BE49-F238E27FC236}">
-                <a16:creationId xmlns:a16="http://schemas.microsoft.com/office/drawing/2014/main" xmlns="" id="{E02B0EB1-C543-469A-90DE-9FA0F478E35F}"/>
+                <a16:creationId xmlns="" xmlns:a16="http://schemas.microsoft.com/office/drawing/2014/main" id="{E02B0EB1-C543-469A-90DE-9FA0F478E35F}"/>
               </a:ext>
             </a:extLst>
           </p:cNvPr>
@@ -18720,8 +17511,8 @@
         </p:nvSpPr>
         <p:spPr>
           <a:xfrm>
-            <a:off x="687804" y="1795617"/>
-            <a:ext cx="5264422" cy="2554545"/>
+            <a:off x="4927336" y="2901543"/>
+            <a:ext cx="6161952" cy="1477328"/>
           </a:xfrm>
           <a:prstGeom prst="rect">
             <a:avLst/>
@@ -18734,21 +17525,6 @@
           </a:bodyPr>
           <a:lstStyle/>
           <a:p>
-            <a:pPr>
-              <a:lnSpc>
-                <a:spcPct val="200000"/>
-              </a:lnSpc>
-            </a:pPr>
-            <a:endParaRPr lang="en-US" sz="1200" b="1" dirty="0" smtClean="0">
-              <a:solidFill>
-                <a:srgbClr val="E7E6E6">
-                  <a:lumMod val="50000"/>
-                </a:srgbClr>
-              </a:solidFill>
-              <a:latin typeface="Oxygen" panose="02000503000000000000" pitchFamily="2" charset="0"/>
-            </a:endParaRPr>
-          </a:p>
-          <a:p>
             <a:pPr marL="171450" indent="-171450">
               <a:lnSpc>
                 <a:spcPct val="200000"/>
@@ -18765,7 +17541,7 @@
                 </a:solidFill>
                 <a:latin typeface="Oxygen" panose="02000503000000000000" pitchFamily="2" charset="0"/>
               </a:rPr>
-              <a:t>CSV Files (Comma Separated Values):</a:t>
+              <a:t>Some Questions for The Used Car Price Prediction Problem are:</a:t>
             </a:r>
           </a:p>
           <a:p>
@@ -18785,7 +17561,7 @@
                 </a:solidFill>
                 <a:latin typeface="Oxygen" panose="02000503000000000000" pitchFamily="2" charset="0"/>
               </a:rPr>
-              <a:t>Each line represents a row in the data set</a:t>
+              <a:t>Is there data on the prices of other cars and their characteristics?</a:t>
             </a:r>
           </a:p>
           <a:p>
@@ -18797,17 +17573,6 @@
               <a:buChar char="q"/>
             </a:pPr>
             <a:r>
-              <a:rPr lang="en-US" sz="1100" dirty="0">
-                <a:solidFill>
-                  <a:srgbClr val="E7E6E6">
-                    <a:lumMod val="50000"/>
-                  </a:srgbClr>
-                </a:solidFill>
-                <a:latin typeface="Oxygen" panose="02000503000000000000" pitchFamily="2" charset="0"/>
-              </a:rPr>
-              <a:t>T</a:t>
-            </a:r>
-            <a:r>
               <a:rPr lang="en-US" sz="1100" dirty="0" smtClean="0">
                 <a:solidFill>
                   <a:srgbClr val="E7E6E6">
@@ -18816,7 +17581,7 @@
                 </a:solidFill>
                 <a:latin typeface="Oxygen" panose="02000503000000000000" pitchFamily="2" charset="0"/>
               </a:rPr>
-              <a:t>he first row could represent the list of headers or just another row</a:t>
+              <a:t>The cars’ prices depend upon which features? (E.g. Brand, Engine size, Fuel Type etc.)</a:t>
             </a:r>
           </a:p>
           <a:p>
@@ -18828,17 +17593,6 @@
               <a:buChar char="q"/>
             </a:pPr>
             <a:r>
-              <a:rPr lang="en-US" sz="1100" dirty="0">
-                <a:solidFill>
-                  <a:srgbClr val="E7E6E6">
-                    <a:lumMod val="50000"/>
-                  </a:srgbClr>
-                </a:solidFill>
-                <a:latin typeface="Oxygen" panose="02000503000000000000" pitchFamily="2" charset="0"/>
-              </a:rPr>
-              <a:t>E</a:t>
-            </a:r>
-            <a:r>
               <a:rPr lang="en-US" sz="1100" dirty="0" smtClean="0">
                 <a:solidFill>
                   <a:srgbClr val="E7E6E6">
@@ -18847,242 +17601,21 @@
                 </a:solidFill>
                 <a:latin typeface="Oxygen" panose="02000503000000000000" pitchFamily="2" charset="0"/>
               </a:rPr>
-              <a:t>asy to import across various tools and applications</a:t>
-            </a:r>
-            <a:endParaRPr lang="en-US" sz="1200" b="1" dirty="0">
-              <a:solidFill>
-                <a:srgbClr val="E7E6E6">
-                  <a:lumMod val="50000"/>
-                </a:srgbClr>
-              </a:solidFill>
-              <a:latin typeface="Oxygen" panose="02000503000000000000" pitchFamily="2" charset="0"/>
-            </a:endParaRPr>
-          </a:p>
-          <a:p>
-            <a:pPr marL="171450" indent="-171450">
-              <a:lnSpc>
-                <a:spcPct val="200000"/>
-              </a:lnSpc>
-              <a:buFont typeface="Wingdings" panose="05000000000000000000" pitchFamily="2" charset="2"/>
-              <a:buChar char="v"/>
-            </a:pPr>
-            <a:r>
-              <a:rPr lang="en-US" sz="1200" b="1" dirty="0" smtClean="0">
-                <a:solidFill>
-                  <a:srgbClr val="E7E6E6">
-                    <a:lumMod val="50000"/>
-                  </a:srgbClr>
-                </a:solidFill>
-                <a:latin typeface="Oxygen" panose="02000503000000000000" pitchFamily="2" charset="0"/>
-              </a:rPr>
-              <a:t>File for our project can be downloaded from the link given below:</a:t>
-            </a:r>
-          </a:p>
-          <a:p>
-            <a:pPr>
-              <a:lnSpc>
-                <a:spcPct val="200000"/>
-              </a:lnSpc>
-            </a:pPr>
-            <a:endParaRPr lang="en-US" sz="1100" b="1" dirty="0" smtClean="0">
-              <a:solidFill>
-                <a:srgbClr val="E7E6E6">
-                  <a:lumMod val="50000"/>
-                </a:srgbClr>
-              </a:solidFill>
-              <a:latin typeface="Oxygen" panose="02000503000000000000" pitchFamily="2" charset="0"/>
-            </a:endParaRPr>
+              <a:t>Asking other relevant questions</a:t>
+            </a:r>
           </a:p>
         </p:txBody>
       </p:sp>
-      <p:pic>
-        <p:nvPicPr>
-          <p:cNvPr id="2" name="Picture 1"/>
-          <p:cNvPicPr>
-            <a:picLocks noChangeAspect="1"/>
-          </p:cNvPicPr>
-          <p:nvPr/>
-        </p:nvPicPr>
-        <p:blipFill>
-          <a:blip r:embed="rId4">
-            <a:extLst>
-              <a:ext uri="{28A0092B-C50C-407E-A947-70E740481C1C}">
-                <a14:useLocalDpi xmlns:a14="http://schemas.microsoft.com/office/drawing/2010/main" val="0"/>
-              </a:ext>
-            </a:extLst>
-          </a:blip>
-          <a:stretch>
-            <a:fillRect/>
-          </a:stretch>
-        </p:blipFill>
-        <p:spPr>
-          <a:xfrm>
-            <a:off x="6400165" y="2876666"/>
-            <a:ext cx="5555454" cy="1811309"/>
-          </a:xfrm>
-          <a:prstGeom prst="rect">
-            <a:avLst/>
-          </a:prstGeom>
-          <a:ln>
-            <a:noFill/>
-          </a:ln>
-          <a:effectLst>
-            <a:outerShdw blurRad="190500" algn="tl" rotWithShape="0">
-              <a:srgbClr val="000000">
-                <a:alpha val="70000"/>
-              </a:srgbClr>
-            </a:outerShdw>
-          </a:effectLst>
-        </p:spPr>
-      </p:pic>
       <p:sp>
         <p:nvSpPr>
-          <p:cNvPr id="4" name="Rectangle 3"/>
+          <p:cNvPr id="2" name="Rectangle 1"/>
           <p:cNvSpPr/>
           <p:nvPr/>
         </p:nvSpPr>
         <p:spPr>
           <a:xfrm>
-            <a:off x="9246901" y="4546121"/>
-            <a:ext cx="897764" cy="140048"/>
-          </a:xfrm>
-          <a:prstGeom prst="rect">
-            <a:avLst/>
-          </a:prstGeom>
-          <a:noFill/>
-          <a:ln w="38100">
-            <a:solidFill>
-              <a:srgbClr val="FF0000"/>
-            </a:solidFill>
-          </a:ln>
-        </p:spPr>
-        <p:style>
-          <a:lnRef idx="2">
-            <a:schemeClr val="accent1">
-              <a:shade val="50000"/>
-            </a:schemeClr>
-          </a:lnRef>
-          <a:fillRef idx="1">
-            <a:schemeClr val="accent1"/>
-          </a:fillRef>
-          <a:effectRef idx="0">
-            <a:schemeClr val="accent1"/>
-          </a:effectRef>
-          <a:fontRef idx="minor">
-            <a:schemeClr val="lt1"/>
-          </a:fontRef>
-        </p:style>
-        <p:txBody>
-          <a:bodyPr rtlCol="0" anchor="ctr"/>
-          <a:lstStyle/>
-          <a:p>
-            <a:pPr algn="ctr"/>
-            <a:endParaRPr lang="en-AU"/>
-          </a:p>
-        </p:txBody>
-      </p:sp>
-      <p:sp>
-        <p:nvSpPr>
-          <p:cNvPr id="14" name="Rectangle 13"/>
-          <p:cNvSpPr/>
-          <p:nvPr/>
-        </p:nvSpPr>
-        <p:spPr>
-          <a:xfrm>
-            <a:off x="6692431" y="3036503"/>
-            <a:ext cx="847056" cy="120771"/>
-          </a:xfrm>
-          <a:prstGeom prst="rect">
-            <a:avLst/>
-          </a:prstGeom>
-          <a:noFill/>
-          <a:ln w="38100">
-            <a:solidFill>
-              <a:srgbClr val="FF0000"/>
-            </a:solidFill>
-          </a:ln>
-        </p:spPr>
-        <p:style>
-          <a:lnRef idx="2">
-            <a:schemeClr val="accent1">
-              <a:shade val="50000"/>
-            </a:schemeClr>
-          </a:lnRef>
-          <a:fillRef idx="1">
-            <a:schemeClr val="accent1"/>
-          </a:fillRef>
-          <a:effectRef idx="0">
-            <a:schemeClr val="accent1"/>
-          </a:effectRef>
-          <a:fontRef idx="minor">
-            <a:schemeClr val="lt1"/>
-          </a:fontRef>
-        </p:style>
-        <p:txBody>
-          <a:bodyPr rtlCol="0" anchor="ctr"/>
-          <a:lstStyle/>
-          <a:p>
-            <a:pPr algn="ctr"/>
-            <a:endParaRPr lang="en-AU"/>
-          </a:p>
-        </p:txBody>
-      </p:sp>
-      <p:sp>
-        <p:nvSpPr>
-          <p:cNvPr id="17" name="Rectangle 16"/>
-          <p:cNvSpPr/>
-          <p:nvPr/>
-        </p:nvSpPr>
-        <p:spPr>
-          <a:xfrm>
-            <a:off x="6692431" y="3157275"/>
-            <a:ext cx="844186" cy="126528"/>
-          </a:xfrm>
-          <a:prstGeom prst="rect">
-            <a:avLst/>
-          </a:prstGeom>
-          <a:noFill/>
-          <a:ln w="38100">
-            <a:solidFill>
-              <a:srgbClr val="FF0000"/>
-            </a:solidFill>
-          </a:ln>
-        </p:spPr>
-        <p:style>
-          <a:lnRef idx="2">
-            <a:schemeClr val="accent1">
-              <a:shade val="50000"/>
-            </a:schemeClr>
-          </a:lnRef>
-          <a:fillRef idx="1">
-            <a:schemeClr val="accent1"/>
-          </a:fillRef>
-          <a:effectRef idx="0">
-            <a:schemeClr val="accent1"/>
-          </a:effectRef>
-          <a:fontRef idx="minor">
-            <a:schemeClr val="lt1"/>
-          </a:fontRef>
-        </p:style>
-        <p:txBody>
-          <a:bodyPr rtlCol="0" anchor="ctr"/>
-          <a:lstStyle/>
-          <a:p>
-            <a:pPr algn="ctr"/>
-            <a:endParaRPr lang="en-AU"/>
-          </a:p>
-        </p:txBody>
-      </p:sp>
-      <p:sp>
-        <p:nvSpPr>
-          <p:cNvPr id="9" name="TextBox 8"/>
-          <p:cNvSpPr txBox="1"/>
-          <p:nvPr/>
-        </p:nvSpPr>
-        <p:spPr>
-          <a:xfrm>
-            <a:off x="6400165" y="2310576"/>
-            <a:ext cx="4201064" cy="276999"/>
+            <a:off x="1102485" y="1834532"/>
+            <a:ext cx="9987029" cy="400110"/>
           </a:xfrm>
           <a:prstGeom prst="rect">
             <a:avLst/>
@@ -19090,424 +17623,80 @@
           <a:noFill/>
         </p:spPr>
         <p:txBody>
-          <a:bodyPr wrap="square" rtlCol="0">
+          <a:bodyPr wrap="none" lIns="91440" tIns="45720" rIns="91440" bIns="45720">
             <a:spAutoFit/>
           </a:bodyPr>
           <a:lstStyle/>
           <a:p>
-            <a:pPr marL="171450" indent="-171450">
-              <a:buFont typeface="Wingdings" panose="05000000000000000000" pitchFamily="2" charset="2"/>
-              <a:buChar char="v"/>
-            </a:pPr>
-            <a:r>
-              <a:rPr lang="en-US" sz="1200" b="1" dirty="0">
+            <a:pPr algn="ctr"/>
+            <a:r>
+              <a:rPr lang="en-US" sz="2000" b="1" dirty="0" smtClean="0">
+                <a:ln w="6600">
+                  <a:solidFill>
+                    <a:schemeClr val="accent2"/>
+                  </a:solidFill>
+                  <a:prstDash val="solid"/>
+                </a:ln>
                 <a:solidFill>
-                  <a:srgbClr val="E7E6E6">
-                    <a:lumMod val="50000"/>
-                  </a:srgbClr>
+                  <a:srgbClr val="FFFFFF"/>
                 </a:solidFill>
+                <a:effectLst>
+                  <a:outerShdw dist="38100" dir="2700000" algn="tl" rotWithShape="0">
+                    <a:schemeClr val="accent2"/>
+                  </a:outerShdw>
+                </a:effectLst>
                 <a:latin typeface="Oxygen" panose="02000503000000000000" pitchFamily="2" charset="0"/>
               </a:rPr>
-              <a:t>Column Names &amp; </a:t>
-            </a:r>
-            <a:r>
-              <a:rPr lang="en-US" sz="1200" b="1" dirty="0" smtClean="0">
+              <a:t>A Data Scientist or Analyst should ask questions &amp; look into the data for answers</a:t>
+            </a:r>
+            <a:endParaRPr lang="en-US" sz="2000" b="1" cap="none" spc="0" dirty="0">
+              <a:ln w="6600">
                 <a:solidFill>
-                  <a:srgbClr val="E7E6E6">
-                    <a:lumMod val="50000"/>
-                  </a:srgbClr>
+                  <a:schemeClr val="accent2"/>
                 </a:solidFill>
-                <a:latin typeface="Oxygen" panose="02000503000000000000" pitchFamily="2" charset="0"/>
-              </a:rPr>
-              <a:t>Insights:</a:t>
-            </a:r>
-            <a:endParaRPr lang="en-AU" sz="1200" b="1" dirty="0">
+                <a:prstDash val="solid"/>
+              </a:ln>
               <a:solidFill>
-                <a:srgbClr val="E7E6E6">
-                  <a:lumMod val="50000"/>
-                </a:srgbClr>
+                <a:srgbClr val="FFFFFF"/>
               </a:solidFill>
+              <a:effectLst>
+                <a:outerShdw dist="38100" dir="2700000" algn="tl" rotWithShape="0">
+                  <a:schemeClr val="accent2"/>
+                </a:outerShdw>
+              </a:effectLst>
               <a:latin typeface="Oxygen" panose="02000503000000000000" pitchFamily="2" charset="0"/>
             </a:endParaRPr>
           </a:p>
         </p:txBody>
       </p:sp>
-      <p:cxnSp>
-        <p:nvCxnSpPr>
-          <p:cNvPr id="11" name="Straight Arrow Connector 10"/>
-          <p:cNvCxnSpPr>
-            <a:stCxn id="4" idx="2"/>
-          </p:cNvCxnSpPr>
+      <p:pic>
+        <p:nvPicPr>
+          <p:cNvPr id="4" name="Picture 3"/>
+          <p:cNvPicPr>
+            <a:picLocks noChangeAspect="1"/>
+          </p:cNvPicPr>
           <p:nvPr/>
-        </p:nvCxnSpPr>
+        </p:nvPicPr>
+        <p:blipFill>
+          <a:blip r:embed="rId4"/>
+          <a:stretch>
+            <a:fillRect/>
+          </a:stretch>
+        </p:blipFill>
         <p:spPr>
           <a:xfrm>
-            <a:off x="9695783" y="4686169"/>
-            <a:ext cx="0" cy="627703"/>
-          </a:xfrm>
-          <a:prstGeom prst="straightConnector1">
-            <a:avLst/>
-          </a:prstGeom>
-          <a:ln w="28575">
-            <a:solidFill>
-              <a:srgbClr val="FF0000"/>
-            </a:solidFill>
-            <a:tailEnd type="triangle"/>
-          </a:ln>
-        </p:spPr>
-        <p:style>
-          <a:lnRef idx="1">
-            <a:schemeClr val="accent1"/>
-          </a:lnRef>
-          <a:fillRef idx="0">
-            <a:schemeClr val="accent1"/>
-          </a:fillRef>
-          <a:effectRef idx="0">
-            <a:schemeClr val="accent1"/>
-          </a:effectRef>
-          <a:fontRef idx="minor">
-            <a:schemeClr val="tx1"/>
-          </a:fontRef>
-        </p:style>
-      </p:cxnSp>
-      <p:sp>
-        <p:nvSpPr>
-          <p:cNvPr id="12" name="TextBox 11"/>
-          <p:cNvSpPr txBox="1"/>
-          <p:nvPr/>
-        </p:nvSpPr>
-        <p:spPr>
-          <a:xfrm>
-            <a:off x="8913536" y="5305246"/>
-            <a:ext cx="1636569" cy="338554"/>
+            <a:off x="524996" y="2752465"/>
+            <a:ext cx="3679451" cy="2432180"/>
           </a:xfrm>
           <a:prstGeom prst="rect">
             <a:avLst/>
           </a:prstGeom>
-          <a:noFill/>
         </p:spPr>
-        <p:txBody>
-          <a:bodyPr wrap="square" rtlCol="0">
-            <a:spAutoFit/>
-          </a:bodyPr>
-          <a:lstStyle/>
-          <a:p>
-            <a:r>
-              <a:rPr lang="en-US" sz="1600" dirty="0" smtClean="0">
-                <a:solidFill>
-                  <a:srgbClr val="FF0000"/>
-                </a:solidFill>
-                <a:latin typeface="Oxygen" panose="02000503000000000000" pitchFamily="2" charset="0"/>
-              </a:rPr>
-              <a:t>Target(Label)</a:t>
-            </a:r>
-            <a:endParaRPr lang="en-AU" sz="1600" dirty="0">
-              <a:solidFill>
-                <a:srgbClr val="FF0000"/>
-              </a:solidFill>
-              <a:latin typeface="Oxygen" panose="02000503000000000000" pitchFamily="2" charset="0"/>
-            </a:endParaRPr>
-          </a:p>
-        </p:txBody>
-      </p:sp>
-      <p:cxnSp>
-        <p:nvCxnSpPr>
-          <p:cNvPr id="16" name="Straight Arrow Connector 15"/>
-          <p:cNvCxnSpPr/>
-          <p:nvPr/>
-        </p:nvCxnSpPr>
-        <p:spPr>
-          <a:xfrm>
-            <a:off x="7114526" y="3283803"/>
-            <a:ext cx="25844" cy="2480768"/>
-          </a:xfrm>
-          <a:prstGeom prst="straightConnector1">
-            <a:avLst/>
-          </a:prstGeom>
-          <a:ln w="28575">
-            <a:solidFill>
-              <a:srgbClr val="FF0000"/>
-            </a:solidFill>
-            <a:tailEnd type="triangle"/>
-          </a:ln>
-        </p:spPr>
-        <p:style>
-          <a:lnRef idx="1">
-            <a:schemeClr val="accent1"/>
-          </a:lnRef>
-          <a:fillRef idx="0">
-            <a:schemeClr val="accent1"/>
-          </a:fillRef>
-          <a:effectRef idx="0">
-            <a:schemeClr val="accent1"/>
-          </a:effectRef>
-          <a:fontRef idx="minor">
-            <a:schemeClr val="tx1"/>
-          </a:fontRef>
-        </p:style>
-      </p:cxnSp>
-      <p:sp>
-        <p:nvSpPr>
-          <p:cNvPr id="18" name="TextBox 17"/>
-          <p:cNvSpPr txBox="1"/>
-          <p:nvPr/>
-        </p:nvSpPr>
-        <p:spPr>
-          <a:xfrm>
-            <a:off x="5257153" y="5574921"/>
-            <a:ext cx="5465470" cy="584775"/>
-          </a:xfrm>
-          <a:prstGeom prst="rect">
-            <a:avLst/>
-          </a:prstGeom>
-          <a:noFill/>
-        </p:spPr>
-        <p:txBody>
-          <a:bodyPr wrap="square" rtlCol="0">
-            <a:spAutoFit/>
-          </a:bodyPr>
-          <a:lstStyle/>
-          <a:p>
-            <a:pPr>
-              <a:lnSpc>
-                <a:spcPct val="200000"/>
-              </a:lnSpc>
-            </a:pPr>
-            <a:r>
-              <a:rPr lang="en-US" sz="1600" dirty="0">
-                <a:solidFill>
-                  <a:srgbClr val="FF0000"/>
-                </a:solidFill>
-                <a:latin typeface="Oxygen" panose="02000503000000000000" pitchFamily="2" charset="0"/>
-              </a:rPr>
-              <a:t>R</a:t>
-            </a:r>
-            <a:r>
-              <a:rPr lang="en-US" sz="1600" dirty="0" smtClean="0">
-                <a:solidFill>
-                  <a:srgbClr val="FF0000"/>
-                </a:solidFill>
-                <a:latin typeface="Oxygen" panose="02000503000000000000" pitchFamily="2" charset="0"/>
-              </a:rPr>
-              <a:t>elative </a:t>
-            </a:r>
-            <a:r>
-              <a:rPr lang="en-US" sz="1600" dirty="0">
-                <a:solidFill>
-                  <a:srgbClr val="FF0000"/>
-                </a:solidFill>
-                <a:latin typeface="Oxygen" panose="02000503000000000000" pitchFamily="2" charset="0"/>
-              </a:rPr>
-              <a:t>A</a:t>
-            </a:r>
-            <a:r>
-              <a:rPr lang="en-US" sz="1600" dirty="0" smtClean="0">
-                <a:solidFill>
-                  <a:srgbClr val="FF0000"/>
-                </a:solidFill>
-                <a:latin typeface="Oxygen" panose="02000503000000000000" pitchFamily="2" charset="0"/>
-              </a:rPr>
-              <a:t>verage </a:t>
-            </a:r>
-            <a:r>
-              <a:rPr lang="en-US" sz="1600" dirty="0">
-                <a:solidFill>
-                  <a:srgbClr val="FF0000"/>
-                </a:solidFill>
-                <a:latin typeface="Oxygen" panose="02000503000000000000" pitchFamily="2" charset="0"/>
-              </a:rPr>
-              <a:t>L</a:t>
-            </a:r>
-            <a:r>
-              <a:rPr lang="en-US" sz="1600" dirty="0" smtClean="0">
-                <a:solidFill>
-                  <a:srgbClr val="FF0000"/>
-                </a:solidFill>
-                <a:latin typeface="Oxygen" panose="02000503000000000000" pitchFamily="2" charset="0"/>
-              </a:rPr>
-              <a:t>oss </a:t>
-            </a:r>
-            <a:r>
-              <a:rPr lang="en-US" sz="1600" dirty="0">
-                <a:solidFill>
-                  <a:srgbClr val="FF0000"/>
-                </a:solidFill>
-                <a:latin typeface="Oxygen" panose="02000503000000000000" pitchFamily="2" charset="0"/>
-              </a:rPr>
-              <a:t>P</a:t>
-            </a:r>
-            <a:r>
-              <a:rPr lang="en-US" sz="1600" dirty="0" smtClean="0">
-                <a:solidFill>
-                  <a:srgbClr val="FF0000"/>
-                </a:solidFill>
-                <a:latin typeface="Oxygen" panose="02000503000000000000" pitchFamily="2" charset="0"/>
-              </a:rPr>
-              <a:t>ayment </a:t>
-            </a:r>
-            <a:r>
-              <a:rPr lang="en-US" sz="1600" dirty="0">
-                <a:solidFill>
-                  <a:srgbClr val="FF0000"/>
-                </a:solidFill>
-                <a:latin typeface="Oxygen" panose="02000503000000000000" pitchFamily="2" charset="0"/>
-              </a:rPr>
-              <a:t>P</a:t>
-            </a:r>
-            <a:r>
-              <a:rPr lang="en-US" sz="1600" dirty="0" smtClean="0">
-                <a:solidFill>
-                  <a:srgbClr val="FF0000"/>
-                </a:solidFill>
-                <a:latin typeface="Oxygen" panose="02000503000000000000" pitchFamily="2" charset="0"/>
-              </a:rPr>
-              <a:t>er </a:t>
-            </a:r>
-            <a:r>
-              <a:rPr lang="en-US" sz="1600" dirty="0">
-                <a:solidFill>
-                  <a:srgbClr val="FF0000"/>
-                </a:solidFill>
-                <a:latin typeface="Oxygen" panose="02000503000000000000" pitchFamily="2" charset="0"/>
-              </a:rPr>
-              <a:t>I</a:t>
-            </a:r>
-            <a:r>
-              <a:rPr lang="en-US" sz="1600" dirty="0" smtClean="0">
-                <a:solidFill>
-                  <a:srgbClr val="FF0000"/>
-                </a:solidFill>
-                <a:latin typeface="Oxygen" panose="02000503000000000000" pitchFamily="2" charset="0"/>
-              </a:rPr>
-              <a:t>nsured </a:t>
-            </a:r>
-            <a:r>
-              <a:rPr lang="en-US" sz="1600" dirty="0">
-                <a:solidFill>
-                  <a:srgbClr val="FF0000"/>
-                </a:solidFill>
-                <a:latin typeface="Oxygen" panose="02000503000000000000" pitchFamily="2" charset="0"/>
-              </a:rPr>
-              <a:t>V</a:t>
-            </a:r>
-            <a:r>
-              <a:rPr lang="en-US" sz="1600" dirty="0" smtClean="0">
-                <a:solidFill>
-                  <a:srgbClr val="FF0000"/>
-                </a:solidFill>
-                <a:latin typeface="Oxygen" panose="02000503000000000000" pitchFamily="2" charset="0"/>
-              </a:rPr>
-              <a:t>ehicle </a:t>
-            </a:r>
-            <a:r>
-              <a:rPr lang="en-US" sz="1600" dirty="0">
-                <a:solidFill>
-                  <a:srgbClr val="FF0000"/>
-                </a:solidFill>
-                <a:latin typeface="Oxygen" panose="02000503000000000000" pitchFamily="2" charset="0"/>
-              </a:rPr>
-              <a:t>Y</a:t>
-            </a:r>
-            <a:r>
-              <a:rPr lang="en-US" sz="1600" dirty="0" smtClean="0">
-                <a:solidFill>
-                  <a:srgbClr val="FF0000"/>
-                </a:solidFill>
-                <a:latin typeface="Oxygen" panose="02000503000000000000" pitchFamily="2" charset="0"/>
-              </a:rPr>
-              <a:t>ear</a:t>
-            </a:r>
-            <a:endParaRPr lang="en-US" sz="1600" dirty="0">
-              <a:solidFill>
-                <a:srgbClr val="FF0000"/>
-              </a:solidFill>
-              <a:latin typeface="Oxygen" panose="02000503000000000000" pitchFamily="2" charset="0"/>
-            </a:endParaRPr>
-          </a:p>
-        </p:txBody>
-      </p:sp>
-      <p:cxnSp>
-        <p:nvCxnSpPr>
-          <p:cNvPr id="31" name="Elbow Connector 30"/>
-          <p:cNvCxnSpPr>
-            <a:stCxn id="14" idx="1"/>
-          </p:cNvCxnSpPr>
-          <p:nvPr/>
-        </p:nvCxnSpPr>
-        <p:spPr>
-          <a:xfrm rot="10800000" flipV="1">
-            <a:off x="6260205" y="3096889"/>
-            <a:ext cx="432226" cy="2277368"/>
-          </a:xfrm>
-          <a:prstGeom prst="bentConnector2">
-            <a:avLst/>
-          </a:prstGeom>
-          <a:ln w="28575">
-            <a:solidFill>
-              <a:srgbClr val="FF0000"/>
-            </a:solidFill>
-            <a:tailEnd type="triangle"/>
-          </a:ln>
-        </p:spPr>
-        <p:style>
-          <a:lnRef idx="1">
-            <a:schemeClr val="accent1"/>
-          </a:lnRef>
-          <a:fillRef idx="0">
-            <a:schemeClr val="accent1"/>
-          </a:fillRef>
-          <a:effectRef idx="0">
-            <a:schemeClr val="accent1"/>
-          </a:effectRef>
-          <a:fontRef idx="minor">
-            <a:schemeClr val="tx1"/>
-          </a:fontRef>
-        </p:style>
-      </p:cxnSp>
-      <p:sp>
-        <p:nvSpPr>
-          <p:cNvPr id="35" name="TextBox 34"/>
-          <p:cNvSpPr txBox="1"/>
-          <p:nvPr/>
-        </p:nvSpPr>
-        <p:spPr>
-          <a:xfrm>
-            <a:off x="5537373" y="5313872"/>
-            <a:ext cx="1636569" cy="338554"/>
-          </a:xfrm>
-          <a:prstGeom prst="rect">
-            <a:avLst/>
-          </a:prstGeom>
-          <a:noFill/>
-        </p:spPr>
-        <p:txBody>
-          <a:bodyPr wrap="square" rtlCol="0">
-            <a:spAutoFit/>
-          </a:bodyPr>
-          <a:lstStyle/>
-          <a:p>
-            <a:r>
-              <a:rPr lang="en-US" sz="1600" dirty="0" smtClean="0">
-                <a:solidFill>
-                  <a:srgbClr val="FF0000"/>
-                </a:solidFill>
-                <a:latin typeface="Oxygen" panose="02000503000000000000" pitchFamily="2" charset="0"/>
-              </a:rPr>
-              <a:t>Risk Factor</a:t>
-            </a:r>
-            <a:endParaRPr lang="en-AU" sz="1600" dirty="0">
-              <a:solidFill>
-                <a:srgbClr val="FF0000"/>
-              </a:solidFill>
-              <a:latin typeface="Oxygen" panose="02000503000000000000" pitchFamily="2" charset="0"/>
-            </a:endParaRPr>
-          </a:p>
-        </p:txBody>
-      </p:sp>
+      </p:pic>
     </p:spTree>
     <p:extLst>
       <p:ext uri="{BB962C8B-B14F-4D97-AF65-F5344CB8AC3E}">
-        <p14:creationId xmlns:p14="http://schemas.microsoft.com/office/powerpoint/2010/main" val="2423585168"/>
+        <p14:creationId xmlns:p14="http://schemas.microsoft.com/office/powerpoint/2010/main" val="1793659070"/>
       </p:ext>
     </p:extLst>
   </p:cSld>
@@ -19532,7 +17721,7 @@
 </p:sld>
 </file>
 
-<file path=ppt/slides/slide6.xml><?xml version="1.0" encoding="utf-8"?>
+<file path=ppt/slides/slide5.xml><?xml version="1.0" encoding="utf-8"?>
 <p:sld xmlns:a="http://schemas.openxmlformats.org/drawingml/2006/main" xmlns:r="http://schemas.openxmlformats.org/officeDocument/2006/relationships" xmlns:p="http://schemas.openxmlformats.org/presentationml/2006/main">
   <p:cSld>
     <p:spTree>
@@ -19554,7 +17743,7 @@
           <p:cNvPr id="8" name="Rectangle 7">
             <a:extLst>
               <a:ext uri="{FF2B5EF4-FFF2-40B4-BE49-F238E27FC236}">
-                <a16:creationId xmlns:a16="http://schemas.microsoft.com/office/drawing/2014/main" xmlns="" id="{583FBC17-A62F-4E87-B8DE-0F79DF4336A0}"/>
+                <a16:creationId xmlns="" xmlns:a16="http://schemas.microsoft.com/office/drawing/2014/main" id="{583FBC17-A62F-4E87-B8DE-0F79DF4336A0}"/>
               </a:ext>
             </a:extLst>
           </p:cNvPr>
@@ -19614,7 +17803,7 @@
           <p:cNvPr id="19" name="Group 18">
             <a:extLst>
               <a:ext uri="{FF2B5EF4-FFF2-40B4-BE49-F238E27FC236}">
-                <a16:creationId xmlns:a16="http://schemas.microsoft.com/office/drawing/2014/main" xmlns="" id="{C587FE1B-2243-4627-BC52-851BDA62444B}"/>
+                <a16:creationId xmlns="" xmlns:a16="http://schemas.microsoft.com/office/drawing/2014/main" id="{C587FE1B-2243-4627-BC52-851BDA62444B}"/>
               </a:ext>
             </a:extLst>
           </p:cNvPr>
@@ -19634,7 +17823,7 @@
             <p:cNvPr id="20" name="Picture 19">
               <a:extLst>
                 <a:ext uri="{FF2B5EF4-FFF2-40B4-BE49-F238E27FC236}">
-                  <a16:creationId xmlns:a16="http://schemas.microsoft.com/office/drawing/2014/main" xmlns="" id="{0F2E3E05-4A48-4C06-BA49-75E2E366C715}"/>
+                  <a16:creationId xmlns="" xmlns:a16="http://schemas.microsoft.com/office/drawing/2014/main" id="{0F2E3E05-4A48-4C06-BA49-75E2E366C715}"/>
                 </a:ext>
               </a:extLst>
             </p:cNvPr>
@@ -19664,7 +17853,7 @@
             <p:cNvPr id="21" name="Freeform 22">
               <a:extLst>
                 <a:ext uri="{FF2B5EF4-FFF2-40B4-BE49-F238E27FC236}">
-                  <a16:creationId xmlns:a16="http://schemas.microsoft.com/office/drawing/2014/main" xmlns="" id="{8413CF68-A7E3-43A0-B613-5438D5382AB1}"/>
+                  <a16:creationId xmlns="" xmlns:a16="http://schemas.microsoft.com/office/drawing/2014/main" id="{8413CF68-A7E3-43A0-B613-5438D5382AB1}"/>
                 </a:ext>
               </a:extLst>
             </p:cNvPr>
@@ -20076,7 +18265,1531 @@
           <p:cNvPr id="22" name="TextBox 21">
             <a:extLst>
               <a:ext uri="{FF2B5EF4-FFF2-40B4-BE49-F238E27FC236}">
-                <a16:creationId xmlns:a16="http://schemas.microsoft.com/office/drawing/2014/main" xmlns="" id="{97653B96-F2E2-406B-A513-F42319FDB50F}"/>
+                <a16:creationId xmlns="" xmlns:a16="http://schemas.microsoft.com/office/drawing/2014/main" id="{97653B96-F2E2-406B-A513-F42319FDB50F}"/>
+              </a:ext>
+            </a:extLst>
+          </p:cNvPr>
+          <p:cNvSpPr txBox="1"/>
+          <p:nvPr/>
+        </p:nvSpPr>
+        <p:spPr>
+          <a:xfrm>
+            <a:off x="5828067" y="166754"/>
+            <a:ext cx="4360489" cy="369332"/>
+          </a:xfrm>
+          <a:prstGeom prst="rect">
+            <a:avLst/>
+          </a:prstGeom>
+          <a:noFill/>
+        </p:spPr>
+        <p:txBody>
+          <a:bodyPr wrap="none" rtlCol="0">
+            <a:spAutoFit/>
+          </a:bodyPr>
+          <a:lstStyle/>
+          <a:p>
+            <a:r>
+              <a:rPr lang="en-US" b="1" cap="small" dirty="0" smtClean="0">
+                <a:solidFill>
+                  <a:schemeClr val="bg2">
+                    <a:lumMod val="75000"/>
+                  </a:schemeClr>
+                </a:solidFill>
+                <a:latin typeface="Oxygen" panose="02000503000000000000" pitchFamily="2" charset="0"/>
+                <a:cs typeface="Arial" panose="020B0604020202020204" pitchFamily="34" charset="0"/>
+              </a:rPr>
+              <a:t>Data Analysis: Understanding the Data</a:t>
+            </a:r>
+          </a:p>
+        </p:txBody>
+      </p:sp>
+      <p:sp>
+        <p:nvSpPr>
+          <p:cNvPr id="33" name="Rectangle 32">
+            <a:extLst>
+              <a:ext uri="{FF2B5EF4-FFF2-40B4-BE49-F238E27FC236}">
+                <a16:creationId xmlns="" xmlns:a16="http://schemas.microsoft.com/office/drawing/2014/main" id="{E02B0EB1-C543-469A-90DE-9FA0F478E35F}"/>
+              </a:ext>
+            </a:extLst>
+          </p:cNvPr>
+          <p:cNvSpPr/>
+          <p:nvPr/>
+        </p:nvSpPr>
+        <p:spPr>
+          <a:xfrm>
+            <a:off x="0" y="6543676"/>
+            <a:ext cx="12192000" cy="314325"/>
+          </a:xfrm>
+          <a:prstGeom prst="rect">
+            <a:avLst/>
+          </a:prstGeom>
+          <a:solidFill>
+            <a:schemeClr val="bg1">
+              <a:lumMod val="95000"/>
+            </a:schemeClr>
+          </a:solidFill>
+          <a:ln>
+            <a:noFill/>
+          </a:ln>
+        </p:spPr>
+        <p:style>
+          <a:lnRef idx="2">
+            <a:schemeClr val="accent1">
+              <a:shade val="50000"/>
+            </a:schemeClr>
+          </a:lnRef>
+          <a:fillRef idx="1">
+            <a:schemeClr val="accent1"/>
+          </a:fillRef>
+          <a:effectRef idx="0">
+            <a:schemeClr val="accent1"/>
+          </a:effectRef>
+          <a:fontRef idx="minor">
+            <a:schemeClr val="lt1"/>
+          </a:fontRef>
+        </p:style>
+        <p:txBody>
+          <a:bodyPr rtlCol="0" anchor="ctr"/>
+          <a:lstStyle/>
+          <a:p>
+            <a:r>
+              <a:rPr lang="en-US" sz="800" dirty="0">
+                <a:solidFill>
+                  <a:schemeClr val="bg1">
+                    <a:lumMod val="50000"/>
+                  </a:schemeClr>
+                </a:solidFill>
+                <a:latin typeface="Oxygen" panose="02000503000000000000" pitchFamily="2" charset="0"/>
+              </a:rPr>
+              <a:t>                                                                                                                            </a:t>
+            </a:r>
+            <a:r>
+              <a:rPr lang="en-US" sz="800" b="1" dirty="0">
+                <a:solidFill>
+                  <a:schemeClr val="bg1">
+                    <a:lumMod val="50000"/>
+                  </a:schemeClr>
+                </a:solidFill>
+                <a:latin typeface="Oxygen" panose="02000503000000000000" pitchFamily="2" charset="0"/>
+              </a:rPr>
+              <a:t> </a:t>
+            </a:r>
+            <a:r>
+              <a:rPr lang="en-US" sz="800" b="1" dirty="0">
+                <a:solidFill>
+                  <a:srgbClr val="FF8C52"/>
+                </a:solidFill>
+                <a:latin typeface="Oxygen" panose="02000503000000000000" pitchFamily="2" charset="0"/>
+              </a:rPr>
+              <a:t>CONCEPTION      &gt;&gt;      PRACTICE        &gt;&gt;        CONFIDENCE      &gt;&gt;       HIGHEST GRADES</a:t>
+            </a:r>
+            <a:r>
+              <a:rPr lang="en-US" sz="800" dirty="0">
+                <a:solidFill>
+                  <a:srgbClr val="FF8C52"/>
+                </a:solidFill>
+                <a:latin typeface="Oxygen" panose="02000503000000000000" pitchFamily="2" charset="0"/>
+              </a:rPr>
+              <a:t>                                                                             </a:t>
+            </a:r>
+            <a:r>
+              <a:rPr lang="en-US" sz="700" dirty="0">
+                <a:solidFill>
+                  <a:schemeClr val="bg1">
+                    <a:lumMod val="50000"/>
+                  </a:schemeClr>
+                </a:solidFill>
+                <a:latin typeface="Oxygen" panose="02000503000000000000" pitchFamily="2" charset="0"/>
+              </a:rPr>
+              <a:t>© </a:t>
+            </a:r>
+            <a:r>
+              <a:rPr lang="pt-BR" sz="700" dirty="0">
+                <a:solidFill>
+                  <a:schemeClr val="bg1">
+                    <a:lumMod val="50000"/>
+                  </a:schemeClr>
+                </a:solidFill>
+                <a:latin typeface="Oxygen" panose="02000503000000000000" pitchFamily="2" charset="0"/>
+              </a:rPr>
+              <a:t>PROTECTED ANODIAM 2023     ||     PRIVATE &amp; CONFIDENTIAL</a:t>
+            </a:r>
+            <a:endParaRPr lang="en-AU" sz="700" dirty="0">
+              <a:solidFill>
+                <a:schemeClr val="bg1">
+                  <a:lumMod val="50000"/>
+                </a:schemeClr>
+              </a:solidFill>
+              <a:latin typeface="Oxygen" panose="02000503000000000000" pitchFamily="2" charset="0"/>
+            </a:endParaRPr>
+          </a:p>
+        </p:txBody>
+      </p:sp>
+      <p:sp>
+        <p:nvSpPr>
+          <p:cNvPr id="3" name="TextBox 2"/>
+          <p:cNvSpPr txBox="1"/>
+          <p:nvPr/>
+        </p:nvSpPr>
+        <p:spPr>
+          <a:xfrm>
+            <a:off x="687804" y="1795617"/>
+            <a:ext cx="5264422" cy="2554545"/>
+          </a:xfrm>
+          <a:prstGeom prst="rect">
+            <a:avLst/>
+          </a:prstGeom>
+          <a:noFill/>
+        </p:spPr>
+        <p:txBody>
+          <a:bodyPr wrap="square" rtlCol="0">
+            <a:spAutoFit/>
+          </a:bodyPr>
+          <a:lstStyle/>
+          <a:p>
+            <a:pPr>
+              <a:lnSpc>
+                <a:spcPct val="200000"/>
+              </a:lnSpc>
+            </a:pPr>
+            <a:endParaRPr lang="en-US" sz="1200" b="1" dirty="0" smtClean="0">
+              <a:solidFill>
+                <a:srgbClr val="E7E6E6">
+                  <a:lumMod val="50000"/>
+                </a:srgbClr>
+              </a:solidFill>
+              <a:latin typeface="Oxygen" panose="02000503000000000000" pitchFamily="2" charset="0"/>
+            </a:endParaRPr>
+          </a:p>
+          <a:p>
+            <a:pPr marL="171450" indent="-171450">
+              <a:lnSpc>
+                <a:spcPct val="200000"/>
+              </a:lnSpc>
+              <a:buFont typeface="Wingdings" panose="05000000000000000000" pitchFamily="2" charset="2"/>
+              <a:buChar char="v"/>
+            </a:pPr>
+            <a:r>
+              <a:rPr lang="en-US" sz="1200" b="1" dirty="0" smtClean="0">
+                <a:solidFill>
+                  <a:srgbClr val="E7E6E6">
+                    <a:lumMod val="50000"/>
+                  </a:srgbClr>
+                </a:solidFill>
+                <a:latin typeface="Oxygen" panose="02000503000000000000" pitchFamily="2" charset="0"/>
+              </a:rPr>
+              <a:t>CSV Files (Comma Separated Values):</a:t>
+            </a:r>
+          </a:p>
+          <a:p>
+            <a:pPr marL="628650" lvl="1" indent="-171450">
+              <a:lnSpc>
+                <a:spcPct val="200000"/>
+              </a:lnSpc>
+              <a:buFont typeface="Wingdings" panose="05000000000000000000" pitchFamily="2" charset="2"/>
+              <a:buChar char="q"/>
+            </a:pPr>
+            <a:r>
+              <a:rPr lang="en-US" sz="1100" dirty="0" smtClean="0">
+                <a:solidFill>
+                  <a:srgbClr val="E7E6E6">
+                    <a:lumMod val="50000"/>
+                  </a:srgbClr>
+                </a:solidFill>
+                <a:latin typeface="Oxygen" panose="02000503000000000000" pitchFamily="2" charset="0"/>
+              </a:rPr>
+              <a:t>Each line represents a row in the data set</a:t>
+            </a:r>
+          </a:p>
+          <a:p>
+            <a:pPr marL="628650" lvl="1" indent="-171450">
+              <a:lnSpc>
+                <a:spcPct val="200000"/>
+              </a:lnSpc>
+              <a:buFont typeface="Wingdings" panose="05000000000000000000" pitchFamily="2" charset="2"/>
+              <a:buChar char="q"/>
+            </a:pPr>
+            <a:r>
+              <a:rPr lang="en-US" sz="1100" dirty="0">
+                <a:solidFill>
+                  <a:srgbClr val="E7E6E6">
+                    <a:lumMod val="50000"/>
+                  </a:srgbClr>
+                </a:solidFill>
+                <a:latin typeface="Oxygen" panose="02000503000000000000" pitchFamily="2" charset="0"/>
+              </a:rPr>
+              <a:t>T</a:t>
+            </a:r>
+            <a:r>
+              <a:rPr lang="en-US" sz="1100" dirty="0" smtClean="0">
+                <a:solidFill>
+                  <a:srgbClr val="E7E6E6">
+                    <a:lumMod val="50000"/>
+                  </a:srgbClr>
+                </a:solidFill>
+                <a:latin typeface="Oxygen" panose="02000503000000000000" pitchFamily="2" charset="0"/>
+              </a:rPr>
+              <a:t>he first row could represent the list of headers or just another row</a:t>
+            </a:r>
+          </a:p>
+          <a:p>
+            <a:pPr marL="628650" lvl="1" indent="-171450">
+              <a:lnSpc>
+                <a:spcPct val="200000"/>
+              </a:lnSpc>
+              <a:buFont typeface="Wingdings" panose="05000000000000000000" pitchFamily="2" charset="2"/>
+              <a:buChar char="q"/>
+            </a:pPr>
+            <a:r>
+              <a:rPr lang="en-US" sz="1100" dirty="0">
+                <a:solidFill>
+                  <a:srgbClr val="E7E6E6">
+                    <a:lumMod val="50000"/>
+                  </a:srgbClr>
+                </a:solidFill>
+                <a:latin typeface="Oxygen" panose="02000503000000000000" pitchFamily="2" charset="0"/>
+              </a:rPr>
+              <a:t>E</a:t>
+            </a:r>
+            <a:r>
+              <a:rPr lang="en-US" sz="1100" dirty="0" smtClean="0">
+                <a:solidFill>
+                  <a:srgbClr val="E7E6E6">
+                    <a:lumMod val="50000"/>
+                  </a:srgbClr>
+                </a:solidFill>
+                <a:latin typeface="Oxygen" panose="02000503000000000000" pitchFamily="2" charset="0"/>
+              </a:rPr>
+              <a:t>asy to import across various tools and applications</a:t>
+            </a:r>
+            <a:endParaRPr lang="en-US" sz="1200" b="1" dirty="0">
+              <a:solidFill>
+                <a:srgbClr val="E7E6E6">
+                  <a:lumMod val="50000"/>
+                </a:srgbClr>
+              </a:solidFill>
+              <a:latin typeface="Oxygen" panose="02000503000000000000" pitchFamily="2" charset="0"/>
+            </a:endParaRPr>
+          </a:p>
+          <a:p>
+            <a:pPr marL="171450" indent="-171450">
+              <a:lnSpc>
+                <a:spcPct val="200000"/>
+              </a:lnSpc>
+              <a:buFont typeface="Wingdings" panose="05000000000000000000" pitchFamily="2" charset="2"/>
+              <a:buChar char="v"/>
+            </a:pPr>
+            <a:r>
+              <a:rPr lang="en-US" sz="1200" b="1" dirty="0" smtClean="0">
+                <a:solidFill>
+                  <a:srgbClr val="E7E6E6">
+                    <a:lumMod val="50000"/>
+                  </a:srgbClr>
+                </a:solidFill>
+                <a:latin typeface="Oxygen" panose="02000503000000000000" pitchFamily="2" charset="0"/>
+              </a:rPr>
+              <a:t>File for our project can be downloaded from the link given below:</a:t>
+            </a:r>
+          </a:p>
+          <a:p>
+            <a:pPr>
+              <a:lnSpc>
+                <a:spcPct val="200000"/>
+              </a:lnSpc>
+            </a:pPr>
+            <a:endParaRPr lang="en-US" sz="1100" b="1" dirty="0" smtClean="0">
+              <a:solidFill>
+                <a:srgbClr val="E7E6E6">
+                  <a:lumMod val="50000"/>
+                </a:srgbClr>
+              </a:solidFill>
+              <a:latin typeface="Oxygen" panose="02000503000000000000" pitchFamily="2" charset="0"/>
+            </a:endParaRPr>
+          </a:p>
+        </p:txBody>
+      </p:sp>
+      <p:pic>
+        <p:nvPicPr>
+          <p:cNvPr id="2" name="Picture 1"/>
+          <p:cNvPicPr>
+            <a:picLocks noChangeAspect="1"/>
+          </p:cNvPicPr>
+          <p:nvPr/>
+        </p:nvPicPr>
+        <p:blipFill>
+          <a:blip r:embed="rId4">
+            <a:extLst>
+              <a:ext uri="{28A0092B-C50C-407E-A947-70E740481C1C}">
+                <a14:useLocalDpi xmlns:a14="http://schemas.microsoft.com/office/drawing/2010/main" val="0"/>
+              </a:ext>
+            </a:extLst>
+          </a:blip>
+          <a:stretch>
+            <a:fillRect/>
+          </a:stretch>
+        </p:blipFill>
+        <p:spPr>
+          <a:xfrm>
+            <a:off x="6400165" y="2876666"/>
+            <a:ext cx="5555454" cy="1811309"/>
+          </a:xfrm>
+          <a:prstGeom prst="rect">
+            <a:avLst/>
+          </a:prstGeom>
+          <a:ln>
+            <a:noFill/>
+          </a:ln>
+          <a:effectLst>
+            <a:outerShdw blurRad="190500" algn="tl" rotWithShape="0">
+              <a:srgbClr val="000000">
+                <a:alpha val="70000"/>
+              </a:srgbClr>
+            </a:outerShdw>
+          </a:effectLst>
+        </p:spPr>
+      </p:pic>
+      <p:sp>
+        <p:nvSpPr>
+          <p:cNvPr id="4" name="Rectangle 3"/>
+          <p:cNvSpPr/>
+          <p:nvPr/>
+        </p:nvSpPr>
+        <p:spPr>
+          <a:xfrm>
+            <a:off x="9246901" y="4546121"/>
+            <a:ext cx="897764" cy="140048"/>
+          </a:xfrm>
+          <a:prstGeom prst="rect">
+            <a:avLst/>
+          </a:prstGeom>
+          <a:noFill/>
+          <a:ln w="38100">
+            <a:solidFill>
+              <a:srgbClr val="FF0000"/>
+            </a:solidFill>
+          </a:ln>
+        </p:spPr>
+        <p:style>
+          <a:lnRef idx="2">
+            <a:schemeClr val="accent1">
+              <a:shade val="50000"/>
+            </a:schemeClr>
+          </a:lnRef>
+          <a:fillRef idx="1">
+            <a:schemeClr val="accent1"/>
+          </a:fillRef>
+          <a:effectRef idx="0">
+            <a:schemeClr val="accent1"/>
+          </a:effectRef>
+          <a:fontRef idx="minor">
+            <a:schemeClr val="lt1"/>
+          </a:fontRef>
+        </p:style>
+        <p:txBody>
+          <a:bodyPr rtlCol="0" anchor="ctr"/>
+          <a:lstStyle/>
+          <a:p>
+            <a:pPr algn="ctr"/>
+            <a:endParaRPr lang="en-AU"/>
+          </a:p>
+        </p:txBody>
+      </p:sp>
+      <p:sp>
+        <p:nvSpPr>
+          <p:cNvPr id="14" name="Rectangle 13"/>
+          <p:cNvSpPr/>
+          <p:nvPr/>
+        </p:nvSpPr>
+        <p:spPr>
+          <a:xfrm>
+            <a:off x="6692431" y="3036503"/>
+            <a:ext cx="847056" cy="120771"/>
+          </a:xfrm>
+          <a:prstGeom prst="rect">
+            <a:avLst/>
+          </a:prstGeom>
+          <a:noFill/>
+          <a:ln w="38100">
+            <a:solidFill>
+              <a:srgbClr val="FF0000"/>
+            </a:solidFill>
+          </a:ln>
+        </p:spPr>
+        <p:style>
+          <a:lnRef idx="2">
+            <a:schemeClr val="accent1">
+              <a:shade val="50000"/>
+            </a:schemeClr>
+          </a:lnRef>
+          <a:fillRef idx="1">
+            <a:schemeClr val="accent1"/>
+          </a:fillRef>
+          <a:effectRef idx="0">
+            <a:schemeClr val="accent1"/>
+          </a:effectRef>
+          <a:fontRef idx="minor">
+            <a:schemeClr val="lt1"/>
+          </a:fontRef>
+        </p:style>
+        <p:txBody>
+          <a:bodyPr rtlCol="0" anchor="ctr"/>
+          <a:lstStyle/>
+          <a:p>
+            <a:pPr algn="ctr"/>
+            <a:endParaRPr lang="en-AU"/>
+          </a:p>
+        </p:txBody>
+      </p:sp>
+      <p:sp>
+        <p:nvSpPr>
+          <p:cNvPr id="17" name="Rectangle 16"/>
+          <p:cNvSpPr/>
+          <p:nvPr/>
+        </p:nvSpPr>
+        <p:spPr>
+          <a:xfrm>
+            <a:off x="6692431" y="3157275"/>
+            <a:ext cx="844186" cy="126528"/>
+          </a:xfrm>
+          <a:prstGeom prst="rect">
+            <a:avLst/>
+          </a:prstGeom>
+          <a:noFill/>
+          <a:ln w="38100">
+            <a:solidFill>
+              <a:srgbClr val="FF0000"/>
+            </a:solidFill>
+          </a:ln>
+        </p:spPr>
+        <p:style>
+          <a:lnRef idx="2">
+            <a:schemeClr val="accent1">
+              <a:shade val="50000"/>
+            </a:schemeClr>
+          </a:lnRef>
+          <a:fillRef idx="1">
+            <a:schemeClr val="accent1"/>
+          </a:fillRef>
+          <a:effectRef idx="0">
+            <a:schemeClr val="accent1"/>
+          </a:effectRef>
+          <a:fontRef idx="minor">
+            <a:schemeClr val="lt1"/>
+          </a:fontRef>
+        </p:style>
+        <p:txBody>
+          <a:bodyPr rtlCol="0" anchor="ctr"/>
+          <a:lstStyle/>
+          <a:p>
+            <a:pPr algn="ctr"/>
+            <a:endParaRPr lang="en-AU"/>
+          </a:p>
+        </p:txBody>
+      </p:sp>
+      <p:sp>
+        <p:nvSpPr>
+          <p:cNvPr id="9" name="TextBox 8"/>
+          <p:cNvSpPr txBox="1"/>
+          <p:nvPr/>
+        </p:nvSpPr>
+        <p:spPr>
+          <a:xfrm>
+            <a:off x="6400165" y="2310576"/>
+            <a:ext cx="4201064" cy="276999"/>
+          </a:xfrm>
+          <a:prstGeom prst="rect">
+            <a:avLst/>
+          </a:prstGeom>
+          <a:noFill/>
+        </p:spPr>
+        <p:txBody>
+          <a:bodyPr wrap="square" rtlCol="0">
+            <a:spAutoFit/>
+          </a:bodyPr>
+          <a:lstStyle/>
+          <a:p>
+            <a:pPr marL="171450" indent="-171450">
+              <a:buFont typeface="Wingdings" panose="05000000000000000000" pitchFamily="2" charset="2"/>
+              <a:buChar char="v"/>
+            </a:pPr>
+            <a:r>
+              <a:rPr lang="en-US" sz="1200" b="1" dirty="0">
+                <a:solidFill>
+                  <a:srgbClr val="E7E6E6">
+                    <a:lumMod val="50000"/>
+                  </a:srgbClr>
+                </a:solidFill>
+                <a:latin typeface="Oxygen" panose="02000503000000000000" pitchFamily="2" charset="0"/>
+              </a:rPr>
+              <a:t>Column Names &amp; </a:t>
+            </a:r>
+            <a:r>
+              <a:rPr lang="en-US" sz="1200" b="1" dirty="0" smtClean="0">
+                <a:solidFill>
+                  <a:srgbClr val="E7E6E6">
+                    <a:lumMod val="50000"/>
+                  </a:srgbClr>
+                </a:solidFill>
+                <a:latin typeface="Oxygen" panose="02000503000000000000" pitchFamily="2" charset="0"/>
+              </a:rPr>
+              <a:t>Insights:</a:t>
+            </a:r>
+            <a:endParaRPr lang="en-AU" sz="1200" b="1" dirty="0">
+              <a:solidFill>
+                <a:srgbClr val="E7E6E6">
+                  <a:lumMod val="50000"/>
+                </a:srgbClr>
+              </a:solidFill>
+              <a:latin typeface="Oxygen" panose="02000503000000000000" pitchFamily="2" charset="0"/>
+            </a:endParaRPr>
+          </a:p>
+        </p:txBody>
+      </p:sp>
+      <p:cxnSp>
+        <p:nvCxnSpPr>
+          <p:cNvPr id="11" name="Straight Arrow Connector 10"/>
+          <p:cNvCxnSpPr>
+            <a:stCxn id="4" idx="2"/>
+          </p:cNvCxnSpPr>
+          <p:nvPr/>
+        </p:nvCxnSpPr>
+        <p:spPr>
+          <a:xfrm>
+            <a:off x="9695783" y="4686169"/>
+            <a:ext cx="0" cy="627703"/>
+          </a:xfrm>
+          <a:prstGeom prst="straightConnector1">
+            <a:avLst/>
+          </a:prstGeom>
+          <a:ln w="28575">
+            <a:solidFill>
+              <a:srgbClr val="FF0000"/>
+            </a:solidFill>
+            <a:tailEnd type="triangle"/>
+          </a:ln>
+        </p:spPr>
+        <p:style>
+          <a:lnRef idx="1">
+            <a:schemeClr val="accent1"/>
+          </a:lnRef>
+          <a:fillRef idx="0">
+            <a:schemeClr val="accent1"/>
+          </a:fillRef>
+          <a:effectRef idx="0">
+            <a:schemeClr val="accent1"/>
+          </a:effectRef>
+          <a:fontRef idx="minor">
+            <a:schemeClr val="tx1"/>
+          </a:fontRef>
+        </p:style>
+      </p:cxnSp>
+      <p:sp>
+        <p:nvSpPr>
+          <p:cNvPr id="12" name="TextBox 11"/>
+          <p:cNvSpPr txBox="1"/>
+          <p:nvPr/>
+        </p:nvSpPr>
+        <p:spPr>
+          <a:xfrm>
+            <a:off x="8913536" y="5305246"/>
+            <a:ext cx="1636569" cy="338554"/>
+          </a:xfrm>
+          <a:prstGeom prst="rect">
+            <a:avLst/>
+          </a:prstGeom>
+          <a:noFill/>
+        </p:spPr>
+        <p:txBody>
+          <a:bodyPr wrap="square" rtlCol="0">
+            <a:spAutoFit/>
+          </a:bodyPr>
+          <a:lstStyle/>
+          <a:p>
+            <a:r>
+              <a:rPr lang="en-US" sz="1600" dirty="0" smtClean="0">
+                <a:solidFill>
+                  <a:srgbClr val="FF0000"/>
+                </a:solidFill>
+                <a:latin typeface="Oxygen" panose="02000503000000000000" pitchFamily="2" charset="0"/>
+              </a:rPr>
+              <a:t>Target(Label)</a:t>
+            </a:r>
+            <a:endParaRPr lang="en-AU" sz="1600" dirty="0">
+              <a:solidFill>
+                <a:srgbClr val="FF0000"/>
+              </a:solidFill>
+              <a:latin typeface="Oxygen" panose="02000503000000000000" pitchFamily="2" charset="0"/>
+            </a:endParaRPr>
+          </a:p>
+        </p:txBody>
+      </p:sp>
+      <p:cxnSp>
+        <p:nvCxnSpPr>
+          <p:cNvPr id="16" name="Straight Arrow Connector 15"/>
+          <p:cNvCxnSpPr/>
+          <p:nvPr/>
+        </p:nvCxnSpPr>
+        <p:spPr>
+          <a:xfrm>
+            <a:off x="7114526" y="3283803"/>
+            <a:ext cx="25844" cy="2480768"/>
+          </a:xfrm>
+          <a:prstGeom prst="straightConnector1">
+            <a:avLst/>
+          </a:prstGeom>
+          <a:ln w="28575">
+            <a:solidFill>
+              <a:srgbClr val="FF0000"/>
+            </a:solidFill>
+            <a:tailEnd type="triangle"/>
+          </a:ln>
+        </p:spPr>
+        <p:style>
+          <a:lnRef idx="1">
+            <a:schemeClr val="accent1"/>
+          </a:lnRef>
+          <a:fillRef idx="0">
+            <a:schemeClr val="accent1"/>
+          </a:fillRef>
+          <a:effectRef idx="0">
+            <a:schemeClr val="accent1"/>
+          </a:effectRef>
+          <a:fontRef idx="minor">
+            <a:schemeClr val="tx1"/>
+          </a:fontRef>
+        </p:style>
+      </p:cxnSp>
+      <p:sp>
+        <p:nvSpPr>
+          <p:cNvPr id="18" name="TextBox 17"/>
+          <p:cNvSpPr txBox="1"/>
+          <p:nvPr/>
+        </p:nvSpPr>
+        <p:spPr>
+          <a:xfrm>
+            <a:off x="5257153" y="5574921"/>
+            <a:ext cx="5465470" cy="584775"/>
+          </a:xfrm>
+          <a:prstGeom prst="rect">
+            <a:avLst/>
+          </a:prstGeom>
+          <a:noFill/>
+        </p:spPr>
+        <p:txBody>
+          <a:bodyPr wrap="square" rtlCol="0">
+            <a:spAutoFit/>
+          </a:bodyPr>
+          <a:lstStyle/>
+          <a:p>
+            <a:pPr>
+              <a:lnSpc>
+                <a:spcPct val="200000"/>
+              </a:lnSpc>
+            </a:pPr>
+            <a:r>
+              <a:rPr lang="en-US" sz="1600" dirty="0">
+                <a:solidFill>
+                  <a:srgbClr val="FF0000"/>
+                </a:solidFill>
+                <a:latin typeface="Oxygen" panose="02000503000000000000" pitchFamily="2" charset="0"/>
+              </a:rPr>
+              <a:t>R</a:t>
+            </a:r>
+            <a:r>
+              <a:rPr lang="en-US" sz="1600" dirty="0" smtClean="0">
+                <a:solidFill>
+                  <a:srgbClr val="FF0000"/>
+                </a:solidFill>
+                <a:latin typeface="Oxygen" panose="02000503000000000000" pitchFamily="2" charset="0"/>
+              </a:rPr>
+              <a:t>elative </a:t>
+            </a:r>
+            <a:r>
+              <a:rPr lang="en-US" sz="1600" dirty="0">
+                <a:solidFill>
+                  <a:srgbClr val="FF0000"/>
+                </a:solidFill>
+                <a:latin typeface="Oxygen" panose="02000503000000000000" pitchFamily="2" charset="0"/>
+              </a:rPr>
+              <a:t>A</a:t>
+            </a:r>
+            <a:r>
+              <a:rPr lang="en-US" sz="1600" dirty="0" smtClean="0">
+                <a:solidFill>
+                  <a:srgbClr val="FF0000"/>
+                </a:solidFill>
+                <a:latin typeface="Oxygen" panose="02000503000000000000" pitchFamily="2" charset="0"/>
+              </a:rPr>
+              <a:t>verage </a:t>
+            </a:r>
+            <a:r>
+              <a:rPr lang="en-US" sz="1600" dirty="0">
+                <a:solidFill>
+                  <a:srgbClr val="FF0000"/>
+                </a:solidFill>
+                <a:latin typeface="Oxygen" panose="02000503000000000000" pitchFamily="2" charset="0"/>
+              </a:rPr>
+              <a:t>L</a:t>
+            </a:r>
+            <a:r>
+              <a:rPr lang="en-US" sz="1600" dirty="0" smtClean="0">
+                <a:solidFill>
+                  <a:srgbClr val="FF0000"/>
+                </a:solidFill>
+                <a:latin typeface="Oxygen" panose="02000503000000000000" pitchFamily="2" charset="0"/>
+              </a:rPr>
+              <a:t>oss </a:t>
+            </a:r>
+            <a:r>
+              <a:rPr lang="en-US" sz="1600" dirty="0">
+                <a:solidFill>
+                  <a:srgbClr val="FF0000"/>
+                </a:solidFill>
+                <a:latin typeface="Oxygen" panose="02000503000000000000" pitchFamily="2" charset="0"/>
+              </a:rPr>
+              <a:t>P</a:t>
+            </a:r>
+            <a:r>
+              <a:rPr lang="en-US" sz="1600" dirty="0" smtClean="0">
+                <a:solidFill>
+                  <a:srgbClr val="FF0000"/>
+                </a:solidFill>
+                <a:latin typeface="Oxygen" panose="02000503000000000000" pitchFamily="2" charset="0"/>
+              </a:rPr>
+              <a:t>ayment </a:t>
+            </a:r>
+            <a:r>
+              <a:rPr lang="en-US" sz="1600" dirty="0">
+                <a:solidFill>
+                  <a:srgbClr val="FF0000"/>
+                </a:solidFill>
+                <a:latin typeface="Oxygen" panose="02000503000000000000" pitchFamily="2" charset="0"/>
+              </a:rPr>
+              <a:t>P</a:t>
+            </a:r>
+            <a:r>
+              <a:rPr lang="en-US" sz="1600" dirty="0" smtClean="0">
+                <a:solidFill>
+                  <a:srgbClr val="FF0000"/>
+                </a:solidFill>
+                <a:latin typeface="Oxygen" panose="02000503000000000000" pitchFamily="2" charset="0"/>
+              </a:rPr>
+              <a:t>er </a:t>
+            </a:r>
+            <a:r>
+              <a:rPr lang="en-US" sz="1600" dirty="0">
+                <a:solidFill>
+                  <a:srgbClr val="FF0000"/>
+                </a:solidFill>
+                <a:latin typeface="Oxygen" panose="02000503000000000000" pitchFamily="2" charset="0"/>
+              </a:rPr>
+              <a:t>I</a:t>
+            </a:r>
+            <a:r>
+              <a:rPr lang="en-US" sz="1600" dirty="0" smtClean="0">
+                <a:solidFill>
+                  <a:srgbClr val="FF0000"/>
+                </a:solidFill>
+                <a:latin typeface="Oxygen" panose="02000503000000000000" pitchFamily="2" charset="0"/>
+              </a:rPr>
+              <a:t>nsured </a:t>
+            </a:r>
+            <a:r>
+              <a:rPr lang="en-US" sz="1600" dirty="0">
+                <a:solidFill>
+                  <a:srgbClr val="FF0000"/>
+                </a:solidFill>
+                <a:latin typeface="Oxygen" panose="02000503000000000000" pitchFamily="2" charset="0"/>
+              </a:rPr>
+              <a:t>V</a:t>
+            </a:r>
+            <a:r>
+              <a:rPr lang="en-US" sz="1600" dirty="0" smtClean="0">
+                <a:solidFill>
+                  <a:srgbClr val="FF0000"/>
+                </a:solidFill>
+                <a:latin typeface="Oxygen" panose="02000503000000000000" pitchFamily="2" charset="0"/>
+              </a:rPr>
+              <a:t>ehicle </a:t>
+            </a:r>
+            <a:r>
+              <a:rPr lang="en-US" sz="1600" dirty="0">
+                <a:solidFill>
+                  <a:srgbClr val="FF0000"/>
+                </a:solidFill>
+                <a:latin typeface="Oxygen" panose="02000503000000000000" pitchFamily="2" charset="0"/>
+              </a:rPr>
+              <a:t>Y</a:t>
+            </a:r>
+            <a:r>
+              <a:rPr lang="en-US" sz="1600" dirty="0" smtClean="0">
+                <a:solidFill>
+                  <a:srgbClr val="FF0000"/>
+                </a:solidFill>
+                <a:latin typeface="Oxygen" panose="02000503000000000000" pitchFamily="2" charset="0"/>
+              </a:rPr>
+              <a:t>ear</a:t>
+            </a:r>
+            <a:endParaRPr lang="en-US" sz="1600" dirty="0">
+              <a:solidFill>
+                <a:srgbClr val="FF0000"/>
+              </a:solidFill>
+              <a:latin typeface="Oxygen" panose="02000503000000000000" pitchFamily="2" charset="0"/>
+            </a:endParaRPr>
+          </a:p>
+        </p:txBody>
+      </p:sp>
+      <p:cxnSp>
+        <p:nvCxnSpPr>
+          <p:cNvPr id="31" name="Elbow Connector 30"/>
+          <p:cNvCxnSpPr>
+            <a:stCxn id="14" idx="1"/>
+          </p:cNvCxnSpPr>
+          <p:nvPr/>
+        </p:nvCxnSpPr>
+        <p:spPr>
+          <a:xfrm rot="10800000" flipV="1">
+            <a:off x="6260205" y="3096889"/>
+            <a:ext cx="432226" cy="2277368"/>
+          </a:xfrm>
+          <a:prstGeom prst="bentConnector2">
+            <a:avLst/>
+          </a:prstGeom>
+          <a:ln w="28575">
+            <a:solidFill>
+              <a:srgbClr val="FF0000"/>
+            </a:solidFill>
+            <a:tailEnd type="triangle"/>
+          </a:ln>
+        </p:spPr>
+        <p:style>
+          <a:lnRef idx="1">
+            <a:schemeClr val="accent1"/>
+          </a:lnRef>
+          <a:fillRef idx="0">
+            <a:schemeClr val="accent1"/>
+          </a:fillRef>
+          <a:effectRef idx="0">
+            <a:schemeClr val="accent1"/>
+          </a:effectRef>
+          <a:fontRef idx="minor">
+            <a:schemeClr val="tx1"/>
+          </a:fontRef>
+        </p:style>
+      </p:cxnSp>
+      <p:sp>
+        <p:nvSpPr>
+          <p:cNvPr id="35" name="TextBox 34"/>
+          <p:cNvSpPr txBox="1"/>
+          <p:nvPr/>
+        </p:nvSpPr>
+        <p:spPr>
+          <a:xfrm>
+            <a:off x="5537373" y="5313872"/>
+            <a:ext cx="1636569" cy="338554"/>
+          </a:xfrm>
+          <a:prstGeom prst="rect">
+            <a:avLst/>
+          </a:prstGeom>
+          <a:noFill/>
+        </p:spPr>
+        <p:txBody>
+          <a:bodyPr wrap="square" rtlCol="0">
+            <a:spAutoFit/>
+          </a:bodyPr>
+          <a:lstStyle/>
+          <a:p>
+            <a:r>
+              <a:rPr lang="en-US" sz="1600" dirty="0" smtClean="0">
+                <a:solidFill>
+                  <a:srgbClr val="FF0000"/>
+                </a:solidFill>
+                <a:latin typeface="Oxygen" panose="02000503000000000000" pitchFamily="2" charset="0"/>
+              </a:rPr>
+              <a:t>Risk Factor</a:t>
+            </a:r>
+            <a:endParaRPr lang="en-AU" sz="1600" dirty="0">
+              <a:solidFill>
+                <a:srgbClr val="FF0000"/>
+              </a:solidFill>
+              <a:latin typeface="Oxygen" panose="02000503000000000000" pitchFamily="2" charset="0"/>
+            </a:endParaRPr>
+          </a:p>
+        </p:txBody>
+      </p:sp>
+    </p:spTree>
+    <p:extLst>
+      <p:ext uri="{BB962C8B-B14F-4D97-AF65-F5344CB8AC3E}">
+        <p14:creationId xmlns:p14="http://schemas.microsoft.com/office/powerpoint/2010/main" val="2423585168"/>
+      </p:ext>
+    </p:extLst>
+  </p:cSld>
+  <p:clrMapOvr>
+    <a:masterClrMapping/>
+  </p:clrMapOvr>
+  <mc:AlternateContent xmlns:mc="http://schemas.openxmlformats.org/markup-compatibility/2006" xmlns:p14="http://schemas.microsoft.com/office/powerpoint/2010/main">
+    <mc:Choice Requires="p14">
+      <p:transition p14:dur="10"/>
+    </mc:Choice>
+    <mc:Fallback xmlns="">
+      <p:transition/>
+    </mc:Fallback>
+  </mc:AlternateContent>
+  <p:timing>
+    <p:tnLst>
+      <p:par>
+        <p:cTn id="1" dur="indefinite" restart="never" nodeType="tmRoot"/>
+      </p:par>
+    </p:tnLst>
+  </p:timing>
+</p:sld>
+</file>
+
+<file path=ppt/slides/slide6.xml><?xml version="1.0" encoding="utf-8"?>
+<p:sld xmlns:a="http://schemas.openxmlformats.org/drawingml/2006/main" xmlns:r="http://schemas.openxmlformats.org/officeDocument/2006/relationships" xmlns:p="http://schemas.openxmlformats.org/presentationml/2006/main">
+  <p:cSld>
+    <p:spTree>
+      <p:nvGrpSpPr>
+        <p:cNvPr id="1" name=""/>
+        <p:cNvGrpSpPr/>
+        <p:nvPr/>
+      </p:nvGrpSpPr>
+      <p:grpSpPr>
+        <a:xfrm>
+          <a:off x="0" y="0"/>
+          <a:ext cx="0" cy="0"/>
+          <a:chOff x="0" y="0"/>
+          <a:chExt cx="0" cy="0"/>
+        </a:xfrm>
+      </p:grpSpPr>
+      <p:sp>
+        <p:nvSpPr>
+          <p:cNvPr id="8" name="Rectangle 7">
+            <a:extLst>
+              <a:ext uri="{FF2B5EF4-FFF2-40B4-BE49-F238E27FC236}">
+                <a16:creationId xmlns="" xmlns:a16="http://schemas.microsoft.com/office/drawing/2014/main" id="{583FBC17-A62F-4E87-B8DE-0F79DF4336A0}"/>
+              </a:ext>
+            </a:extLst>
+          </p:cNvPr>
+          <p:cNvSpPr/>
+          <p:nvPr/>
+        </p:nvSpPr>
+        <p:spPr>
+          <a:xfrm>
+            <a:off x="3824624" y="-25272"/>
+            <a:ext cx="8367376" cy="770637"/>
+          </a:xfrm>
+          <a:prstGeom prst="rect">
+            <a:avLst/>
+          </a:prstGeom>
+          <a:solidFill>
+            <a:schemeClr val="bg1">
+              <a:lumMod val="95000"/>
+            </a:schemeClr>
+          </a:solidFill>
+          <a:ln>
+            <a:noFill/>
+          </a:ln>
+        </p:spPr>
+        <p:style>
+          <a:lnRef idx="2">
+            <a:schemeClr val="accent1">
+              <a:shade val="50000"/>
+            </a:schemeClr>
+          </a:lnRef>
+          <a:fillRef idx="1">
+            <a:schemeClr val="accent1"/>
+          </a:fillRef>
+          <a:effectRef idx="0">
+            <a:schemeClr val="accent1"/>
+          </a:effectRef>
+          <a:fontRef idx="minor">
+            <a:schemeClr val="lt1"/>
+          </a:fontRef>
+        </p:style>
+        <p:txBody>
+          <a:bodyPr rtlCol="0" anchor="ctr"/>
+          <a:lstStyle/>
+          <a:p>
+            <a:endParaRPr lang="en-AU" sz="800" dirty="0">
+              <a:solidFill>
+                <a:schemeClr val="bg1">
+                  <a:lumMod val="50000"/>
+                </a:schemeClr>
+              </a:solidFill>
+              <a:latin typeface="Oxygen" panose="02000503000000000000" pitchFamily="2" charset="0"/>
+            </a:endParaRPr>
+          </a:p>
+        </p:txBody>
+      </p:sp>
+      <p:grpSp>
+        <p:nvGrpSpPr>
+          <p:cNvPr id="19" name="Group 18">
+            <a:extLst>
+              <a:ext uri="{FF2B5EF4-FFF2-40B4-BE49-F238E27FC236}">
+                <a16:creationId xmlns="" xmlns:a16="http://schemas.microsoft.com/office/drawing/2014/main" id="{C587FE1B-2243-4627-BC52-851BDA62444B}"/>
+              </a:ext>
+            </a:extLst>
+          </p:cNvPr>
+          <p:cNvGrpSpPr/>
+          <p:nvPr/>
+        </p:nvGrpSpPr>
+        <p:grpSpPr>
+          <a:xfrm>
+            <a:off x="687804" y="156881"/>
+            <a:ext cx="2471777" cy="1145371"/>
+            <a:chOff x="4600575" y="2600315"/>
+            <a:chExt cx="2990850" cy="1385897"/>
+          </a:xfrm>
+        </p:grpSpPr>
+        <p:pic>
+          <p:nvPicPr>
+            <p:cNvPr id="20" name="Picture 19">
+              <a:extLst>
+                <a:ext uri="{FF2B5EF4-FFF2-40B4-BE49-F238E27FC236}">
+                  <a16:creationId xmlns="" xmlns:a16="http://schemas.microsoft.com/office/drawing/2014/main" id="{0F2E3E05-4A48-4C06-BA49-75E2E366C715}"/>
+                </a:ext>
+              </a:extLst>
+            </p:cNvPr>
+            <p:cNvPicPr>
+              <a:picLocks noChangeAspect="1"/>
+            </p:cNvPicPr>
+            <p:nvPr/>
+          </p:nvPicPr>
+          <p:blipFill>
+            <a:blip r:embed="rId3"/>
+            <a:stretch>
+              <a:fillRect/>
+            </a:stretch>
+          </p:blipFill>
+          <p:spPr>
+            <a:xfrm>
+              <a:off x="4600575" y="2871787"/>
+              <a:ext cx="2990850" cy="1114425"/>
+            </a:xfrm>
+            <a:prstGeom prst="rect">
+              <a:avLst/>
+            </a:prstGeom>
+          </p:spPr>
+        </p:pic>
+        <p:sp>
+          <p:nvSpPr>
+            <p:cNvPr id="21" name="Freeform 22">
+              <a:extLst>
+                <a:ext uri="{FF2B5EF4-FFF2-40B4-BE49-F238E27FC236}">
+                  <a16:creationId xmlns="" xmlns:a16="http://schemas.microsoft.com/office/drawing/2014/main" id="{8413CF68-A7E3-43A0-B613-5438D5382AB1}"/>
+                </a:ext>
+              </a:extLst>
+            </p:cNvPr>
+            <p:cNvSpPr/>
+            <p:nvPr/>
+          </p:nvSpPr>
+          <p:spPr>
+            <a:xfrm>
+              <a:off x="4739363" y="2600315"/>
+              <a:ext cx="971569" cy="971569"/>
+            </a:xfrm>
+            <a:custGeom>
+              <a:avLst/>
+              <a:gdLst>
+                <a:gd name="connsiteX0" fmla="*/ 1080000 w 2160000"/>
+                <a:gd name="connsiteY0" fmla="*/ 0 h 2160000"/>
+                <a:gd name="connsiteX1" fmla="*/ 2154424 w 2160000"/>
+                <a:gd name="connsiteY1" fmla="*/ 969576 h 2160000"/>
+                <a:gd name="connsiteX2" fmla="*/ 2157027 w 2160000"/>
+                <a:gd name="connsiteY2" fmla="*/ 1021127 h 2160000"/>
+                <a:gd name="connsiteX3" fmla="*/ 2159999 w 2160000"/>
+                <a:gd name="connsiteY3" fmla="*/ 1021127 h 2160000"/>
+                <a:gd name="connsiteX4" fmla="*/ 2159999 w 2160000"/>
+                <a:gd name="connsiteY4" fmla="*/ 1079980 h 2160000"/>
+                <a:gd name="connsiteX5" fmla="*/ 2160000 w 2160000"/>
+                <a:gd name="connsiteY5" fmla="*/ 1080000 h 2160000"/>
+                <a:gd name="connsiteX6" fmla="*/ 2159999 w 2160000"/>
+                <a:gd name="connsiteY6" fmla="*/ 1080021 h 2160000"/>
+                <a:gd name="connsiteX7" fmla="*/ 2159999 w 2160000"/>
+                <a:gd name="connsiteY7" fmla="*/ 1716639 h 2160000"/>
+                <a:gd name="connsiteX8" fmla="*/ 2157838 w 2160000"/>
+                <a:gd name="connsiteY8" fmla="*/ 1716639 h 2160000"/>
+                <a:gd name="connsiteX9" fmla="*/ 2160000 w 2160000"/>
+                <a:gd name="connsiteY9" fmla="*/ 1738544 h 2160000"/>
+                <a:gd name="connsiteX10" fmla="*/ 1891921 w 2160000"/>
+                <a:gd name="connsiteY10" fmla="*/ 2012333 h 2160000"/>
+                <a:gd name="connsiteX11" fmla="*/ 1623842 w 2160000"/>
+                <a:gd name="connsiteY11" fmla="*/ 1738544 h 2160000"/>
+                <a:gd name="connsiteX12" fmla="*/ 1626005 w 2160000"/>
+                <a:gd name="connsiteY12" fmla="*/ 1716639 h 2160000"/>
+                <a:gd name="connsiteX13" fmla="*/ 1620298 w 2160000"/>
+                <a:gd name="connsiteY13" fmla="*/ 1716639 h 2160000"/>
+                <a:gd name="connsiteX14" fmla="*/ 1620298 w 2160000"/>
+                <a:gd name="connsiteY14" fmla="*/ 1090950 h 2160000"/>
+                <a:gd name="connsiteX15" fmla="*/ 1618898 w 2160000"/>
+                <a:gd name="connsiteY15" fmla="*/ 1090937 h 2160000"/>
+                <a:gd name="connsiteX16" fmla="*/ 1620000 w 2160000"/>
+                <a:gd name="connsiteY16" fmla="*/ 1080000 h 2160000"/>
+                <a:gd name="connsiteX17" fmla="*/ 1080000 w 2160000"/>
+                <a:gd name="connsiteY17" fmla="*/ 540000 h 2160000"/>
+                <a:gd name="connsiteX18" fmla="*/ 540000 w 2160000"/>
+                <a:gd name="connsiteY18" fmla="*/ 1080000 h 2160000"/>
+                <a:gd name="connsiteX19" fmla="*/ 1080000 w 2160000"/>
+                <a:gd name="connsiteY19" fmla="*/ 1620000 h 2160000"/>
+                <a:gd name="connsiteX20" fmla="*/ 1172144 w 2160000"/>
+                <a:gd name="connsiteY20" fmla="*/ 1610711 h 2160000"/>
+                <a:gd name="connsiteX21" fmla="*/ 1192722 w 2160000"/>
+                <a:gd name="connsiteY21" fmla="*/ 1599542 h 2160000"/>
+                <a:gd name="connsiteX22" fmla="*/ 1205334 w 2160000"/>
+                <a:gd name="connsiteY22" fmla="*/ 1595627 h 2160000"/>
+                <a:gd name="connsiteX23" fmla="*/ 1218649 w 2160000"/>
+                <a:gd name="connsiteY23" fmla="*/ 1594482 h 2160000"/>
+                <a:gd name="connsiteX24" fmla="*/ 1273176 w 2160000"/>
+                <a:gd name="connsiteY24" fmla="*/ 1581875 h 2160000"/>
+                <a:gd name="connsiteX25" fmla="*/ 1277433 w 2160000"/>
+                <a:gd name="connsiteY25" fmla="*/ 1580379 h 2160000"/>
+                <a:gd name="connsiteX26" fmla="*/ 1297818 w 2160000"/>
+                <a:gd name="connsiteY26" fmla="*/ 1578324 h 2160000"/>
+                <a:gd name="connsiteX27" fmla="*/ 1567818 w 2160000"/>
+                <a:gd name="connsiteY27" fmla="*/ 1848324 h 2160000"/>
+                <a:gd name="connsiteX28" fmla="*/ 1469563 w 2160000"/>
+                <a:gd name="connsiteY28" fmla="*/ 2056669 h 2160000"/>
+                <a:gd name="connsiteX29" fmla="*/ 1412948 w 2160000"/>
+                <a:gd name="connsiteY29" fmla="*/ 2091019 h 2160000"/>
+                <a:gd name="connsiteX30" fmla="*/ 1398272 w 2160000"/>
+                <a:gd name="connsiteY30" fmla="*/ 2101498 h 2160000"/>
+                <a:gd name="connsiteX31" fmla="*/ 1374464 w 2160000"/>
+                <a:gd name="connsiteY31" fmla="*/ 2110955 h 2160000"/>
+                <a:gd name="connsiteX32" fmla="*/ 1376211 w 2160000"/>
+                <a:gd name="connsiteY32" fmla="*/ 2117860 h 2160000"/>
+                <a:gd name="connsiteX33" fmla="*/ 1321962 w 2160000"/>
+                <a:gd name="connsiteY33" fmla="*/ 2131809 h 2160000"/>
+                <a:gd name="connsiteX34" fmla="*/ 1306247 w 2160000"/>
+                <a:gd name="connsiteY34" fmla="*/ 2138051 h 2160000"/>
+                <a:gd name="connsiteX35" fmla="*/ 1267530 w 2160000"/>
+                <a:gd name="connsiteY35" fmla="*/ 2142656 h 2160000"/>
+                <a:gd name="connsiteX36" fmla="*/ 1190424 w 2160000"/>
+                <a:gd name="connsiteY36" fmla="*/ 2154424 h 2160000"/>
+                <a:gd name="connsiteX37" fmla="*/ 1080000 w 2160000"/>
+                <a:gd name="connsiteY37" fmla="*/ 2160000 h 2160000"/>
+                <a:gd name="connsiteX38" fmla="*/ 0 w 2160000"/>
+                <a:gd name="connsiteY38" fmla="*/ 1080000 h 2160000"/>
+                <a:gd name="connsiteX39" fmla="*/ 1080000 w 2160000"/>
+                <a:gd name="connsiteY39" fmla="*/ 0 h 2160000"/>
+              </a:gdLst>
+              <a:ahLst/>
+              <a:cxnLst>
+                <a:cxn ang="0">
+                  <a:pos x="connsiteX0" y="connsiteY0"/>
+                </a:cxn>
+                <a:cxn ang="0">
+                  <a:pos x="connsiteX1" y="connsiteY1"/>
+                </a:cxn>
+                <a:cxn ang="0">
+                  <a:pos x="connsiteX2" y="connsiteY2"/>
+                </a:cxn>
+                <a:cxn ang="0">
+                  <a:pos x="connsiteX3" y="connsiteY3"/>
+                </a:cxn>
+                <a:cxn ang="0">
+                  <a:pos x="connsiteX4" y="connsiteY4"/>
+                </a:cxn>
+                <a:cxn ang="0">
+                  <a:pos x="connsiteX5" y="connsiteY5"/>
+                </a:cxn>
+                <a:cxn ang="0">
+                  <a:pos x="connsiteX6" y="connsiteY6"/>
+                </a:cxn>
+                <a:cxn ang="0">
+                  <a:pos x="connsiteX7" y="connsiteY7"/>
+                </a:cxn>
+                <a:cxn ang="0">
+                  <a:pos x="connsiteX8" y="connsiteY8"/>
+                </a:cxn>
+                <a:cxn ang="0">
+                  <a:pos x="connsiteX9" y="connsiteY9"/>
+                </a:cxn>
+                <a:cxn ang="0">
+                  <a:pos x="connsiteX10" y="connsiteY10"/>
+                </a:cxn>
+                <a:cxn ang="0">
+                  <a:pos x="connsiteX11" y="connsiteY11"/>
+                </a:cxn>
+                <a:cxn ang="0">
+                  <a:pos x="connsiteX12" y="connsiteY12"/>
+                </a:cxn>
+                <a:cxn ang="0">
+                  <a:pos x="connsiteX13" y="connsiteY13"/>
+                </a:cxn>
+                <a:cxn ang="0">
+                  <a:pos x="connsiteX14" y="connsiteY14"/>
+                </a:cxn>
+                <a:cxn ang="0">
+                  <a:pos x="connsiteX15" y="connsiteY15"/>
+                </a:cxn>
+                <a:cxn ang="0">
+                  <a:pos x="connsiteX16" y="connsiteY16"/>
+                </a:cxn>
+                <a:cxn ang="0">
+                  <a:pos x="connsiteX17" y="connsiteY17"/>
+                </a:cxn>
+                <a:cxn ang="0">
+                  <a:pos x="connsiteX18" y="connsiteY18"/>
+                </a:cxn>
+                <a:cxn ang="0">
+                  <a:pos x="connsiteX19" y="connsiteY19"/>
+                </a:cxn>
+                <a:cxn ang="0">
+                  <a:pos x="connsiteX20" y="connsiteY20"/>
+                </a:cxn>
+                <a:cxn ang="0">
+                  <a:pos x="connsiteX21" y="connsiteY21"/>
+                </a:cxn>
+                <a:cxn ang="0">
+                  <a:pos x="connsiteX22" y="connsiteY22"/>
+                </a:cxn>
+                <a:cxn ang="0">
+                  <a:pos x="connsiteX23" y="connsiteY23"/>
+                </a:cxn>
+                <a:cxn ang="0">
+                  <a:pos x="connsiteX24" y="connsiteY24"/>
+                </a:cxn>
+                <a:cxn ang="0">
+                  <a:pos x="connsiteX25" y="connsiteY25"/>
+                </a:cxn>
+                <a:cxn ang="0">
+                  <a:pos x="connsiteX26" y="connsiteY26"/>
+                </a:cxn>
+                <a:cxn ang="0">
+                  <a:pos x="connsiteX27" y="connsiteY27"/>
+                </a:cxn>
+                <a:cxn ang="0">
+                  <a:pos x="connsiteX28" y="connsiteY28"/>
+                </a:cxn>
+                <a:cxn ang="0">
+                  <a:pos x="connsiteX29" y="connsiteY29"/>
+                </a:cxn>
+                <a:cxn ang="0">
+                  <a:pos x="connsiteX30" y="connsiteY30"/>
+                </a:cxn>
+                <a:cxn ang="0">
+                  <a:pos x="connsiteX31" y="connsiteY31"/>
+                </a:cxn>
+                <a:cxn ang="0">
+                  <a:pos x="connsiteX32" y="connsiteY32"/>
+                </a:cxn>
+                <a:cxn ang="0">
+                  <a:pos x="connsiteX33" y="connsiteY33"/>
+                </a:cxn>
+                <a:cxn ang="0">
+                  <a:pos x="connsiteX34" y="connsiteY34"/>
+                </a:cxn>
+                <a:cxn ang="0">
+                  <a:pos x="connsiteX35" y="connsiteY35"/>
+                </a:cxn>
+                <a:cxn ang="0">
+                  <a:pos x="connsiteX36" y="connsiteY36"/>
+                </a:cxn>
+                <a:cxn ang="0">
+                  <a:pos x="connsiteX37" y="connsiteY37"/>
+                </a:cxn>
+                <a:cxn ang="0">
+                  <a:pos x="connsiteX38" y="connsiteY38"/>
+                </a:cxn>
+                <a:cxn ang="0">
+                  <a:pos x="connsiteX39" y="connsiteY39"/>
+                </a:cxn>
+              </a:cxnLst>
+              <a:rect l="l" t="t" r="r" b="b"/>
+              <a:pathLst>
+                <a:path w="2160000" h="2160000">
+                  <a:moveTo>
+                    <a:pt x="1080000" y="0"/>
+                  </a:moveTo>
+                  <a:cubicBezTo>
+                    <a:pt x="1639189" y="0"/>
+                    <a:pt x="2099117" y="424979"/>
+                    <a:pt x="2154424" y="969576"/>
+                  </a:cubicBezTo>
+                  <a:lnTo>
+                    <a:pt x="2157027" y="1021127"/>
+                  </a:lnTo>
+                  <a:lnTo>
+                    <a:pt x="2159999" y="1021127"/>
+                  </a:lnTo>
+                  <a:lnTo>
+                    <a:pt x="2159999" y="1079980"/>
+                  </a:lnTo>
+                  <a:lnTo>
+                    <a:pt x="2160000" y="1080000"/>
+                  </a:lnTo>
+                  <a:lnTo>
+                    <a:pt x="2159999" y="1080021"/>
+                  </a:lnTo>
+                  <a:lnTo>
+                    <a:pt x="2159999" y="1716639"/>
+                  </a:lnTo>
+                  <a:lnTo>
+                    <a:pt x="2157838" y="1716639"/>
+                  </a:lnTo>
+                  <a:lnTo>
+                    <a:pt x="2160000" y="1738544"/>
+                  </a:lnTo>
+                  <a:cubicBezTo>
+                    <a:pt x="2160000" y="1889753"/>
+                    <a:pt x="2039977" y="2012333"/>
+                    <a:pt x="1891921" y="2012333"/>
+                  </a:cubicBezTo>
+                  <a:cubicBezTo>
+                    <a:pt x="1743865" y="2012333"/>
+                    <a:pt x="1623842" y="1889753"/>
+                    <a:pt x="1623842" y="1738544"/>
+                  </a:cubicBezTo>
+                  <a:lnTo>
+                    <a:pt x="1626005" y="1716639"/>
+                  </a:lnTo>
+                  <a:lnTo>
+                    <a:pt x="1620298" y="1716639"/>
+                  </a:lnTo>
+                  <a:lnTo>
+                    <a:pt x="1620298" y="1090950"/>
+                  </a:lnTo>
+                  <a:lnTo>
+                    <a:pt x="1618898" y="1090937"/>
+                  </a:lnTo>
+                  <a:lnTo>
+                    <a:pt x="1620000" y="1080000"/>
+                  </a:lnTo>
+                  <a:cubicBezTo>
+                    <a:pt x="1620000" y="781766"/>
+                    <a:pt x="1378234" y="540000"/>
+                    <a:pt x="1080000" y="540000"/>
+                  </a:cubicBezTo>
+                  <a:cubicBezTo>
+                    <a:pt x="781766" y="540000"/>
+                    <a:pt x="540000" y="781766"/>
+                    <a:pt x="540000" y="1080000"/>
+                  </a:cubicBezTo>
+                  <a:cubicBezTo>
+                    <a:pt x="540000" y="1378234"/>
+                    <a:pt x="781766" y="1620000"/>
+                    <a:pt x="1080000" y="1620000"/>
+                  </a:cubicBezTo>
+                  <a:lnTo>
+                    <a:pt x="1172144" y="1610711"/>
+                  </a:lnTo>
+                  <a:lnTo>
+                    <a:pt x="1192722" y="1599542"/>
+                  </a:lnTo>
+                  <a:lnTo>
+                    <a:pt x="1205334" y="1595627"/>
+                  </a:lnTo>
+                  <a:lnTo>
+                    <a:pt x="1218649" y="1594482"/>
+                  </a:lnTo>
+                  <a:cubicBezTo>
+                    <a:pt x="1237851" y="1591023"/>
+                    <a:pt x="1256099" y="1586790"/>
+                    <a:pt x="1273176" y="1581875"/>
+                  </a:cubicBezTo>
+                  <a:lnTo>
+                    <a:pt x="1277433" y="1580379"/>
+                  </a:lnTo>
+                  <a:lnTo>
+                    <a:pt x="1297818" y="1578324"/>
+                  </a:lnTo>
+                  <a:cubicBezTo>
+                    <a:pt x="1446935" y="1578324"/>
+                    <a:pt x="1567818" y="1699207"/>
+                    <a:pt x="1567818" y="1848324"/>
+                  </a:cubicBezTo>
+                  <a:cubicBezTo>
+                    <a:pt x="1567818" y="1932202"/>
+                    <a:pt x="1529570" y="2007147"/>
+                    <a:pt x="1469563" y="2056669"/>
+                  </a:cubicBezTo>
+                  <a:lnTo>
+                    <a:pt x="1412948" y="2091019"/>
+                  </a:lnTo>
+                  <a:lnTo>
+                    <a:pt x="1398272" y="2101498"/>
+                  </a:lnTo>
+                  <a:lnTo>
+                    <a:pt x="1374464" y="2110955"/>
+                  </a:lnTo>
+                  <a:lnTo>
+                    <a:pt x="1376211" y="2117860"/>
+                  </a:lnTo>
+                  <a:lnTo>
+                    <a:pt x="1321962" y="2131809"/>
+                  </a:lnTo>
+                  <a:lnTo>
+                    <a:pt x="1306247" y="2138051"/>
+                  </a:lnTo>
+                  <a:lnTo>
+                    <a:pt x="1267530" y="2142656"/>
+                  </a:lnTo>
+                  <a:lnTo>
+                    <a:pt x="1190424" y="2154424"/>
+                  </a:lnTo>
+                  <a:cubicBezTo>
+                    <a:pt x="1154118" y="2158111"/>
+                    <a:pt x="1117280" y="2160000"/>
+                    <a:pt x="1080000" y="2160000"/>
+                  </a:cubicBezTo>
+                  <a:cubicBezTo>
+                    <a:pt x="483532" y="2160000"/>
+                    <a:pt x="0" y="1676468"/>
+                    <a:pt x="0" y="1080000"/>
+                  </a:cubicBezTo>
+                  <a:cubicBezTo>
+                    <a:pt x="0" y="483532"/>
+                    <a:pt x="483532" y="0"/>
+                    <a:pt x="1080000" y="0"/>
+                  </a:cubicBezTo>
+                  <a:close/>
+                </a:path>
+              </a:pathLst>
+            </a:custGeom>
+            <a:solidFill>
+              <a:srgbClr val="FF8C52"/>
+            </a:solidFill>
+            <a:ln>
+              <a:solidFill>
+                <a:srgbClr val="FF8C52"/>
+              </a:solidFill>
+            </a:ln>
+          </p:spPr>
+          <p:style>
+            <a:lnRef idx="2">
+              <a:schemeClr val="accent1">
+                <a:shade val="50000"/>
+              </a:schemeClr>
+            </a:lnRef>
+            <a:fillRef idx="1">
+              <a:schemeClr val="accent1"/>
+            </a:fillRef>
+            <a:effectRef idx="0">
+              <a:schemeClr val="accent1"/>
+            </a:effectRef>
+            <a:fontRef idx="minor">
+              <a:schemeClr val="lt1"/>
+            </a:fontRef>
+          </p:style>
+          <p:txBody>
+            <a:bodyPr rtlCol="0" anchor="ctr"/>
+            <a:lstStyle/>
+            <a:p>
+              <a:pPr algn="ctr"/>
+              <a:endParaRPr lang="en-AU" dirty="0">
+                <a:latin typeface="Oxygen" panose="02000503000000000000" pitchFamily="2" charset="0"/>
+              </a:endParaRPr>
+            </a:p>
+          </p:txBody>
+        </p:sp>
+      </p:grpSp>
+      <p:sp>
+        <p:nvSpPr>
+          <p:cNvPr id="22" name="TextBox 21">
+            <a:extLst>
+              <a:ext uri="{FF2B5EF4-FFF2-40B4-BE49-F238E27FC236}">
+                <a16:creationId xmlns="" xmlns:a16="http://schemas.microsoft.com/office/drawing/2014/main" id="{97653B96-F2E2-406B-A513-F42319FDB50F}"/>
               </a:ext>
             </a:extLst>
           </p:cNvPr>
@@ -20119,7 +19832,7 @@
           <p:cNvPr id="33" name="Rectangle 32">
             <a:extLst>
               <a:ext uri="{FF2B5EF4-FFF2-40B4-BE49-F238E27FC236}">
-                <a16:creationId xmlns:a16="http://schemas.microsoft.com/office/drawing/2014/main" xmlns="" id="{E02B0EB1-C543-469A-90DE-9FA0F478E35F}"/>
+                <a16:creationId xmlns="" xmlns:a16="http://schemas.microsoft.com/office/drawing/2014/main" id="{E02B0EB1-C543-469A-90DE-9FA0F478E35F}"/>
               </a:ext>
             </a:extLst>
           </p:cNvPr>
@@ -21147,7 +20860,7 @@
           <p:cNvPr id="8" name="Rectangle 7">
             <a:extLst>
               <a:ext uri="{FF2B5EF4-FFF2-40B4-BE49-F238E27FC236}">
-                <a16:creationId xmlns:a16="http://schemas.microsoft.com/office/drawing/2014/main" xmlns="" id="{583FBC17-A62F-4E87-B8DE-0F79DF4336A0}"/>
+                <a16:creationId xmlns="" xmlns:a16="http://schemas.microsoft.com/office/drawing/2014/main" id="{583FBC17-A62F-4E87-B8DE-0F79DF4336A0}"/>
               </a:ext>
             </a:extLst>
           </p:cNvPr>
@@ -21207,7 +20920,7 @@
           <p:cNvPr id="19" name="Group 18">
             <a:extLst>
               <a:ext uri="{FF2B5EF4-FFF2-40B4-BE49-F238E27FC236}">
-                <a16:creationId xmlns:a16="http://schemas.microsoft.com/office/drawing/2014/main" xmlns="" id="{C587FE1B-2243-4627-BC52-851BDA62444B}"/>
+                <a16:creationId xmlns="" xmlns:a16="http://schemas.microsoft.com/office/drawing/2014/main" id="{C587FE1B-2243-4627-BC52-851BDA62444B}"/>
               </a:ext>
             </a:extLst>
           </p:cNvPr>
@@ -21227,7 +20940,7 @@
             <p:cNvPr id="20" name="Picture 19">
               <a:extLst>
                 <a:ext uri="{FF2B5EF4-FFF2-40B4-BE49-F238E27FC236}">
-                  <a16:creationId xmlns:a16="http://schemas.microsoft.com/office/drawing/2014/main" xmlns="" id="{0F2E3E05-4A48-4C06-BA49-75E2E366C715}"/>
+                  <a16:creationId xmlns="" xmlns:a16="http://schemas.microsoft.com/office/drawing/2014/main" id="{0F2E3E05-4A48-4C06-BA49-75E2E366C715}"/>
                 </a:ext>
               </a:extLst>
             </p:cNvPr>
@@ -21257,7 +20970,7 @@
             <p:cNvPr id="21" name="Freeform 22">
               <a:extLst>
                 <a:ext uri="{FF2B5EF4-FFF2-40B4-BE49-F238E27FC236}">
-                  <a16:creationId xmlns:a16="http://schemas.microsoft.com/office/drawing/2014/main" xmlns="" id="{8413CF68-A7E3-43A0-B613-5438D5382AB1}"/>
+                  <a16:creationId xmlns="" xmlns:a16="http://schemas.microsoft.com/office/drawing/2014/main" id="{8413CF68-A7E3-43A0-B613-5438D5382AB1}"/>
                 </a:ext>
               </a:extLst>
             </p:cNvPr>
@@ -21669,7 +21382,7 @@
           <p:cNvPr id="22" name="TextBox 21">
             <a:extLst>
               <a:ext uri="{FF2B5EF4-FFF2-40B4-BE49-F238E27FC236}">
-                <a16:creationId xmlns:a16="http://schemas.microsoft.com/office/drawing/2014/main" xmlns="" id="{97653B96-F2E2-406B-A513-F42319FDB50F}"/>
+                <a16:creationId xmlns="" xmlns:a16="http://schemas.microsoft.com/office/drawing/2014/main" id="{97653B96-F2E2-406B-A513-F42319FDB50F}"/>
               </a:ext>
             </a:extLst>
           </p:cNvPr>
@@ -21712,7 +21425,7 @@
           <p:cNvPr id="33" name="Rectangle 32">
             <a:extLst>
               <a:ext uri="{FF2B5EF4-FFF2-40B4-BE49-F238E27FC236}">
-                <a16:creationId xmlns:a16="http://schemas.microsoft.com/office/drawing/2014/main" xmlns="" id="{E02B0EB1-C543-469A-90DE-9FA0F478E35F}"/>
+                <a16:creationId xmlns="" xmlns:a16="http://schemas.microsoft.com/office/drawing/2014/main" id="{E02B0EB1-C543-469A-90DE-9FA0F478E35F}"/>
               </a:ext>
             </a:extLst>
           </p:cNvPr>
@@ -22265,7 +21978,7 @@
           <p:cNvPr id="8" name="Rectangle 7">
             <a:extLst>
               <a:ext uri="{FF2B5EF4-FFF2-40B4-BE49-F238E27FC236}">
-                <a16:creationId xmlns:a16="http://schemas.microsoft.com/office/drawing/2014/main" xmlns="" id="{583FBC17-A62F-4E87-B8DE-0F79DF4336A0}"/>
+                <a16:creationId xmlns="" xmlns:a16="http://schemas.microsoft.com/office/drawing/2014/main" id="{583FBC17-A62F-4E87-B8DE-0F79DF4336A0}"/>
               </a:ext>
             </a:extLst>
           </p:cNvPr>
@@ -22325,7 +22038,7 @@
           <p:cNvPr id="19" name="Group 18">
             <a:extLst>
               <a:ext uri="{FF2B5EF4-FFF2-40B4-BE49-F238E27FC236}">
-                <a16:creationId xmlns:a16="http://schemas.microsoft.com/office/drawing/2014/main" xmlns="" id="{C587FE1B-2243-4627-BC52-851BDA62444B}"/>
+                <a16:creationId xmlns="" xmlns:a16="http://schemas.microsoft.com/office/drawing/2014/main" id="{C587FE1B-2243-4627-BC52-851BDA62444B}"/>
               </a:ext>
             </a:extLst>
           </p:cNvPr>
@@ -22345,7 +22058,7 @@
             <p:cNvPr id="20" name="Picture 19">
               <a:extLst>
                 <a:ext uri="{FF2B5EF4-FFF2-40B4-BE49-F238E27FC236}">
-                  <a16:creationId xmlns:a16="http://schemas.microsoft.com/office/drawing/2014/main" xmlns="" id="{0F2E3E05-4A48-4C06-BA49-75E2E366C715}"/>
+                  <a16:creationId xmlns="" xmlns:a16="http://schemas.microsoft.com/office/drawing/2014/main" id="{0F2E3E05-4A48-4C06-BA49-75E2E366C715}"/>
                 </a:ext>
               </a:extLst>
             </p:cNvPr>
@@ -22375,7 +22088,7 @@
             <p:cNvPr id="21" name="Freeform 22">
               <a:extLst>
                 <a:ext uri="{FF2B5EF4-FFF2-40B4-BE49-F238E27FC236}">
-                  <a16:creationId xmlns:a16="http://schemas.microsoft.com/office/drawing/2014/main" xmlns="" id="{8413CF68-A7E3-43A0-B613-5438D5382AB1}"/>
+                  <a16:creationId xmlns="" xmlns:a16="http://schemas.microsoft.com/office/drawing/2014/main" id="{8413CF68-A7E3-43A0-B613-5438D5382AB1}"/>
                 </a:ext>
               </a:extLst>
             </p:cNvPr>
@@ -22787,7 +22500,7 @@
           <p:cNvPr id="22" name="TextBox 21">
             <a:extLst>
               <a:ext uri="{FF2B5EF4-FFF2-40B4-BE49-F238E27FC236}">
-                <a16:creationId xmlns:a16="http://schemas.microsoft.com/office/drawing/2014/main" xmlns="" id="{97653B96-F2E2-406B-A513-F42319FDB50F}"/>
+                <a16:creationId xmlns="" xmlns:a16="http://schemas.microsoft.com/office/drawing/2014/main" id="{97653B96-F2E2-406B-A513-F42319FDB50F}"/>
               </a:ext>
             </a:extLst>
           </p:cNvPr>
@@ -22796,8 +22509,8 @@
         </p:nvSpPr>
         <p:spPr>
           <a:xfrm>
-            <a:off x="5863928" y="155425"/>
-            <a:ext cx="4742004" cy="369332"/>
+            <a:off x="6310571" y="171488"/>
+            <a:ext cx="3395481" cy="369332"/>
           </a:xfrm>
           <a:prstGeom prst="rect">
             <a:avLst/>
@@ -22820,8 +22533,29 @@
                 <a:latin typeface="Oxygen" panose="02000503000000000000" pitchFamily="2" charset="0"/>
                 <a:cs typeface="Arial" panose="020B0604020202020204" pitchFamily="34" charset="0"/>
               </a:rPr>
-              <a:t>Data Analysis: Importing &amp; Exporting Data</a:t>
-            </a:r>
+              <a:t>Data Analysis: Importing </a:t>
+            </a:r>
+            <a:r>
+              <a:rPr lang="en-US" b="1" cap="small" dirty="0" smtClean="0">
+                <a:solidFill>
+                  <a:schemeClr val="bg2">
+                    <a:lumMod val="75000"/>
+                  </a:schemeClr>
+                </a:solidFill>
+                <a:latin typeface="Oxygen" panose="02000503000000000000" pitchFamily="2" charset="0"/>
+                <a:cs typeface="Arial" panose="020B0604020202020204" pitchFamily="34" charset="0"/>
+              </a:rPr>
+              <a:t>Data</a:t>
+            </a:r>
+            <a:endParaRPr lang="en-US" b="1" cap="small" dirty="0" smtClean="0">
+              <a:solidFill>
+                <a:schemeClr val="bg2">
+                  <a:lumMod val="75000"/>
+                </a:schemeClr>
+              </a:solidFill>
+              <a:latin typeface="Oxygen" panose="02000503000000000000" pitchFamily="2" charset="0"/>
+              <a:cs typeface="Arial" panose="020B0604020202020204" pitchFamily="34" charset="0"/>
+            </a:endParaRPr>
           </a:p>
         </p:txBody>
       </p:sp>
@@ -22830,7 +22564,7 @@
           <p:cNvPr id="33" name="Rectangle 32">
             <a:extLst>
               <a:ext uri="{FF2B5EF4-FFF2-40B4-BE49-F238E27FC236}">
-                <a16:creationId xmlns:a16="http://schemas.microsoft.com/office/drawing/2014/main" xmlns="" id="{E02B0EB1-C543-469A-90DE-9FA0F478E35F}"/>
+                <a16:creationId xmlns="" xmlns:a16="http://schemas.microsoft.com/office/drawing/2014/main" id="{E02B0EB1-C543-469A-90DE-9FA0F478E35F}"/>
               </a:ext>
             </a:extLst>
           </p:cNvPr>
@@ -23756,7 +23490,7 @@
           <p:cNvPr id="8" name="Rectangle 7">
             <a:extLst>
               <a:ext uri="{FF2B5EF4-FFF2-40B4-BE49-F238E27FC236}">
-                <a16:creationId xmlns:a16="http://schemas.microsoft.com/office/drawing/2014/main" xmlns="" id="{583FBC17-A62F-4E87-B8DE-0F79DF4336A0}"/>
+                <a16:creationId xmlns="" xmlns:a16="http://schemas.microsoft.com/office/drawing/2014/main" id="{583FBC17-A62F-4E87-B8DE-0F79DF4336A0}"/>
               </a:ext>
             </a:extLst>
           </p:cNvPr>
@@ -23816,7 +23550,7 @@
           <p:cNvPr id="19" name="Group 18">
             <a:extLst>
               <a:ext uri="{FF2B5EF4-FFF2-40B4-BE49-F238E27FC236}">
-                <a16:creationId xmlns:a16="http://schemas.microsoft.com/office/drawing/2014/main" xmlns="" id="{C587FE1B-2243-4627-BC52-851BDA62444B}"/>
+                <a16:creationId xmlns="" xmlns:a16="http://schemas.microsoft.com/office/drawing/2014/main" id="{C587FE1B-2243-4627-BC52-851BDA62444B}"/>
               </a:ext>
             </a:extLst>
           </p:cNvPr>
@@ -23836,7 +23570,7 @@
             <p:cNvPr id="20" name="Picture 19">
               <a:extLst>
                 <a:ext uri="{FF2B5EF4-FFF2-40B4-BE49-F238E27FC236}">
-                  <a16:creationId xmlns:a16="http://schemas.microsoft.com/office/drawing/2014/main" xmlns="" id="{0F2E3E05-4A48-4C06-BA49-75E2E366C715}"/>
+                  <a16:creationId xmlns="" xmlns:a16="http://schemas.microsoft.com/office/drawing/2014/main" id="{0F2E3E05-4A48-4C06-BA49-75E2E366C715}"/>
                 </a:ext>
               </a:extLst>
             </p:cNvPr>
@@ -23866,7 +23600,7 @@
             <p:cNvPr id="21" name="Freeform 22">
               <a:extLst>
                 <a:ext uri="{FF2B5EF4-FFF2-40B4-BE49-F238E27FC236}">
-                  <a16:creationId xmlns:a16="http://schemas.microsoft.com/office/drawing/2014/main" xmlns="" id="{8413CF68-A7E3-43A0-B613-5438D5382AB1}"/>
+                  <a16:creationId xmlns="" xmlns:a16="http://schemas.microsoft.com/office/drawing/2014/main" id="{8413CF68-A7E3-43A0-B613-5438D5382AB1}"/>
                 </a:ext>
               </a:extLst>
             </p:cNvPr>
@@ -24278,7 +24012,7 @@
           <p:cNvPr id="22" name="TextBox 21">
             <a:extLst>
               <a:ext uri="{FF2B5EF4-FFF2-40B4-BE49-F238E27FC236}">
-                <a16:creationId xmlns:a16="http://schemas.microsoft.com/office/drawing/2014/main" xmlns="" id="{97653B96-F2E2-406B-A513-F42319FDB50F}"/>
+                <a16:creationId xmlns="" xmlns:a16="http://schemas.microsoft.com/office/drawing/2014/main" id="{97653B96-F2E2-406B-A513-F42319FDB50F}"/>
               </a:ext>
             </a:extLst>
           </p:cNvPr>
@@ -24287,8 +24021,8 @@
         </p:nvSpPr>
         <p:spPr>
           <a:xfrm>
-            <a:off x="5863928" y="155425"/>
-            <a:ext cx="4742004" cy="369332"/>
+            <a:off x="6280114" y="175387"/>
+            <a:ext cx="3456395" cy="369332"/>
           </a:xfrm>
           <a:prstGeom prst="rect">
             <a:avLst/>
@@ -24311,7 +24045,31 @@
                 <a:latin typeface="Oxygen" panose="02000503000000000000" pitchFamily="2" charset="0"/>
                 <a:cs typeface="Arial" panose="020B0604020202020204" pitchFamily="34" charset="0"/>
               </a:rPr>
-              <a:t>Data Analysis: Importing &amp; Exporting Data</a:t>
+              <a:t>Data Analysis: </a:t>
+            </a:r>
+            <a:r>
+              <a:rPr lang="en-US" b="1" cap="small" dirty="0" smtClean="0">
+                <a:solidFill>
+                  <a:schemeClr val="bg2">
+                    <a:lumMod val="75000"/>
+                  </a:schemeClr>
+                </a:solidFill>
+                <a:latin typeface="Oxygen" panose="02000503000000000000" pitchFamily="2" charset="0"/>
+                <a:cs typeface="Arial" panose="020B0604020202020204" pitchFamily="34" charset="0"/>
+              </a:rPr>
+              <a:t>Importing </a:t>
+            </a:r>
+            <a:r>
+              <a:rPr lang="en-US" b="1" cap="small" dirty="0" smtClean="0">
+                <a:solidFill>
+                  <a:schemeClr val="bg2">
+                    <a:lumMod val="75000"/>
+                  </a:schemeClr>
+                </a:solidFill>
+                <a:latin typeface="Oxygen" panose="02000503000000000000" pitchFamily="2" charset="0"/>
+                <a:cs typeface="Arial" panose="020B0604020202020204" pitchFamily="34" charset="0"/>
+              </a:rPr>
+              <a:t>Data</a:t>
             </a:r>
           </a:p>
         </p:txBody>
@@ -24321,7 +24079,7 @@
           <p:cNvPr id="33" name="Rectangle 32">
             <a:extLst>
               <a:ext uri="{FF2B5EF4-FFF2-40B4-BE49-F238E27FC236}">
-                <a16:creationId xmlns:a16="http://schemas.microsoft.com/office/drawing/2014/main" xmlns="" id="{E02B0EB1-C543-469A-90DE-9FA0F478E35F}"/>
+                <a16:creationId xmlns="" xmlns:a16="http://schemas.microsoft.com/office/drawing/2014/main" id="{E02B0EB1-C543-469A-90DE-9FA0F478E35F}"/>
               </a:ext>
             </a:extLst>
           </p:cNvPr>

--- a/Offline/BusinessManagement/Teach_Tech@anodiam/AI_Robotics/Others/Data Science/Data Analysis.pptx
+++ b/Offline/BusinessManagement/Teach_Tech@anodiam/AI_Robotics/Others/Data Science/Data Analysis.pptx
@@ -2984,6 +2984,456 @@
       <dsp:cNvGrpSpPr/>
     </dsp:nvGrpSpPr>
     <dsp:grpSpPr/>
+    <dsp:sp modelId="{62E0840E-9C90-4510-B962-F90694AF3A99}">
+      <dsp:nvSpPr>
+        <dsp:cNvPr id="0" name=""/>
+        <dsp:cNvSpPr/>
+      </dsp:nvSpPr>
+      <dsp:spPr>
+        <a:xfrm>
+          <a:off x="2" y="0"/>
+          <a:ext cx="10196980" cy="4402783"/>
+        </a:xfrm>
+        <a:prstGeom prst="rightArrow">
+          <a:avLst/>
+        </a:prstGeom>
+        <a:solidFill>
+          <a:schemeClr val="accent2">
+            <a:tint val="40000"/>
+            <a:hueOff val="0"/>
+            <a:satOff val="0"/>
+            <a:lumOff val="0"/>
+            <a:alphaOff val="0"/>
+          </a:schemeClr>
+        </a:solidFill>
+        <a:ln>
+          <a:noFill/>
+        </a:ln>
+        <a:effectLst/>
+      </dsp:spPr>
+      <dsp:style>
+        <a:lnRef idx="0">
+          <a:scrgbClr r="0" g="0" b="0"/>
+        </a:lnRef>
+        <a:fillRef idx="1">
+          <a:scrgbClr r="0" g="0" b="0"/>
+        </a:fillRef>
+        <a:effectRef idx="0">
+          <a:scrgbClr r="0" g="0" b="0"/>
+        </a:effectRef>
+        <a:fontRef idx="minor"/>
+      </dsp:style>
+    </dsp:sp>
+    <dsp:sp modelId="{1162FBC7-5F82-4156-9C50-946E5EBF5298}">
+      <dsp:nvSpPr>
+        <dsp:cNvPr id="0" name=""/>
+        <dsp:cNvSpPr/>
+      </dsp:nvSpPr>
+      <dsp:spPr>
+        <a:xfrm>
+          <a:off x="77" y="1312205"/>
+          <a:ext cx="1884690" cy="1761113"/>
+        </a:xfrm>
+        <a:prstGeom prst="roundRect">
+          <a:avLst/>
+        </a:prstGeom>
+        <a:solidFill>
+          <a:schemeClr val="accent2">
+            <a:hueOff val="0"/>
+            <a:satOff val="0"/>
+            <a:lumOff val="0"/>
+            <a:alphaOff val="0"/>
+          </a:schemeClr>
+        </a:solidFill>
+        <a:ln w="12700" cap="flat" cmpd="sng" algn="ctr">
+          <a:solidFill>
+            <a:schemeClr val="lt1">
+              <a:hueOff val="0"/>
+              <a:satOff val="0"/>
+              <a:lumOff val="0"/>
+              <a:alphaOff val="0"/>
+            </a:schemeClr>
+          </a:solidFill>
+          <a:prstDash val="solid"/>
+          <a:miter lim="800000"/>
+        </a:ln>
+        <a:effectLst/>
+      </dsp:spPr>
+      <dsp:style>
+        <a:lnRef idx="2">
+          <a:scrgbClr r="0" g="0" b="0"/>
+        </a:lnRef>
+        <a:fillRef idx="1">
+          <a:scrgbClr r="0" g="0" b="0"/>
+        </a:fillRef>
+        <a:effectRef idx="0">
+          <a:scrgbClr r="0" g="0" b="0"/>
+        </a:effectRef>
+        <a:fontRef idx="minor">
+          <a:schemeClr val="lt1"/>
+        </a:fontRef>
+      </dsp:style>
+      <dsp:txBody>
+        <a:bodyPr spcFirstLastPara="0" vert="horz" wrap="square" lIns="45720" tIns="45720" rIns="45720" bIns="45720" numCol="1" spcCol="1270" anchor="ctr" anchorCtr="0">
+          <a:noAutofit/>
+        </a:bodyPr>
+        <a:lstStyle/>
+        <a:p>
+          <a:pPr lvl="0" algn="ctr" defTabSz="533400">
+            <a:lnSpc>
+              <a:spcPct val="90000"/>
+            </a:lnSpc>
+            <a:spcBef>
+              <a:spcPct val="0"/>
+            </a:spcBef>
+            <a:spcAft>
+              <a:spcPct val="35000"/>
+            </a:spcAft>
+          </a:pPr>
+          <a:r>
+            <a:rPr lang="en-US" sz="1200" kern="1200" dirty="0" smtClean="0">
+              <a:latin typeface="Oxygen" panose="02000503000000000000" pitchFamily="2" charset="0"/>
+            </a:rPr>
+            <a:t>Identify the question</a:t>
+          </a:r>
+          <a:endParaRPr lang="en-AU" sz="1200" kern="1200" dirty="0">
+            <a:latin typeface="Oxygen" panose="02000503000000000000" pitchFamily="2" charset="0"/>
+          </a:endParaRPr>
+        </a:p>
+      </dsp:txBody>
+      <dsp:txXfrm>
+        <a:off x="86047" y="1398175"/>
+        <a:ext cx="1712750" cy="1589173"/>
+      </dsp:txXfrm>
+    </dsp:sp>
+    <dsp:sp modelId="{0843F503-74BC-4A3F-9D88-9F0EE228E87E}">
+      <dsp:nvSpPr>
+        <dsp:cNvPr id="0" name=""/>
+        <dsp:cNvSpPr/>
+      </dsp:nvSpPr>
+      <dsp:spPr>
+        <a:xfrm>
+          <a:off x="2053058" y="1320834"/>
+          <a:ext cx="2000144" cy="1761113"/>
+        </a:xfrm>
+        <a:prstGeom prst="roundRect">
+          <a:avLst/>
+        </a:prstGeom>
+        <a:solidFill>
+          <a:schemeClr val="accent3">
+            <a:hueOff val="0"/>
+            <a:satOff val="0"/>
+            <a:lumOff val="0"/>
+            <a:alphaOff val="0"/>
+          </a:schemeClr>
+        </a:solidFill>
+        <a:ln w="12700" cap="flat" cmpd="sng" algn="ctr">
+          <a:solidFill>
+            <a:schemeClr val="lt1">
+              <a:hueOff val="0"/>
+              <a:satOff val="0"/>
+              <a:lumOff val="0"/>
+              <a:alphaOff val="0"/>
+            </a:schemeClr>
+          </a:solidFill>
+          <a:prstDash val="solid"/>
+          <a:miter lim="800000"/>
+        </a:ln>
+        <a:effectLst/>
+      </dsp:spPr>
+      <dsp:style>
+        <a:lnRef idx="2">
+          <a:scrgbClr r="0" g="0" b="0"/>
+        </a:lnRef>
+        <a:fillRef idx="1">
+          <a:scrgbClr r="0" g="0" b="0"/>
+        </a:fillRef>
+        <a:effectRef idx="0">
+          <a:scrgbClr r="0" g="0" b="0"/>
+        </a:effectRef>
+        <a:fontRef idx="minor">
+          <a:schemeClr val="lt1"/>
+        </a:fontRef>
+      </dsp:style>
+      <dsp:txBody>
+        <a:bodyPr spcFirstLastPara="0" vert="horz" wrap="square" lIns="45720" tIns="45720" rIns="45720" bIns="45720" numCol="1" spcCol="1270" anchor="ctr" anchorCtr="0">
+          <a:noAutofit/>
+        </a:bodyPr>
+        <a:lstStyle/>
+        <a:p>
+          <a:pPr lvl="0" algn="ctr" defTabSz="533400">
+            <a:lnSpc>
+              <a:spcPct val="90000"/>
+            </a:lnSpc>
+            <a:spcBef>
+              <a:spcPct val="0"/>
+            </a:spcBef>
+            <a:spcAft>
+              <a:spcPct val="35000"/>
+            </a:spcAft>
+          </a:pPr>
+          <a:r>
+            <a:rPr lang="en-US" sz="1200" kern="1200" dirty="0" smtClean="0">
+              <a:latin typeface="Oxygen" panose="02000503000000000000" pitchFamily="2" charset="0"/>
+            </a:rPr>
+            <a:t>Collect the raw data set</a:t>
+          </a:r>
+          <a:endParaRPr lang="en-AU" sz="1200" kern="1200" dirty="0">
+            <a:latin typeface="Oxygen" panose="02000503000000000000" pitchFamily="2" charset="0"/>
+          </a:endParaRPr>
+        </a:p>
+      </dsp:txBody>
+      <dsp:txXfrm>
+        <a:off x="2139028" y="1406804"/>
+        <a:ext cx="1828204" cy="1589173"/>
+      </dsp:txXfrm>
+    </dsp:sp>
+    <dsp:sp modelId="{451BAEA3-148E-4900-9275-2CDFFC6AF5EC}">
+      <dsp:nvSpPr>
+        <dsp:cNvPr id="0" name=""/>
+        <dsp:cNvSpPr/>
+      </dsp:nvSpPr>
+      <dsp:spPr>
+        <a:xfrm>
+          <a:off x="4221492" y="1320834"/>
+          <a:ext cx="1979566" cy="1761113"/>
+        </a:xfrm>
+        <a:prstGeom prst="roundRect">
+          <a:avLst/>
+        </a:prstGeom>
+        <a:solidFill>
+          <a:schemeClr val="accent4">
+            <a:hueOff val="0"/>
+            <a:satOff val="0"/>
+            <a:lumOff val="0"/>
+            <a:alphaOff val="0"/>
+          </a:schemeClr>
+        </a:solidFill>
+        <a:ln w="12700" cap="flat" cmpd="sng" algn="ctr">
+          <a:solidFill>
+            <a:schemeClr val="lt1">
+              <a:hueOff val="0"/>
+              <a:satOff val="0"/>
+              <a:lumOff val="0"/>
+              <a:alphaOff val="0"/>
+            </a:schemeClr>
+          </a:solidFill>
+          <a:prstDash val="solid"/>
+          <a:miter lim="800000"/>
+        </a:ln>
+        <a:effectLst/>
+      </dsp:spPr>
+      <dsp:style>
+        <a:lnRef idx="2">
+          <a:scrgbClr r="0" g="0" b="0"/>
+        </a:lnRef>
+        <a:fillRef idx="1">
+          <a:scrgbClr r="0" g="0" b="0"/>
+        </a:fillRef>
+        <a:effectRef idx="0">
+          <a:scrgbClr r="0" g="0" b="0"/>
+        </a:effectRef>
+        <a:fontRef idx="minor">
+          <a:schemeClr val="lt1"/>
+        </a:fontRef>
+      </dsp:style>
+      <dsp:txBody>
+        <a:bodyPr spcFirstLastPara="0" vert="horz" wrap="square" lIns="45720" tIns="45720" rIns="45720" bIns="45720" numCol="1" spcCol="1270" anchor="ctr" anchorCtr="0">
+          <a:noAutofit/>
+        </a:bodyPr>
+        <a:lstStyle/>
+        <a:p>
+          <a:pPr lvl="0" algn="ctr" defTabSz="533400">
+            <a:lnSpc>
+              <a:spcPct val="90000"/>
+            </a:lnSpc>
+            <a:spcBef>
+              <a:spcPct val="0"/>
+            </a:spcBef>
+            <a:spcAft>
+              <a:spcPct val="35000"/>
+            </a:spcAft>
+          </a:pPr>
+          <a:r>
+            <a:rPr lang="en-US" sz="1200" kern="1200" dirty="0" smtClean="0">
+              <a:latin typeface="Oxygen" panose="02000503000000000000" pitchFamily="2" charset="0"/>
+            </a:rPr>
+            <a:t>Clean the data</a:t>
+          </a:r>
+          <a:endParaRPr lang="en-AU" sz="1200" kern="1200" dirty="0">
+            <a:latin typeface="Oxygen" panose="02000503000000000000" pitchFamily="2" charset="0"/>
+          </a:endParaRPr>
+        </a:p>
+      </dsp:txBody>
+      <dsp:txXfrm>
+        <a:off x="4307462" y="1406804"/>
+        <a:ext cx="1807626" cy="1589173"/>
+      </dsp:txXfrm>
+    </dsp:sp>
+    <dsp:sp modelId="{F58D37AB-4D7C-45CA-81D2-601DAFFC934B}">
+      <dsp:nvSpPr>
+        <dsp:cNvPr id="0" name=""/>
+        <dsp:cNvSpPr/>
+      </dsp:nvSpPr>
+      <dsp:spPr>
+        <a:xfrm>
+          <a:off x="6369349" y="1320834"/>
+          <a:ext cx="1877259" cy="1761113"/>
+        </a:xfrm>
+        <a:prstGeom prst="roundRect">
+          <a:avLst/>
+        </a:prstGeom>
+        <a:solidFill>
+          <a:schemeClr val="accent5">
+            <a:hueOff val="0"/>
+            <a:satOff val="0"/>
+            <a:lumOff val="0"/>
+            <a:alphaOff val="0"/>
+          </a:schemeClr>
+        </a:solidFill>
+        <a:ln w="12700" cap="flat" cmpd="sng" algn="ctr">
+          <a:solidFill>
+            <a:schemeClr val="lt1">
+              <a:hueOff val="0"/>
+              <a:satOff val="0"/>
+              <a:lumOff val="0"/>
+              <a:alphaOff val="0"/>
+            </a:schemeClr>
+          </a:solidFill>
+          <a:prstDash val="solid"/>
+          <a:miter lim="800000"/>
+        </a:ln>
+        <a:effectLst/>
+      </dsp:spPr>
+      <dsp:style>
+        <a:lnRef idx="2">
+          <a:scrgbClr r="0" g="0" b="0"/>
+        </a:lnRef>
+        <a:fillRef idx="1">
+          <a:scrgbClr r="0" g="0" b="0"/>
+        </a:fillRef>
+        <a:effectRef idx="0">
+          <a:scrgbClr r="0" g="0" b="0"/>
+        </a:effectRef>
+        <a:fontRef idx="minor">
+          <a:schemeClr val="lt1"/>
+        </a:fontRef>
+      </dsp:style>
+      <dsp:txBody>
+        <a:bodyPr spcFirstLastPara="0" vert="horz" wrap="square" lIns="45720" tIns="45720" rIns="45720" bIns="45720" numCol="1" spcCol="1270" anchor="ctr" anchorCtr="0">
+          <a:noAutofit/>
+        </a:bodyPr>
+        <a:lstStyle/>
+        <a:p>
+          <a:pPr lvl="0" algn="ctr" defTabSz="533400">
+            <a:lnSpc>
+              <a:spcPct val="90000"/>
+            </a:lnSpc>
+            <a:spcBef>
+              <a:spcPct val="0"/>
+            </a:spcBef>
+            <a:spcAft>
+              <a:spcPct val="35000"/>
+            </a:spcAft>
+          </a:pPr>
+          <a:r>
+            <a:rPr lang="en-US" sz="1200" kern="1200" dirty="0" smtClean="0">
+              <a:latin typeface="Oxygen" panose="02000503000000000000" pitchFamily="2" charset="0"/>
+            </a:rPr>
+            <a:t>Analyze the data</a:t>
+          </a:r>
+          <a:endParaRPr lang="en-AU" sz="1200" kern="1200" dirty="0">
+            <a:latin typeface="Oxygen" panose="02000503000000000000" pitchFamily="2" charset="0"/>
+          </a:endParaRPr>
+        </a:p>
+      </dsp:txBody>
+      <dsp:txXfrm>
+        <a:off x="6455319" y="1406804"/>
+        <a:ext cx="1705319" cy="1589173"/>
+      </dsp:txXfrm>
+    </dsp:sp>
+    <dsp:sp modelId="{EE9C0205-25A8-4E22-B667-8C905BFC6B6F}">
+      <dsp:nvSpPr>
+        <dsp:cNvPr id="0" name=""/>
+        <dsp:cNvSpPr/>
+      </dsp:nvSpPr>
+      <dsp:spPr>
+        <a:xfrm>
+          <a:off x="8414898" y="1320834"/>
+          <a:ext cx="1782010" cy="1761113"/>
+        </a:xfrm>
+        <a:prstGeom prst="roundRect">
+          <a:avLst/>
+        </a:prstGeom>
+        <a:solidFill>
+          <a:schemeClr val="accent6">
+            <a:hueOff val="0"/>
+            <a:satOff val="0"/>
+            <a:lumOff val="0"/>
+            <a:alphaOff val="0"/>
+          </a:schemeClr>
+        </a:solidFill>
+        <a:ln w="12700" cap="flat" cmpd="sng" algn="ctr">
+          <a:solidFill>
+            <a:schemeClr val="lt1">
+              <a:hueOff val="0"/>
+              <a:satOff val="0"/>
+              <a:lumOff val="0"/>
+              <a:alphaOff val="0"/>
+            </a:schemeClr>
+          </a:solidFill>
+          <a:prstDash val="solid"/>
+          <a:miter lim="800000"/>
+        </a:ln>
+        <a:effectLst/>
+      </dsp:spPr>
+      <dsp:style>
+        <a:lnRef idx="2">
+          <a:scrgbClr r="0" g="0" b="0"/>
+        </a:lnRef>
+        <a:fillRef idx="1">
+          <a:scrgbClr r="0" g="0" b="0"/>
+        </a:fillRef>
+        <a:effectRef idx="0">
+          <a:scrgbClr r="0" g="0" b="0"/>
+        </a:effectRef>
+        <a:fontRef idx="minor">
+          <a:schemeClr val="lt1"/>
+        </a:fontRef>
+      </dsp:style>
+      <dsp:txBody>
+        <a:bodyPr spcFirstLastPara="0" vert="horz" wrap="square" lIns="45720" tIns="45720" rIns="45720" bIns="45720" numCol="1" spcCol="1270" anchor="ctr" anchorCtr="0">
+          <a:noAutofit/>
+        </a:bodyPr>
+        <a:lstStyle/>
+        <a:p>
+          <a:pPr lvl="0" algn="ctr" defTabSz="533400">
+            <a:lnSpc>
+              <a:spcPct val="90000"/>
+            </a:lnSpc>
+            <a:spcBef>
+              <a:spcPct val="0"/>
+            </a:spcBef>
+            <a:spcAft>
+              <a:spcPct val="35000"/>
+            </a:spcAft>
+          </a:pPr>
+          <a:r>
+            <a:rPr lang="en-US" sz="1200" kern="1200" dirty="0" smtClean="0">
+              <a:latin typeface="Oxygen" panose="02000503000000000000" pitchFamily="2" charset="0"/>
+            </a:rPr>
+            <a:t>Interpret the answers</a:t>
+          </a:r>
+          <a:endParaRPr lang="en-AU" sz="1200" kern="1200" dirty="0">
+            <a:latin typeface="Oxygen" panose="02000503000000000000" pitchFamily="2" charset="0"/>
+          </a:endParaRPr>
+        </a:p>
+      </dsp:txBody>
+      <dsp:txXfrm>
+        <a:off x="8500868" y="1406804"/>
+        <a:ext cx="1610070" cy="1589173"/>
+      </dsp:txXfrm>
+    </dsp:sp>
   </dsp:spTree>
 </dsp:drawing>
 </file>
@@ -6043,7 +6493,7 @@
           <a:p>
             <a:fld id="{B626AD92-B829-4669-B525-7F870382C0D0}" type="datetimeFigureOut">
               <a:rPr lang="en-AU" smtClean="0"/>
-              <a:t>9/11/2023</a:t>
+              <a:t>10/11/2023</a:t>
             </a:fld>
             <a:endParaRPr lang="en-AU"/>
           </a:p>
@@ -7534,7 +7984,7 @@
           <a:p>
             <a:fld id="{432D53EB-9308-49DF-BEF8-4AA0B3B0C927}" type="datetimeFigureOut">
               <a:rPr lang="en-AU" smtClean="0"/>
-              <a:t>9/11/2023</a:t>
+              <a:t>10/11/2023</a:t>
             </a:fld>
             <a:endParaRPr lang="en-AU"/>
           </a:p>
@@ -7704,7 +8154,7 @@
           <a:p>
             <a:fld id="{432D53EB-9308-49DF-BEF8-4AA0B3B0C927}" type="datetimeFigureOut">
               <a:rPr lang="en-AU" smtClean="0"/>
-              <a:t>9/11/2023</a:t>
+              <a:t>10/11/2023</a:t>
             </a:fld>
             <a:endParaRPr lang="en-AU"/>
           </a:p>
@@ -7884,7 +8334,7 @@
           <a:p>
             <a:fld id="{432D53EB-9308-49DF-BEF8-4AA0B3B0C927}" type="datetimeFigureOut">
               <a:rPr lang="en-AU" smtClean="0"/>
-              <a:t>9/11/2023</a:t>
+              <a:t>10/11/2023</a:t>
             </a:fld>
             <a:endParaRPr lang="en-AU"/>
           </a:p>
@@ -8054,7 +8504,7 @@
           <a:p>
             <a:fld id="{432D53EB-9308-49DF-BEF8-4AA0B3B0C927}" type="datetimeFigureOut">
               <a:rPr lang="en-AU" smtClean="0"/>
-              <a:t>9/11/2023</a:t>
+              <a:t>10/11/2023</a:t>
             </a:fld>
             <a:endParaRPr lang="en-AU"/>
           </a:p>
@@ -8300,7 +8750,7 @@
           <a:p>
             <a:fld id="{432D53EB-9308-49DF-BEF8-4AA0B3B0C927}" type="datetimeFigureOut">
               <a:rPr lang="en-AU" smtClean="0"/>
-              <a:t>9/11/2023</a:t>
+              <a:t>10/11/2023</a:t>
             </a:fld>
             <a:endParaRPr lang="en-AU"/>
           </a:p>
@@ -8532,7 +8982,7 @@
           <a:p>
             <a:fld id="{432D53EB-9308-49DF-BEF8-4AA0B3B0C927}" type="datetimeFigureOut">
               <a:rPr lang="en-AU" smtClean="0"/>
-              <a:t>9/11/2023</a:t>
+              <a:t>10/11/2023</a:t>
             </a:fld>
             <a:endParaRPr lang="en-AU"/>
           </a:p>
@@ -8899,7 +9349,7 @@
           <a:p>
             <a:fld id="{432D53EB-9308-49DF-BEF8-4AA0B3B0C927}" type="datetimeFigureOut">
               <a:rPr lang="en-AU" smtClean="0"/>
-              <a:t>9/11/2023</a:t>
+              <a:t>10/11/2023</a:t>
             </a:fld>
             <a:endParaRPr lang="en-AU"/>
           </a:p>
@@ -9017,7 +9467,7 @@
           <a:p>
             <a:fld id="{432D53EB-9308-49DF-BEF8-4AA0B3B0C927}" type="datetimeFigureOut">
               <a:rPr lang="en-AU" smtClean="0"/>
-              <a:t>9/11/2023</a:t>
+              <a:t>10/11/2023</a:t>
             </a:fld>
             <a:endParaRPr lang="en-AU"/>
           </a:p>
@@ -9112,7 +9562,7 @@
           <a:p>
             <a:fld id="{432D53EB-9308-49DF-BEF8-4AA0B3B0C927}" type="datetimeFigureOut">
               <a:rPr lang="en-AU" smtClean="0"/>
-              <a:t>9/11/2023</a:t>
+              <a:t>10/11/2023</a:t>
             </a:fld>
             <a:endParaRPr lang="en-AU"/>
           </a:p>
@@ -9389,7 +9839,7 @@
           <a:p>
             <a:fld id="{432D53EB-9308-49DF-BEF8-4AA0B3B0C927}" type="datetimeFigureOut">
               <a:rPr lang="en-AU" smtClean="0"/>
-              <a:t>9/11/2023</a:t>
+              <a:t>10/11/2023</a:t>
             </a:fld>
             <a:endParaRPr lang="en-AU"/>
           </a:p>
@@ -9642,7 +10092,7 @@
           <a:p>
             <a:fld id="{432D53EB-9308-49DF-BEF8-4AA0B3B0C927}" type="datetimeFigureOut">
               <a:rPr lang="en-AU" smtClean="0"/>
-              <a:t>9/11/2023</a:t>
+              <a:t>10/11/2023</a:t>
             </a:fld>
             <a:endParaRPr lang="en-AU"/>
           </a:p>
@@ -9855,7 +10305,7 @@
           <a:p>
             <a:fld id="{432D53EB-9308-49DF-BEF8-4AA0B3B0C927}" type="datetimeFigureOut">
               <a:rPr lang="en-AU" smtClean="0"/>
-              <a:t>9/11/2023</a:t>
+              <a:t>10/11/2023</a:t>
             </a:fld>
             <a:endParaRPr lang="en-AU"/>
           </a:p>
@@ -11902,29 +12352,8 @@
                 <a:latin typeface="Oxygen" panose="02000503000000000000" pitchFamily="2" charset="0"/>
                 <a:cs typeface="Arial" panose="020B0604020202020204" pitchFamily="34" charset="0"/>
               </a:rPr>
-              <a:t>Data Analysis: </a:t>
-            </a:r>
-            <a:r>
-              <a:rPr lang="en-US" b="1" cap="small" dirty="0" smtClean="0">
-                <a:solidFill>
-                  <a:schemeClr val="bg2">
-                    <a:lumMod val="75000"/>
-                  </a:schemeClr>
-                </a:solidFill>
-                <a:latin typeface="Oxygen" panose="02000503000000000000" pitchFamily="2" charset="0"/>
-                <a:cs typeface="Arial" panose="020B0604020202020204" pitchFamily="34" charset="0"/>
-              </a:rPr>
-              <a:t>Naming Columns</a:t>
-            </a:r>
-            <a:endParaRPr lang="en-US" b="1" cap="small" dirty="0" smtClean="0">
-              <a:solidFill>
-                <a:schemeClr val="bg2">
-                  <a:lumMod val="75000"/>
-                </a:schemeClr>
-              </a:solidFill>
-              <a:latin typeface="Oxygen" panose="02000503000000000000" pitchFamily="2" charset="0"/>
-              <a:cs typeface="Arial" panose="020B0604020202020204" pitchFamily="34" charset="0"/>
-            </a:endParaRPr>
+              <a:t>Data Analysis: Naming Columns</a:t>
+            </a:r>
           </a:p>
         </p:txBody>
       </p:sp>
@@ -12936,29 +13365,8 @@
                 <a:latin typeface="Oxygen" panose="02000503000000000000" pitchFamily="2" charset="0"/>
                 <a:cs typeface="Arial" panose="020B0604020202020204" pitchFamily="34" charset="0"/>
               </a:rPr>
-              <a:t>Data Analysis: </a:t>
-            </a:r>
-            <a:r>
-              <a:rPr lang="en-US" b="1" cap="small" dirty="0" smtClean="0">
-                <a:solidFill>
-                  <a:schemeClr val="bg2">
-                    <a:lumMod val="75000"/>
-                  </a:schemeClr>
-                </a:solidFill>
-                <a:latin typeface="Oxygen" panose="02000503000000000000" pitchFamily="2" charset="0"/>
-                <a:cs typeface="Arial" panose="020B0604020202020204" pitchFamily="34" charset="0"/>
-              </a:rPr>
-              <a:t>Naming Columns</a:t>
-            </a:r>
-            <a:endParaRPr lang="en-US" b="1" cap="small" dirty="0" smtClean="0">
-              <a:solidFill>
-                <a:schemeClr val="bg2">
-                  <a:lumMod val="75000"/>
-                </a:schemeClr>
-              </a:solidFill>
-              <a:latin typeface="Oxygen" panose="02000503000000000000" pitchFamily="2" charset="0"/>
-              <a:cs typeface="Arial" panose="020B0604020202020204" pitchFamily="34" charset="0"/>
-            </a:endParaRPr>
+              <a:t>Data Analysis: Naming Columns</a:t>
+            </a:r>
           </a:p>
         </p:txBody>
       </p:sp>
@@ -13844,31 +14252,7 @@
                 <a:latin typeface="Oxygen" panose="02000503000000000000" pitchFamily="2" charset="0"/>
                 <a:cs typeface="Arial" panose="020B0604020202020204" pitchFamily="34" charset="0"/>
               </a:rPr>
-              <a:t>Data Analysis: </a:t>
-            </a:r>
-            <a:r>
-              <a:rPr lang="en-US" b="1" cap="small" dirty="0" smtClean="0">
-                <a:solidFill>
-                  <a:schemeClr val="bg2">
-                    <a:lumMod val="75000"/>
-                  </a:schemeClr>
-                </a:solidFill>
-                <a:latin typeface="Oxygen" panose="02000503000000000000" pitchFamily="2" charset="0"/>
-                <a:cs typeface="Arial" panose="020B0604020202020204" pitchFamily="34" charset="0"/>
-              </a:rPr>
-              <a:t>Exporting </a:t>
-            </a:r>
-            <a:r>
-              <a:rPr lang="en-US" b="1" cap="small" dirty="0" smtClean="0">
-                <a:solidFill>
-                  <a:schemeClr val="bg2">
-                    <a:lumMod val="75000"/>
-                  </a:schemeClr>
-                </a:solidFill>
-                <a:latin typeface="Oxygen" panose="02000503000000000000" pitchFamily="2" charset="0"/>
-                <a:cs typeface="Arial" panose="020B0604020202020204" pitchFamily="34" charset="0"/>
-              </a:rPr>
-              <a:t>Data</a:t>
+              <a:t>Data Analysis: Exporting Data</a:t>
             </a:r>
           </a:p>
         </p:txBody>
@@ -14066,18 +14450,7 @@
                 </a:solidFill>
                 <a:latin typeface="Oxygen" panose="02000503000000000000" pitchFamily="2" charset="0"/>
               </a:rPr>
-              <a:t>file, run the code </a:t>
-            </a:r>
-            <a:r>
-              <a:rPr lang="en-US" sz="1100" dirty="0" smtClean="0">
-                <a:solidFill>
-                  <a:srgbClr val="E7E6E6">
-                    <a:lumMod val="50000"/>
-                  </a:srgbClr>
-                </a:solidFill>
-                <a:latin typeface="Oxygen" panose="02000503000000000000" pitchFamily="2" charset="0"/>
-              </a:rPr>
-              <a:t>below</a:t>
+              <a:t>file, run the code below</a:t>
             </a:r>
           </a:p>
           <a:p>
@@ -15272,11 +15645,11 @@
   <p:clrMapOvr>
     <a:masterClrMapping/>
   </p:clrMapOvr>
-  <mc:AlternateContent xmlns:mc="http://schemas.openxmlformats.org/markup-compatibility/2006">
-    <mc:Choice xmlns:p14="http://schemas.microsoft.com/office/powerpoint/2010/main" Requires="p14">
+  <mc:AlternateContent xmlns:mc="http://schemas.openxmlformats.org/markup-compatibility/2006" xmlns:p14="http://schemas.microsoft.com/office/powerpoint/2010/main">
+    <mc:Choice Requires="p14">
       <p:transition p14:dur="10"/>
     </mc:Choice>
-    <mc:Fallback>
+    <mc:Fallback xmlns="">
       <p:transition/>
     </mc:Fallback>
   </mc:AlternateContent>
@@ -21837,7 +22210,7 @@
         </p:blipFill>
         <p:spPr bwMode="auto">
           <a:xfrm>
-            <a:off x="884862" y="2972777"/>
+            <a:off x="611322" y="2946342"/>
             <a:ext cx="2624739" cy="880871"/>
           </a:xfrm>
           <a:prstGeom prst="rect">
@@ -21878,7 +22251,7 @@
         </p:blipFill>
         <p:spPr bwMode="auto">
           <a:xfrm>
-            <a:off x="4909333" y="3187865"/>
+            <a:off x="4659179" y="3187865"/>
             <a:ext cx="1554118" cy="450694"/>
           </a:xfrm>
           <a:prstGeom prst="rect">
@@ -21912,7 +22285,7 @@
         </p:blipFill>
         <p:spPr>
           <a:xfrm>
-            <a:off x="8344160" y="3266213"/>
+            <a:off x="8447672" y="3266213"/>
             <a:ext cx="1484068" cy="368118"/>
           </a:xfrm>
           <a:prstGeom prst="rect">
@@ -22509,7 +22882,7 @@
         </p:nvSpPr>
         <p:spPr>
           <a:xfrm>
-            <a:off x="6310571" y="171488"/>
+            <a:off x="6353701" y="171488"/>
             <a:ext cx="3395481" cy="369332"/>
           </a:xfrm>
           <a:prstGeom prst="rect">
@@ -22533,29 +22906,8 @@
                 <a:latin typeface="Oxygen" panose="02000503000000000000" pitchFamily="2" charset="0"/>
                 <a:cs typeface="Arial" panose="020B0604020202020204" pitchFamily="34" charset="0"/>
               </a:rPr>
-              <a:t>Data Analysis: Importing </a:t>
-            </a:r>
-            <a:r>
-              <a:rPr lang="en-US" b="1" cap="small" dirty="0" smtClean="0">
-                <a:solidFill>
-                  <a:schemeClr val="bg2">
-                    <a:lumMod val="75000"/>
-                  </a:schemeClr>
-                </a:solidFill>
-                <a:latin typeface="Oxygen" panose="02000503000000000000" pitchFamily="2" charset="0"/>
-                <a:cs typeface="Arial" panose="020B0604020202020204" pitchFamily="34" charset="0"/>
-              </a:rPr>
-              <a:t>Data</a:t>
-            </a:r>
-            <a:endParaRPr lang="en-US" b="1" cap="small" dirty="0" smtClean="0">
-              <a:solidFill>
-                <a:schemeClr val="bg2">
-                  <a:lumMod val="75000"/>
-                </a:schemeClr>
-              </a:solidFill>
-              <a:latin typeface="Oxygen" panose="02000503000000000000" pitchFamily="2" charset="0"/>
-              <a:cs typeface="Arial" panose="020B0604020202020204" pitchFamily="34" charset="0"/>
-            </a:endParaRPr>
+              <a:t>Data Analysis: Importing Data</a:t>
+            </a:r>
           </a:p>
         </p:txBody>
       </p:sp>
@@ -24021,7 +24373,7 @@
         </p:nvSpPr>
         <p:spPr>
           <a:xfrm>
-            <a:off x="6280114" y="175387"/>
+            <a:off x="6349575" y="166761"/>
             <a:ext cx="3456395" cy="369332"/>
           </a:xfrm>
           <a:prstGeom prst="rect">
@@ -24045,31 +24397,7 @@
                 <a:latin typeface="Oxygen" panose="02000503000000000000" pitchFamily="2" charset="0"/>
                 <a:cs typeface="Arial" panose="020B0604020202020204" pitchFamily="34" charset="0"/>
               </a:rPr>
-              <a:t>Data Analysis: </a:t>
-            </a:r>
-            <a:r>
-              <a:rPr lang="en-US" b="1" cap="small" dirty="0" smtClean="0">
-                <a:solidFill>
-                  <a:schemeClr val="bg2">
-                    <a:lumMod val="75000"/>
-                  </a:schemeClr>
-                </a:solidFill>
-                <a:latin typeface="Oxygen" panose="02000503000000000000" pitchFamily="2" charset="0"/>
-                <a:cs typeface="Arial" panose="020B0604020202020204" pitchFamily="34" charset="0"/>
-              </a:rPr>
-              <a:t>Importing </a:t>
-            </a:r>
-            <a:r>
-              <a:rPr lang="en-US" b="1" cap="small" dirty="0" smtClean="0">
-                <a:solidFill>
-                  <a:schemeClr val="bg2">
-                    <a:lumMod val="75000"/>
-                  </a:schemeClr>
-                </a:solidFill>
-                <a:latin typeface="Oxygen" panose="02000503000000000000" pitchFamily="2" charset="0"/>
-                <a:cs typeface="Arial" panose="020B0604020202020204" pitchFamily="34" charset="0"/>
-              </a:rPr>
-              <a:t>Data</a:t>
+              <a:t>Data Analysis: Importing Data</a:t>
             </a:r>
           </a:p>
         </p:txBody>
